--- a/ClassMaterials/SimpleObjects/Slides/Classes and References.pptx
+++ b/ClassMaterials/SimpleObjects/Slides/Classes and References.pptx
@@ -19,7 +19,7 @@
     <p:sldId id="264" r:id="rId10"/>
     <p:sldId id="265" r:id="rId11"/>
     <p:sldId id="266" r:id="rId12"/>
-    <p:sldId id="267" r:id="rId13"/>
+    <p:sldId id="273" r:id="rId13"/>
     <p:sldId id="268" r:id="rId14"/>
     <p:sldId id="269" r:id="rId15"/>
     <p:sldId id="270" r:id="rId16"/>
@@ -522,7 +522,7 @@
           <a:lstStyle/>
           <a:p>
             <a:r>
-              <a:rPr lang="en-US" sz="1200" b="0" strike="noStrike" spc="-1" dirty="0" smtClean="0">
+              <a:rPr lang="en-US" sz="1200" b="0" strike="noStrike" spc="-1" dirty="0">
                 <a:solidFill>
                   <a:srgbClr val="000000"/>
                 </a:solidFill>
@@ -538,7 +538,7 @@
           </a:p>
           <a:p>
             <a:r>
-              <a:rPr lang="en-US" sz="1200" b="0" strike="noStrike" spc="-1" dirty="0" smtClean="0">
+              <a:rPr lang="en-US" sz="1200" b="0" strike="noStrike" spc="-1" dirty="0">
                 <a:solidFill>
                   <a:srgbClr val="000000"/>
                 </a:solidFill>
@@ -554,7 +554,7 @@
           </a:p>
           <a:p>
             <a:r>
-              <a:rPr lang="en-US" sz="1200" b="0" strike="noStrike" spc="-1" dirty="0" smtClean="0">
+              <a:rPr lang="en-US" sz="1200" b="0" strike="noStrike" spc="-1" dirty="0">
                 <a:solidFill>
                   <a:srgbClr val="000000"/>
                 </a:solidFill>
@@ -568,7 +568,7 @@
               <a:t>Grades</a:t>
             </a:r>
             <a:r>
-              <a:rPr lang="en-US" sz="1200" b="0" strike="noStrike" spc="-1" baseline="0" dirty="0" smtClean="0">
+              <a:rPr lang="en-US" sz="1200" b="0" strike="noStrike" spc="-1" baseline="0" dirty="0">
                 <a:solidFill>
                   <a:srgbClr val="000000"/>
                 </a:solidFill>
@@ -581,7 +581,7 @@
               </a:rPr>
               <a:t> – see me at break or after class if you feel your grade is wrong.</a:t>
             </a:r>
-            <a:endParaRPr lang="en-US" sz="1200" b="0" strike="noStrike" spc="-1" dirty="0" smtClean="0">
+            <a:endParaRPr lang="en-US" sz="1200" b="0" strike="noStrike" spc="-1" dirty="0">
               <a:solidFill>
                 <a:srgbClr val="000000"/>
               </a:solidFill>
@@ -599,7 +599,7 @@
                 <a:spcPct val="0"/>
               </a:spcBef>
             </a:pPr>
-            <a:endParaRPr lang="en-US" dirty="0" smtClean="0"/>
+            <a:endParaRPr lang="en-US" dirty="0"/>
           </a:p>
         </p:txBody>
       </p:sp>
@@ -625,7 +625,7 @@
               <a:pPr/>
               <a:t>1</a:t>
             </a:fld>
-            <a:endParaRPr lang="en-US" smtClean="0"/>
+            <a:endParaRPr lang="en-US"/>
           </a:p>
         </p:txBody>
       </p:sp>
@@ -699,7 +699,7 @@
           <a:bodyPr/>
           <a:lstStyle/>
           <a:p>
-            <a:endParaRPr lang="en-US" dirty="0" smtClean="0"/>
+            <a:endParaRPr lang="en-US" dirty="0"/>
           </a:p>
         </p:txBody>
       </p:sp>
@@ -786,6 +786,34 @@
           <a:bodyPr/>
           <a:lstStyle/>
           <a:p>
+            <a:r>
+              <a:rPr lang="en-US" dirty="0" err="1"/>
+              <a:t>Math.pow</a:t>
+            </a:r>
+            <a:r>
+              <a:rPr lang="en-US" dirty="0"/>
+              <a:t>( )</a:t>
+            </a:r>
+          </a:p>
+          <a:p>
+            <a:r>
+              <a:rPr lang="en-US" dirty="0" err="1"/>
+              <a:t>Math.sqrt</a:t>
+            </a:r>
+            <a:r>
+              <a:rPr lang="en-US" dirty="0"/>
+              <a:t>( )</a:t>
+            </a:r>
+          </a:p>
+          <a:p>
+            <a:r>
+              <a:rPr lang="en-US" dirty="0"/>
+              <a:t>Utilities,</a:t>
+            </a:r>
+            <a:r>
+              <a:rPr lang="en-US" baseline="0" dirty="0"/>
+              <a:t> nothing specific to an instance</a:t>
+            </a:r>
             <a:endParaRPr lang="en-US" dirty="0"/>
           </a:p>
         </p:txBody>
@@ -813,7 +841,7 @@
               <a:pPr>
                 <a:defRPr/>
               </a:pPr>
-              <a:t>12</a:t>
+              <a:t>13</a:t>
             </a:fld>
             <a:endParaRPr lang="en-US"/>
           </a:p>
@@ -822,7 +850,7 @@
     </p:spTree>
     <p:extLst>
       <p:ext uri="{BB962C8B-B14F-4D97-AF65-F5344CB8AC3E}">
-        <p14:creationId xmlns:p14="http://schemas.microsoft.com/office/powerpoint/2010/main" val="3371616145"/>
+        <p14:creationId xmlns:p14="http://schemas.microsoft.com/office/powerpoint/2010/main" val="2391102015"/>
       </p:ext>
     </p:extLst>
   </p:cSld>
@@ -877,32 +905,14 @@
           <a:lstStyle/>
           <a:p>
             <a:r>
-              <a:rPr lang="en-US" dirty="0" err="1" smtClean="0"/>
-              <a:t>Math.pow</a:t>
-            </a:r>
-            <a:r>
-              <a:rPr lang="en-US" dirty="0" smtClean="0"/>
-              <a:t>( )</a:t>
-            </a:r>
-          </a:p>
-          <a:p>
-            <a:r>
-              <a:rPr lang="en-US" dirty="0" err="1" smtClean="0"/>
-              <a:t>Math.sqrt</a:t>
-            </a:r>
-            <a:r>
-              <a:rPr lang="en-US" dirty="0" smtClean="0"/>
-              <a:t>( )</a:t>
-            </a:r>
-          </a:p>
-          <a:p>
-            <a:r>
-              <a:rPr lang="en-US" dirty="0" smtClean="0"/>
-              <a:t>Utilities,</a:t>
-            </a:r>
-            <a:r>
-              <a:rPr lang="en-US" baseline="0" dirty="0" smtClean="0"/>
-              <a:t> nothing specific to an instance</a:t>
+              <a:rPr lang="en-US" dirty="0"/>
+              <a:t>NOT allowed to write code like this </a:t>
+            </a:r>
+            <a:r>
+              <a:rPr lang="en-US" dirty="0">
+                <a:sym typeface="Wingdings" panose="05000000000000000000" pitchFamily="2" charset="2"/>
+              </a:rPr>
+              <a:t></a:t>
             </a:r>
             <a:endParaRPr lang="en-US" dirty="0"/>
           </a:p>
@@ -931,106 +941,6 @@
               <a:pPr>
                 <a:defRPr/>
               </a:pPr>
-              <a:t>13</a:t>
-            </a:fld>
-            <a:endParaRPr lang="en-US"/>
-          </a:p>
-        </p:txBody>
-      </p:sp>
-    </p:spTree>
-    <p:extLst>
-      <p:ext uri="{BB962C8B-B14F-4D97-AF65-F5344CB8AC3E}">
-        <p14:creationId xmlns:p14="http://schemas.microsoft.com/office/powerpoint/2010/main" val="2391102015"/>
-      </p:ext>
-    </p:extLst>
-  </p:cSld>
-  <p:clrMapOvr>
-    <a:masterClrMapping/>
-  </p:clrMapOvr>
-</p:notes>
-</file>
-
-<file path=ppt/notesSlides/notesSlide13.xml><?xml version="1.0" encoding="utf-8"?>
-<p:notes xmlns:a="http://schemas.openxmlformats.org/drawingml/2006/main" xmlns:r="http://schemas.openxmlformats.org/officeDocument/2006/relationships" xmlns:p="http://schemas.openxmlformats.org/presentationml/2006/main">
-  <p:cSld>
-    <p:spTree>
-      <p:nvGrpSpPr>
-        <p:cNvPr id="1" name=""/>
-        <p:cNvGrpSpPr/>
-        <p:nvPr/>
-      </p:nvGrpSpPr>
-      <p:grpSpPr>
-        <a:xfrm>
-          <a:off x="0" y="0"/>
-          <a:ext cx="0" cy="0"/>
-          <a:chOff x="0" y="0"/>
-          <a:chExt cx="0" cy="0"/>
-        </a:xfrm>
-      </p:grpSpPr>
-      <p:sp>
-        <p:nvSpPr>
-          <p:cNvPr id="2" name="Slide Image Placeholder 1"/>
-          <p:cNvSpPr>
-            <a:spLocks noGrp="1" noRot="1" noChangeAspect="1"/>
-          </p:cNvSpPr>
-          <p:nvPr>
-            <p:ph type="sldImg"/>
-          </p:nvPr>
-        </p:nvSpPr>
-        <p:spPr/>
-      </p:sp>
-      <p:sp>
-        <p:nvSpPr>
-          <p:cNvPr id="3" name="Notes Placeholder 2"/>
-          <p:cNvSpPr>
-            <a:spLocks noGrp="1"/>
-          </p:cNvSpPr>
-          <p:nvPr>
-            <p:ph type="body" idx="1"/>
-          </p:nvPr>
-        </p:nvSpPr>
-        <p:spPr/>
-        <p:txBody>
-          <a:bodyPr/>
-          <a:lstStyle/>
-          <a:p>
-            <a:r>
-              <a:rPr lang="en-US" dirty="0" smtClean="0"/>
-              <a:t>NOT allowed to write code like this </a:t>
-            </a:r>
-            <a:r>
-              <a:rPr lang="en-US" dirty="0" smtClean="0">
-                <a:sym typeface="Wingdings" panose="05000000000000000000" pitchFamily="2" charset="2"/>
-              </a:rPr>
-              <a:t></a:t>
-            </a:r>
-            <a:endParaRPr lang="en-US" dirty="0"/>
-          </a:p>
-        </p:txBody>
-      </p:sp>
-      <p:sp>
-        <p:nvSpPr>
-          <p:cNvPr id="4" name="Slide Number Placeholder 3"/>
-          <p:cNvSpPr>
-            <a:spLocks noGrp="1"/>
-          </p:cNvSpPr>
-          <p:nvPr>
-            <p:ph type="sldNum" sz="quarter" idx="10"/>
-          </p:nvPr>
-        </p:nvSpPr>
-        <p:spPr/>
-        <p:txBody>
-          <a:bodyPr/>
-          <a:lstStyle/>
-          <a:p>
-            <a:pPr>
-              <a:defRPr/>
-            </a:pPr>
-            <a:fld id="{F3BF035C-C190-4FBE-9474-8535FCFBFED8}" type="slidenum">
-              <a:rPr lang="en-US" smtClean="0"/>
-              <a:pPr>
-                <a:defRPr/>
-              </a:pPr>
               <a:t>16</a:t>
             </a:fld>
             <a:endParaRPr lang="en-US"/>
@@ -1050,7 +960,7 @@
 </p:notes>
 </file>
 
-<file path=ppt/notesSlides/notesSlide14.xml><?xml version="1.0" encoding="utf-8"?>
+<file path=ppt/notesSlides/notesSlide13.xml><?xml version="1.0" encoding="utf-8"?>
 <p:notes xmlns:a="http://schemas.openxmlformats.org/drawingml/2006/main" xmlns:r="http://schemas.openxmlformats.org/officeDocument/2006/relationships" xmlns:p="http://schemas.openxmlformats.org/presentationml/2006/main">
   <p:cSld>
     <p:spTree>
@@ -1326,7 +1236,7 @@
               <a:defRPr/>
             </a:pPr>
             <a:r>
-              <a:rPr lang="en-US" dirty="0" smtClean="0"/>
+              <a:rPr lang="en-US" dirty="0"/>
               <a:t>Teams too, not just single students and assignments</a:t>
             </a:r>
           </a:p>
@@ -1546,7 +1456,7 @@
           <a:lstStyle/>
           <a:p>
             <a:r>
-              <a:rPr lang="en-US" sz="1200" b="0" strike="noStrike" spc="-1" dirty="0" smtClean="0">
+              <a:rPr lang="en-US" sz="1200" b="0" strike="noStrike" spc="-1" dirty="0">
                 <a:solidFill>
                   <a:srgbClr val="000000"/>
                 </a:solidFill>
@@ -1562,7 +1472,7 @@
           </a:p>
           <a:p>
             <a:r>
-              <a:rPr lang="en-US" sz="1200" b="0" strike="noStrike" spc="-1" dirty="0" smtClean="0">
+              <a:rPr lang="en-US" sz="1200" b="0" strike="noStrike" spc="-1" dirty="0">
                 <a:solidFill>
                   <a:srgbClr val="000000"/>
                 </a:solidFill>
@@ -1577,7 +1487,7 @@
             </a:r>
           </a:p>
           <a:p>
-            <a:endParaRPr lang="en-US" sz="1200" b="0" strike="noStrike" spc="-1" dirty="0" smtClean="0">
+            <a:endParaRPr lang="en-US" sz="1200" b="0" strike="noStrike" spc="-1" dirty="0">
               <a:solidFill>
                 <a:srgbClr val="000000"/>
               </a:solidFill>
@@ -1591,7 +1501,7 @@
           </a:p>
           <a:p>
             <a:r>
-              <a:rPr lang="en-US" sz="1200" b="0" strike="noStrike" spc="-1" dirty="0" err="1" smtClean="0">
+              <a:rPr lang="en-US" sz="1200" b="0" strike="noStrike" spc="-1" dirty="0" err="1">
                 <a:solidFill>
                   <a:srgbClr val="000000"/>
                 </a:solidFill>
@@ -1605,7 +1515,7 @@
               <a:t>Arrays.equals</a:t>
             </a:r>
             <a:r>
-              <a:rPr lang="en-US" sz="1200" b="0" strike="noStrike" spc="-1" dirty="0" smtClean="0">
+              <a:rPr lang="en-US" sz="1200" b="0" strike="noStrike" spc="-1" dirty="0">
                 <a:solidFill>
                   <a:srgbClr val="000000"/>
                 </a:solidFill>
@@ -1724,39 +1634,39 @@
           <a:lstStyle/>
           <a:p>
             <a:r>
-              <a:rPr lang="en-US" dirty="0" smtClean="0"/>
+              <a:rPr lang="en-US" dirty="0"/>
               <a:t>Draw box and pointer diagrams on board showing:</a:t>
             </a:r>
           </a:p>
           <a:p>
             <a:r>
-              <a:rPr lang="en-US" dirty="0" smtClean="0"/>
+              <a:rPr lang="en-US" dirty="0"/>
               <a:t>x : 10</a:t>
             </a:r>
           </a:p>
           <a:p>
             <a:r>
-              <a:rPr lang="en-US" dirty="0" smtClean="0"/>
+              <a:rPr lang="en-US" dirty="0"/>
               <a:t>y : 20</a:t>
             </a:r>
           </a:p>
           <a:p>
             <a:r>
-              <a:rPr lang="en-US" dirty="0" smtClean="0"/>
+              <a:rPr lang="en-US" dirty="0"/>
               <a:t>Rectangle object with values 10, 20, 5, 5</a:t>
             </a:r>
           </a:p>
           <a:p>
             <a:r>
-              <a:rPr lang="en-US" dirty="0" smtClean="0"/>
+              <a:rPr lang="en-US" dirty="0"/>
               <a:t>box : arrow pointing to Rectangle object</a:t>
             </a:r>
           </a:p>
           <a:p>
-            <a:endParaRPr lang="en-US" dirty="0" smtClean="0"/>
-          </a:p>
-          <a:p>
-            <a:endParaRPr lang="en-US" sz="1200" b="0" strike="noStrike" spc="-1" dirty="0" smtClean="0">
+            <a:endParaRPr lang="en-US" dirty="0"/>
+          </a:p>
+          <a:p>
+            <a:endParaRPr lang="en-US" sz="1200" b="0" strike="noStrike" spc="-1" dirty="0">
               <a:solidFill>
                 <a:srgbClr val="000000"/>
               </a:solidFill>
@@ -1770,7 +1680,7 @@
           </a:p>
           <a:p>
             <a:r>
-              <a:rPr lang="en-US" sz="1200" b="0" strike="noStrike" spc="-1" dirty="0" smtClean="0">
+              <a:rPr lang="en-US" sz="1200" b="0" strike="noStrike" spc="-1" dirty="0">
                 <a:solidFill>
                   <a:srgbClr val="000000"/>
                 </a:solidFill>
@@ -1785,7 +1695,7 @@
             </a:r>
           </a:p>
           <a:p>
-            <a:endParaRPr lang="en-US" sz="1200" b="0" strike="noStrike" spc="-1" dirty="0" smtClean="0">
+            <a:endParaRPr lang="en-US" sz="1200" b="0" strike="noStrike" spc="-1" dirty="0">
               <a:solidFill>
                 <a:srgbClr val="000000"/>
               </a:solidFill>
@@ -1799,7 +1709,7 @@
           </a:p>
           <a:p>
             <a:r>
-              <a:rPr lang="en-US" sz="1200" b="0" strike="noStrike" spc="-1" dirty="0" smtClean="0">
+              <a:rPr lang="en-US" sz="1200" b="0" strike="noStrike" spc="-1" dirty="0">
                 <a:solidFill>
                   <a:srgbClr val="000000"/>
                 </a:solidFill>
@@ -1814,7 +1724,7 @@
             </a:r>
           </a:p>
           <a:p>
-            <a:endParaRPr lang="en-US" sz="1200" b="0" strike="noStrike" spc="-1" dirty="0" smtClean="0">
+            <a:endParaRPr lang="en-US" sz="1200" b="0" strike="noStrike" spc="-1" dirty="0">
               <a:solidFill>
                 <a:srgbClr val="000000"/>
               </a:solidFill>
@@ -1828,7 +1738,7 @@
           </a:p>
           <a:p>
             <a:r>
-              <a:rPr lang="en-US" sz="1200" b="0" strike="noStrike" spc="-1" dirty="0" smtClean="0">
+              <a:rPr lang="en-US" sz="1200" b="0" strike="noStrike" spc="-1" dirty="0">
                 <a:solidFill>
                   <a:srgbClr val="000000"/>
                 </a:solidFill>
@@ -1842,7 +1752,7 @@
               <a:t>The value stored in the box variable is a memory location</a:t>
             </a:r>
             <a:r>
-              <a:rPr lang="en-US" sz="1200" b="0" strike="noStrike" spc="-1" baseline="0" dirty="0" smtClean="0">
+              <a:rPr lang="en-US" sz="1200" b="0" strike="noStrike" spc="-1" baseline="0" dirty="0">
                 <a:solidFill>
                   <a:srgbClr val="000000"/>
                 </a:solidFill>
@@ -1855,7 +1765,7 @@
               </a:rPr>
               <a:t> it is a reference to a memory location</a:t>
             </a:r>
-            <a:endParaRPr lang="en-US" sz="1200" b="0" strike="noStrike" spc="-1" dirty="0" smtClean="0">
+            <a:endParaRPr lang="en-US" sz="1200" b="0" strike="noStrike" spc="-1" dirty="0">
               <a:solidFill>
                 <a:srgbClr val="000000"/>
               </a:solidFill>
@@ -1868,7 +1778,7 @@
             </a:endParaRPr>
           </a:p>
           <a:p>
-            <a:endParaRPr lang="en-US" sz="1200" b="0" strike="noStrike" spc="-1" dirty="0" smtClean="0">
+            <a:endParaRPr lang="en-US" sz="1200" b="0" strike="noStrike" spc="-1" dirty="0">
               <a:solidFill>
                 <a:srgbClr val="000000"/>
               </a:solidFill>
@@ -1881,7 +1791,7 @@
             </a:endParaRPr>
           </a:p>
           <a:p>
-            <a:endParaRPr lang="en-US" sz="1200" b="0" strike="noStrike" spc="-1" dirty="0" smtClean="0">
+            <a:endParaRPr lang="en-US" sz="1200" b="0" strike="noStrike" spc="-1" dirty="0">
               <a:solidFill>
                 <a:srgbClr val="000000"/>
               </a:solidFill>
@@ -1894,7 +1804,7 @@
             </a:endParaRPr>
           </a:p>
           <a:p>
-            <a:endParaRPr lang="en-US" dirty="0" smtClean="0"/>
+            <a:endParaRPr lang="en-US" dirty="0"/>
           </a:p>
         </p:txBody>
       </p:sp>
@@ -1920,7 +1830,7 @@
               <a:pPr/>
               <a:t>6</a:t>
             </a:fld>
-            <a:endParaRPr lang="en-US" smtClean="0"/>
+            <a:endParaRPr lang="en-US"/>
           </a:p>
         </p:txBody>
       </p:sp>
@@ -1995,15 +1905,15 @@
           <a:lstStyle/>
           <a:p>
             <a:r>
-              <a:rPr lang="en-US" dirty="0" smtClean="0"/>
+              <a:rPr lang="en-US" dirty="0"/>
               <a:t>Draw step-by-step on the board.  </a:t>
             </a:r>
           </a:p>
           <a:p>
-            <a:endParaRPr lang="en-US" dirty="0" smtClean="0"/>
-          </a:p>
-          <a:p>
-            <a:endParaRPr lang="en-US" sz="1200" b="0" strike="noStrike" spc="-1" dirty="0" smtClean="0">
+            <a:endParaRPr lang="en-US" dirty="0"/>
+          </a:p>
+          <a:p>
+            <a:endParaRPr lang="en-US" sz="1200" b="0" strike="noStrike" spc="-1" dirty="0">
               <a:solidFill>
                 <a:srgbClr val="000000"/>
               </a:solidFill>
@@ -2017,7 +1927,7 @@
           </a:p>
           <a:p>
             <a:r>
-              <a:rPr lang="en-US" sz="1200" b="0" strike="noStrike" spc="-1" dirty="0" smtClean="0">
+              <a:rPr lang="en-US" sz="1200" b="0" strike="noStrike" spc="-1" dirty="0">
                 <a:solidFill>
                   <a:srgbClr val="000000"/>
                 </a:solidFill>
@@ -2032,7 +1942,7 @@
             </a:r>
           </a:p>
           <a:p>
-            <a:endParaRPr lang="en-US" dirty="0" smtClean="0"/>
+            <a:endParaRPr lang="en-US" dirty="0"/>
           </a:p>
         </p:txBody>
       </p:sp>
@@ -2058,7 +1968,7 @@
               <a:pPr/>
               <a:t>7</a:t>
             </a:fld>
-            <a:endParaRPr lang="en-US" smtClean="0"/>
+            <a:endParaRPr lang="en-US"/>
           </a:p>
         </p:txBody>
       </p:sp>
@@ -2276,7 +2186,7 @@
           <a:lstStyle/>
           <a:p>
             <a:r>
-              <a:rPr lang="en-US" sz="1200" b="0" strike="noStrike" spc="-1" dirty="0" smtClean="0">
+              <a:rPr lang="en-US" sz="1200" b="0" strike="noStrike" spc="-1" dirty="0">
                 <a:solidFill>
                   <a:srgbClr val="000000"/>
                 </a:solidFill>
@@ -2292,7 +2202,7 @@
           </a:p>
           <a:p>
             <a:r>
-              <a:rPr lang="en-US" sz="1200" b="0" strike="noStrike" spc="-1" baseline="0" dirty="0" smtClean="0">
+              <a:rPr lang="en-US" sz="1200" b="0" strike="noStrike" spc="-1" baseline="0" dirty="0">
                 <a:solidFill>
                   <a:srgbClr val="000000"/>
                 </a:solidFill>
@@ -2303,10 +2213,12 @@
                 </a:uFill>
                 <a:latin typeface="Arial"/>
               </a:rPr>
-              <a:t>Yoder</a:t>
-            </a:r>
-            <a:r>
-              <a:rPr lang="en-US" sz="1200" b="0" strike="noStrike" spc="-1" baseline="0" dirty="0" smtClean="0">
+              <a:t>Yoder: Point out the box and pointer diagrams on the course page</a:t>
+            </a:r>
+          </a:p>
+          <a:p>
+            <a:r>
+              <a:rPr lang="en-US" sz="1200" b="0" strike="noStrike" spc="-1" baseline="0" dirty="0">
                 <a:solidFill>
                   <a:srgbClr val="000000"/>
                 </a:solidFill>
@@ -2317,12 +2229,12 @@
                 </a:uFill>
                 <a:latin typeface="Arial"/>
               </a:rPr>
-              <a:t>: Point out the box and pointer diagrams on the course page</a:t>
-            </a:r>
-          </a:p>
-          <a:p>
-            <a:r>
-              <a:rPr lang="en-US" sz="1200" b="0" strike="noStrike" spc="-1" baseline="0" dirty="0" smtClean="0">
+              <a:t>NO ARROWS FOR PRIMITIVES!</a:t>
+            </a:r>
+          </a:p>
+          <a:p>
+            <a:r>
+              <a:rPr lang="en-US" sz="1200" b="0" strike="noStrike" spc="-1" baseline="0" dirty="0">
                 <a:solidFill>
                   <a:srgbClr val="000000"/>
                 </a:solidFill>
@@ -2333,12 +2245,12 @@
                 </a:uFill>
                 <a:latin typeface="Arial"/>
               </a:rPr>
-              <a:t>NO ARROWS FOR PRIMITIVES!</a:t>
-            </a:r>
-          </a:p>
-          <a:p>
-            <a:r>
-              <a:rPr lang="en-US" sz="1200" b="0" strike="noStrike" spc="-1" baseline="0" dirty="0" smtClean="0">
+              <a:t>Key word new is a clue… draw a box</a:t>
+            </a:r>
+          </a:p>
+          <a:p>
+            <a:r>
+              <a:rPr lang="en-US" sz="1200" b="0" strike="noStrike" spc="-1" baseline="0" dirty="0">
                 <a:solidFill>
                   <a:srgbClr val="000000"/>
                 </a:solidFill>
@@ -2349,28 +2261,12 @@
                 </a:uFill>
                 <a:latin typeface="Arial"/>
               </a:rPr>
-              <a:t>Key word new is a clue… draw a box</a:t>
-            </a:r>
-          </a:p>
-          <a:p>
-            <a:r>
-              <a:rPr lang="en-US" sz="1200" b="0" strike="noStrike" spc="-1" baseline="0" dirty="0" smtClean="0">
-                <a:solidFill>
-                  <a:srgbClr val="000000"/>
-                </a:solidFill>
-                <a:uFill>
-                  <a:solidFill>
-                    <a:srgbClr val="FFFFFF"/>
-                  </a:solidFill>
-                </a:uFill>
-                <a:latin typeface="Arial"/>
-              </a:rPr>
               <a:t>When you pass an Object into a method YOU PASS THE REFERENCE, so if you change it, it changes elsewhere!</a:t>
             </a:r>
           </a:p>
           <a:p>
             <a:r>
-              <a:rPr lang="en-US" sz="1200" b="0" strike="noStrike" spc="-1" baseline="0" dirty="0" smtClean="0">
+              <a:rPr lang="en-US" sz="1200" b="0" strike="noStrike" spc="-1" baseline="0" dirty="0">
                 <a:solidFill>
                   <a:srgbClr val="000000"/>
                 </a:solidFill>
@@ -2382,22 +2278,7 @@
                 <a:latin typeface="Arial"/>
                 <a:sym typeface="Wingdings" panose="05000000000000000000" pitchFamily="2" charset="2"/>
               </a:rPr>
-              <a:t>Notice </a:t>
-            </a:r>
-            <a:r>
-              <a:rPr lang="en-US" sz="1200" b="0" strike="noStrike" spc="-1" baseline="0" dirty="0" smtClean="0">
-                <a:solidFill>
-                  <a:srgbClr val="000000"/>
-                </a:solidFill>
-                <a:uFill>
-                  <a:solidFill>
-                    <a:srgbClr val="FFFFFF"/>
-                  </a:solidFill>
-                </a:uFill>
-                <a:latin typeface="Arial"/>
-                <a:sym typeface="Wingdings" panose="05000000000000000000" pitchFamily="2" charset="2"/>
-              </a:rPr>
-              <a:t>arrow pointing to null,  null is not in a box!</a:t>
+              <a:t>Notice arrow pointing to null,  null is not in a box!</a:t>
             </a:r>
           </a:p>
           <a:p>
@@ -2419,12 +2300,12 @@
               <a:defRPr/>
             </a:pPr>
             <a:r>
-              <a:rPr lang="en-US" dirty="0" smtClean="0"/>
+              <a:rPr lang="en-US" dirty="0"/>
               <a:t>SMALL BOXES MUST NOT POINT TO OTHER  SMALL BOXES</a:t>
             </a:r>
           </a:p>
           <a:p>
-            <a:endParaRPr lang="en-US" sz="1200" b="1" strike="noStrike" spc="-1" baseline="0" dirty="0" smtClean="0">
+            <a:endParaRPr lang="en-US" sz="1200" b="1" strike="noStrike" spc="-1" baseline="0" dirty="0">
               <a:solidFill>
                 <a:srgbClr val="000000"/>
               </a:solidFill>
@@ -3071,10 +2952,9 @@
           <a:lstStyle/>
           <a:p>
             <a:r>
-              <a:rPr lang="en-US" smtClean="0"/>
+              <a:rPr lang="en-US"/>
               <a:t>Click to edit Master title style</a:t>
             </a:r>
-            <a:endParaRPr lang="en-US"/>
           </a:p>
         </p:txBody>
       </p:sp>
@@ -3190,10 +3070,9 @@
           </a:lstStyle>
           <a:p>
             <a:r>
-              <a:rPr lang="en-US" smtClean="0"/>
+              <a:rPr lang="en-US"/>
               <a:t>Click to edit Master subtitle style</a:t>
             </a:r>
-            <a:endParaRPr lang="en-US"/>
           </a:p>
         </p:txBody>
       </p:sp>
@@ -3220,7 +3099,7 @@
               <a:pPr>
                 <a:defRPr/>
               </a:pPr>
-              <a:t>Monday, March 12, 2018</a:t>
+              <a:t>Sunday, September 9, 2018</a:t>
             </a:fld>
             <a:endParaRPr lang="en-US" dirty="0"/>
           </a:p>
@@ -3323,10 +3202,9 @@
           <a:lstStyle/>
           <a:p>
             <a:r>
-              <a:rPr lang="en-US" smtClean="0"/>
+              <a:rPr lang="en-US"/>
               <a:t>Click to edit Master title style</a:t>
             </a:r>
-            <a:endParaRPr lang="en-US"/>
           </a:p>
         </p:txBody>
       </p:sp>
@@ -3347,38 +3225,37 @@
           <a:p>
             <a:pPr lvl="0"/>
             <a:r>
-              <a:rPr lang="en-US" smtClean="0"/>
+              <a:rPr lang="en-US"/>
               <a:t>Click to edit Master text styles</a:t>
             </a:r>
           </a:p>
           <a:p>
             <a:pPr lvl="1"/>
             <a:r>
-              <a:rPr lang="en-US" smtClean="0"/>
+              <a:rPr lang="en-US"/>
               <a:t>Second level</a:t>
             </a:r>
           </a:p>
           <a:p>
             <a:pPr lvl="2"/>
             <a:r>
-              <a:rPr lang="en-US" smtClean="0"/>
+              <a:rPr lang="en-US"/>
               <a:t>Third level</a:t>
             </a:r>
           </a:p>
           <a:p>
             <a:pPr lvl="3"/>
             <a:r>
-              <a:rPr lang="en-US" smtClean="0"/>
+              <a:rPr lang="en-US"/>
               <a:t>Fourth level</a:t>
             </a:r>
           </a:p>
           <a:p>
             <a:pPr lvl="4"/>
             <a:r>
-              <a:rPr lang="en-US" smtClean="0"/>
+              <a:rPr lang="en-US"/>
               <a:t>Fifth level</a:t>
             </a:r>
-            <a:endParaRPr lang="en-US"/>
           </a:p>
         </p:txBody>
       </p:sp>
@@ -3405,7 +3282,7 @@
               <a:pPr>
                 <a:defRPr/>
               </a:pPr>
-              <a:t>Monday, March 12, 2018</a:t>
+              <a:t>Sunday, September 9, 2018</a:t>
             </a:fld>
             <a:endParaRPr lang="en-US" dirty="0"/>
           </a:p>
@@ -3517,10 +3394,9 @@
           </a:lstStyle>
           <a:p>
             <a:r>
-              <a:rPr lang="en-US" smtClean="0"/>
+              <a:rPr lang="en-US"/>
               <a:t>Click to edit Master title style</a:t>
             </a:r>
-            <a:endParaRPr lang="en-US"/>
           </a:p>
         </p:txBody>
       </p:sp>
@@ -3637,7 +3513,7 @@
           <a:p>
             <a:pPr lvl="0"/>
             <a:r>
-              <a:rPr lang="en-US" smtClean="0"/>
+              <a:rPr lang="en-US"/>
               <a:t>Click to edit Master text styles</a:t>
             </a:r>
           </a:p>
@@ -3666,7 +3542,7 @@
               <a:pPr>
                 <a:defRPr/>
               </a:pPr>
-              <a:t>Monday, March 12, 2018</a:t>
+              <a:t>Sunday, September 9, 2018</a:t>
             </a:fld>
             <a:endParaRPr lang="en-US"/>
           </a:p>
@@ -5629,10 +5505,9 @@
               <a:defRPr/>
             </a:pPr>
             <a:r>
-              <a:rPr lang="en-US" smtClean="0"/>
+              <a:rPr lang="en-US" dirty="0"/>
               <a:t>CSSE 220</a:t>
             </a:r>
-            <a:endParaRPr lang="en-US" dirty="0"/>
           </a:p>
         </p:txBody>
       </p:sp>
@@ -5657,7 +5532,7 @@
               </a:lnSpc>
             </a:pPr>
             <a:r>
-              <a:rPr lang="en-US" sz="2500" dirty="0" smtClean="0"/>
+              <a:rPr lang="en-US" sz="2500" dirty="0"/>
               <a:t>Objects</a:t>
             </a:r>
           </a:p>
@@ -5667,7 +5542,7 @@
                 <a:spcPct val="90000"/>
               </a:lnSpc>
             </a:pPr>
-            <a:endParaRPr lang="en-US" sz="2500" dirty="0" smtClean="0"/>
+            <a:endParaRPr lang="en-US" sz="2500" dirty="0"/>
           </a:p>
         </p:txBody>
       </p:sp>
@@ -5679,8 +5554,8 @@
         </p:nvSpPr>
         <p:spPr>
           <a:xfrm>
-            <a:off x="0" y="5906101"/>
-            <a:ext cx="9144000" cy="523220"/>
+            <a:off x="0" y="5279936"/>
+            <a:ext cx="9144000" cy="954107"/>
           </a:xfrm>
           <a:prstGeom prst="rect">
             <a:avLst/>
@@ -5713,31 +5588,40 @@
             </a:pPr>
             <a:r>
               <a:rPr lang="en-US" sz="2800" dirty="0"/>
-              <a:t>Check out </a:t>
-            </a:r>
-            <a:r>
-              <a:rPr lang="en-US" sz="2800" i="1" dirty="0" err="1" smtClean="0"/>
+              <a:t>Import </a:t>
+            </a:r>
+            <a:r>
+              <a:rPr lang="en-US" sz="2800" i="1" dirty="0" err="1"/>
               <a:t>SuperSimpleObjects</a:t>
             </a:r>
             <a:r>
-              <a:rPr lang="en-US" sz="2800" dirty="0" smtClean="0"/>
-              <a:t> and </a:t>
-            </a:r>
-            <a:r>
-              <a:rPr lang="en-US" sz="2800" i="1" dirty="0" err="1" smtClean="0"/>
+              <a:rPr lang="en-US" sz="2800" dirty="0"/>
+              <a:t> from repo</a:t>
+            </a:r>
+          </a:p>
+          <a:p>
+            <a:pPr>
+              <a:defRPr/>
+            </a:pPr>
+            <a:r>
+              <a:rPr lang="en-US" sz="2800" dirty="0"/>
+              <a:t>Import</a:t>
+            </a:r>
+            <a:r>
+              <a:rPr lang="en-US" sz="2800" i="1" dirty="0"/>
+              <a:t> </a:t>
+            </a:r>
+            <a:r>
+              <a:rPr lang="en-US" sz="2800" i="1" dirty="0" err="1"/>
               <a:t>TeamGradebook</a:t>
             </a:r>
             <a:r>
-              <a:rPr lang="en-US" sz="2800" i="1" dirty="0" smtClean="0"/>
+              <a:rPr lang="en-US" sz="2800" i="1" dirty="0"/>
               <a:t> </a:t>
             </a:r>
             <a:r>
-              <a:rPr lang="en-US" sz="2800" dirty="0" smtClean="0"/>
-              <a:t>from </a:t>
-            </a:r>
-            <a:r>
               <a:rPr lang="en-US" sz="2800" dirty="0"/>
-              <a:t>SVN</a:t>
+              <a:t>from repo</a:t>
             </a:r>
           </a:p>
         </p:txBody>
@@ -5752,13 +5636,6 @@
   <p:clrMapOvr>
     <a:masterClrMapping/>
   </p:clrMapOvr>
-  <p:timing>
-    <p:tnLst>
-      <p:par>
-        <p:cTn id="1" dur="indefinite" restart="never" nodeType="tmRoot"/>
-      </p:par>
-    </p:tnLst>
-  </p:timing>
 </p:sld>
 </file>
 
@@ -5795,10 +5672,9 @@
           <a:lstStyle/>
           <a:p>
             <a:r>
-              <a:rPr lang="en-US" dirty="0" smtClean="0"/>
+              <a:rPr lang="en-US" dirty="0"/>
               <a:t>Static</a:t>
             </a:r>
-            <a:endParaRPr lang="en-US" dirty="0"/>
           </a:p>
         </p:txBody>
       </p:sp>
@@ -5818,10 +5694,10 @@
           <a:lstStyle/>
           <a:p>
             <a:r>
-              <a:rPr lang="en-US" b="1" dirty="0" smtClean="0"/>
+              <a:rPr lang="en-US" b="1" dirty="0"/>
               <a:t>Understanding static</a:t>
             </a:r>
-            <a:endParaRPr lang="en-US" dirty="0" smtClean="0"/>
+            <a:endParaRPr lang="en-US" dirty="0"/>
           </a:p>
         </p:txBody>
       </p:sp>
@@ -5835,13 +5711,6 @@
   <p:clrMapOvr>
     <a:masterClrMapping/>
   </p:clrMapOvr>
-  <p:timing>
-    <p:tnLst>
-      <p:par>
-        <p:cTn id="1" dur="indefinite" restart="never" nodeType="tmRoot"/>
-      </p:par>
-    </p:tnLst>
-  </p:timing>
 </p:sld>
 </file>
 
@@ -5870,7 +5739,7 @@
         </p:nvSpPr>
         <p:spPr>
           <a:xfrm>
-            <a:off x="457200" y="914400"/>
+            <a:off x="288237" y="914400"/>
             <a:ext cx="3915770" cy="5355312"/>
           </a:xfrm>
           <a:prstGeom prst="rect">
@@ -5927,16 +5796,16 @@
           </a:p>
           <a:p>
             <a:r>
-              <a:rPr lang="en-US" b="1" dirty="0" smtClean="0">
+              <a:rPr lang="en-US" b="1" dirty="0">
                 <a:solidFill>
                   <a:srgbClr val="7F0055"/>
                 </a:solidFill>
                 <a:latin typeface="Consolas" panose="020B0609020204030204" pitchFamily="49" charset="0"/>
               </a:rPr>
-              <a:t>  private</a:t>
-            </a:r>
-            <a:r>
-              <a:rPr lang="en-US" b="1" dirty="0" smtClean="0">
+              <a:t> private</a:t>
+            </a:r>
+            <a:r>
+              <a:rPr lang="en-US" b="1" dirty="0">
                 <a:solidFill>
                   <a:srgbClr val="000000"/>
                 </a:solidFill>
@@ -5945,7 +5814,7 @@
               <a:t> String </a:t>
             </a:r>
             <a:r>
-              <a:rPr lang="en-US" b="1" dirty="0" smtClean="0">
+              <a:rPr lang="en-US" b="1" dirty="0">
                 <a:solidFill>
                   <a:srgbClr val="0000C0"/>
                 </a:solidFill>
@@ -5954,7 +5823,7 @@
               <a:t>name</a:t>
             </a:r>
             <a:r>
-              <a:rPr lang="en-US" b="1" dirty="0" smtClean="0">
+              <a:rPr lang="en-US" b="1" dirty="0">
                 <a:solidFill>
                   <a:srgbClr val="000000"/>
                 </a:solidFill>
@@ -5965,16 +5834,16 @@
           </a:p>
           <a:p>
             <a:r>
-              <a:rPr lang="en-US" b="1" dirty="0" smtClean="0">
+              <a:rPr lang="en-US" b="1" dirty="0">
                 <a:solidFill>
                   <a:srgbClr val="7F0055"/>
                 </a:solidFill>
                 <a:latin typeface="Consolas" panose="020B0609020204030204" pitchFamily="49" charset="0"/>
               </a:rPr>
-              <a:t>  private char</a:t>
-            </a:r>
-            <a:r>
-              <a:rPr lang="en-US" b="1" dirty="0" smtClean="0">
+              <a:t> private char</a:t>
+            </a:r>
+            <a:r>
+              <a:rPr lang="en-US" b="1" dirty="0">
                 <a:solidFill>
                   <a:srgbClr val="000000"/>
                 </a:solidFill>
@@ -5983,7 +5852,7 @@
               <a:t> </a:t>
             </a:r>
             <a:r>
-              <a:rPr lang="en-US" b="1" dirty="0" smtClean="0">
+              <a:rPr lang="en-US" b="1" dirty="0">
                 <a:solidFill>
                   <a:srgbClr val="0000C0"/>
                 </a:solidFill>
@@ -5992,7 +5861,7 @@
               <a:t>grade</a:t>
             </a:r>
             <a:r>
-              <a:rPr lang="en-US" b="1" dirty="0" smtClean="0">
+              <a:rPr lang="en-US" b="1" dirty="0">
                 <a:solidFill>
                   <a:srgbClr val="000000"/>
                 </a:solidFill>
@@ -6000,296 +5869,6 @@
               </a:rPr>
               <a:t>;</a:t>
             </a:r>
-          </a:p>
-          <a:p>
-            <a:endParaRPr lang="en-US" dirty="0" smtClean="0">
-              <a:latin typeface="Consolas" panose="020B0609020204030204" pitchFamily="49" charset="0"/>
-            </a:endParaRPr>
-          </a:p>
-          <a:p>
-            <a:r>
-              <a:rPr lang="en-US" b="1" dirty="0" smtClean="0">
-                <a:solidFill>
-                  <a:srgbClr val="7F0055"/>
-                </a:solidFill>
-                <a:latin typeface="Consolas" panose="020B0609020204030204" pitchFamily="49" charset="0"/>
-              </a:rPr>
-              <a:t>  public</a:t>
-            </a:r>
-            <a:r>
-              <a:rPr lang="en-US" b="1" dirty="0" smtClean="0">
-                <a:solidFill>
-                  <a:srgbClr val="000000"/>
-                </a:solidFill>
-                <a:latin typeface="Consolas" panose="020B0609020204030204" pitchFamily="49" charset="0"/>
-              </a:rPr>
-              <a:t> </a:t>
-            </a:r>
-            <a:r>
-              <a:rPr lang="en-US" b="1" dirty="0">
-                <a:solidFill>
-                  <a:srgbClr val="000000"/>
-                </a:solidFill>
-                <a:latin typeface="Consolas" panose="020B0609020204030204" pitchFamily="49" charset="0"/>
-              </a:rPr>
-              <a:t>Student</a:t>
-            </a:r>
-            <a:r>
-              <a:rPr lang="en-US" b="1" dirty="0" smtClean="0">
-                <a:solidFill>
-                  <a:srgbClr val="000000"/>
-                </a:solidFill>
-                <a:latin typeface="Consolas" panose="020B0609020204030204" pitchFamily="49" charset="0"/>
-              </a:rPr>
-              <a:t>(</a:t>
-            </a:r>
-          </a:p>
-          <a:p>
-            <a:r>
-              <a:rPr lang="en-US" b="1" dirty="0">
-                <a:solidFill>
-                  <a:srgbClr val="000000"/>
-                </a:solidFill>
-                <a:latin typeface="Consolas" panose="020B0609020204030204" pitchFamily="49" charset="0"/>
-              </a:rPr>
-              <a:t>	</a:t>
-            </a:r>
-            <a:r>
-              <a:rPr lang="en-US" b="1" dirty="0" smtClean="0">
-                <a:solidFill>
-                  <a:srgbClr val="000000"/>
-                </a:solidFill>
-                <a:latin typeface="Consolas" panose="020B0609020204030204" pitchFamily="49" charset="0"/>
-              </a:rPr>
-              <a:t>String </a:t>
-            </a:r>
-            <a:r>
-              <a:rPr lang="en-US" b="1" dirty="0">
-                <a:solidFill>
-                  <a:srgbClr val="6A3E3E"/>
-                </a:solidFill>
-                <a:latin typeface="Consolas" panose="020B0609020204030204" pitchFamily="49" charset="0"/>
-              </a:rPr>
-              <a:t>name</a:t>
-            </a:r>
-            <a:r>
-              <a:rPr lang="en-US" b="1" dirty="0">
-                <a:solidFill>
-                  <a:srgbClr val="000000"/>
-                </a:solidFill>
-                <a:latin typeface="Consolas" panose="020B0609020204030204" pitchFamily="49" charset="0"/>
-              </a:rPr>
-              <a:t>, </a:t>
-            </a:r>
-            <a:endParaRPr lang="en-US" b="1" dirty="0" smtClean="0">
-              <a:solidFill>
-                <a:srgbClr val="000000"/>
-              </a:solidFill>
-              <a:latin typeface="Consolas" panose="020B0609020204030204" pitchFamily="49" charset="0"/>
-            </a:endParaRPr>
-          </a:p>
-          <a:p>
-            <a:r>
-              <a:rPr lang="en-US" b="1" dirty="0">
-                <a:solidFill>
-                  <a:srgbClr val="000000"/>
-                </a:solidFill>
-                <a:latin typeface="Consolas" panose="020B0609020204030204" pitchFamily="49" charset="0"/>
-              </a:rPr>
-              <a:t>	</a:t>
-            </a:r>
-            <a:r>
-              <a:rPr lang="en-US" b="1" dirty="0" smtClean="0">
-                <a:solidFill>
-                  <a:srgbClr val="7F0055"/>
-                </a:solidFill>
-                <a:latin typeface="Consolas" panose="020B0609020204030204" pitchFamily="49" charset="0"/>
-              </a:rPr>
-              <a:t>char</a:t>
-            </a:r>
-            <a:r>
-              <a:rPr lang="en-US" b="1" dirty="0" smtClean="0">
-                <a:solidFill>
-                  <a:srgbClr val="000000"/>
-                </a:solidFill>
-                <a:latin typeface="Consolas" panose="020B0609020204030204" pitchFamily="49" charset="0"/>
-              </a:rPr>
-              <a:t> </a:t>
-            </a:r>
-            <a:r>
-              <a:rPr lang="en-US" b="1" dirty="0">
-                <a:solidFill>
-                  <a:srgbClr val="6A3E3E"/>
-                </a:solidFill>
-                <a:latin typeface="Consolas" panose="020B0609020204030204" pitchFamily="49" charset="0"/>
-              </a:rPr>
-              <a:t>grade</a:t>
-            </a:r>
-            <a:r>
-              <a:rPr lang="en-US" b="1" dirty="0">
-                <a:solidFill>
-                  <a:srgbClr val="000000"/>
-                </a:solidFill>
-                <a:latin typeface="Consolas" panose="020B0609020204030204" pitchFamily="49" charset="0"/>
-              </a:rPr>
-              <a:t>){</a:t>
-            </a:r>
-          </a:p>
-          <a:p>
-            <a:r>
-              <a:rPr lang="en-US" b="1" dirty="0">
-                <a:solidFill>
-                  <a:srgbClr val="7F0055"/>
-                </a:solidFill>
-                <a:latin typeface="Consolas" panose="020B0609020204030204" pitchFamily="49" charset="0"/>
-              </a:rPr>
-              <a:t> </a:t>
-            </a:r>
-            <a:r>
-              <a:rPr lang="en-US" b="1" dirty="0" smtClean="0">
-                <a:solidFill>
-                  <a:srgbClr val="7F0055"/>
-                </a:solidFill>
-                <a:latin typeface="Consolas" panose="020B0609020204030204" pitchFamily="49" charset="0"/>
-              </a:rPr>
-              <a:t>   this</a:t>
-            </a:r>
-            <a:r>
-              <a:rPr lang="en-US" b="1" dirty="0" smtClean="0">
-                <a:solidFill>
-                  <a:srgbClr val="000000"/>
-                </a:solidFill>
-                <a:latin typeface="Consolas" panose="020B0609020204030204" pitchFamily="49" charset="0"/>
-              </a:rPr>
-              <a:t>.</a:t>
-            </a:r>
-            <a:r>
-              <a:rPr lang="en-US" b="1" dirty="0" smtClean="0">
-                <a:solidFill>
-                  <a:srgbClr val="0000C0"/>
-                </a:solidFill>
-                <a:latin typeface="Consolas" panose="020B0609020204030204" pitchFamily="49" charset="0"/>
-              </a:rPr>
-              <a:t>name</a:t>
-            </a:r>
-            <a:r>
-              <a:rPr lang="en-US" b="1" dirty="0" smtClean="0">
-                <a:solidFill>
-                  <a:srgbClr val="000000"/>
-                </a:solidFill>
-                <a:latin typeface="Consolas" panose="020B0609020204030204" pitchFamily="49" charset="0"/>
-              </a:rPr>
-              <a:t> </a:t>
-            </a:r>
-            <a:r>
-              <a:rPr lang="en-US" b="1" dirty="0">
-                <a:solidFill>
-                  <a:srgbClr val="000000"/>
-                </a:solidFill>
-                <a:latin typeface="Consolas" panose="020B0609020204030204" pitchFamily="49" charset="0"/>
-              </a:rPr>
-              <a:t>= </a:t>
-            </a:r>
-            <a:r>
-              <a:rPr lang="en-US" b="1" dirty="0">
-                <a:solidFill>
-                  <a:srgbClr val="6A3E3E"/>
-                </a:solidFill>
-                <a:latin typeface="Consolas" panose="020B0609020204030204" pitchFamily="49" charset="0"/>
-              </a:rPr>
-              <a:t>name</a:t>
-            </a:r>
-            <a:r>
-              <a:rPr lang="en-US" b="1" dirty="0">
-                <a:solidFill>
-                  <a:srgbClr val="000000"/>
-                </a:solidFill>
-                <a:latin typeface="Consolas" panose="020B0609020204030204" pitchFamily="49" charset="0"/>
-              </a:rPr>
-              <a:t>;</a:t>
-            </a:r>
-          </a:p>
-          <a:p>
-            <a:r>
-              <a:rPr lang="en-US" b="1" dirty="0" smtClean="0">
-                <a:solidFill>
-                  <a:srgbClr val="7F0055"/>
-                </a:solidFill>
-                <a:latin typeface="Consolas" panose="020B0609020204030204" pitchFamily="49" charset="0"/>
-              </a:rPr>
-              <a:t>    this</a:t>
-            </a:r>
-            <a:r>
-              <a:rPr lang="en-US" b="1" dirty="0" smtClean="0">
-                <a:solidFill>
-                  <a:srgbClr val="000000"/>
-                </a:solidFill>
-                <a:latin typeface="Consolas" panose="020B0609020204030204" pitchFamily="49" charset="0"/>
-              </a:rPr>
-              <a:t>.</a:t>
-            </a:r>
-            <a:r>
-              <a:rPr lang="en-US" b="1" dirty="0" smtClean="0">
-                <a:solidFill>
-                  <a:srgbClr val="0000C0"/>
-                </a:solidFill>
-                <a:latin typeface="Consolas" panose="020B0609020204030204" pitchFamily="49" charset="0"/>
-              </a:rPr>
-              <a:t>grade</a:t>
-            </a:r>
-            <a:r>
-              <a:rPr lang="en-US" b="1" dirty="0" smtClean="0">
-                <a:solidFill>
-                  <a:srgbClr val="000000"/>
-                </a:solidFill>
-                <a:latin typeface="Consolas" panose="020B0609020204030204" pitchFamily="49" charset="0"/>
-              </a:rPr>
-              <a:t> </a:t>
-            </a:r>
-            <a:r>
-              <a:rPr lang="en-US" b="1" dirty="0">
-                <a:solidFill>
-                  <a:srgbClr val="000000"/>
-                </a:solidFill>
-                <a:latin typeface="Consolas" panose="020B0609020204030204" pitchFamily="49" charset="0"/>
-              </a:rPr>
-              <a:t>= </a:t>
-            </a:r>
-            <a:r>
-              <a:rPr lang="en-US" b="1" dirty="0">
-                <a:solidFill>
-                  <a:srgbClr val="6A3E3E"/>
-                </a:solidFill>
-                <a:latin typeface="Consolas" panose="020B0609020204030204" pitchFamily="49" charset="0"/>
-              </a:rPr>
-              <a:t>grade</a:t>
-            </a:r>
-            <a:r>
-              <a:rPr lang="en-US" b="1" dirty="0">
-                <a:solidFill>
-                  <a:srgbClr val="000000"/>
-                </a:solidFill>
-                <a:latin typeface="Consolas" panose="020B0609020204030204" pitchFamily="49" charset="0"/>
-              </a:rPr>
-              <a:t>;</a:t>
-            </a:r>
-          </a:p>
-          <a:p>
-            <a:r>
-              <a:rPr lang="en-US" dirty="0" smtClean="0">
-                <a:solidFill>
-                  <a:srgbClr val="000000"/>
-                </a:solidFill>
-                <a:latin typeface="Consolas" panose="020B0609020204030204" pitchFamily="49" charset="0"/>
-              </a:rPr>
-              <a:t>  }</a:t>
-            </a:r>
-            <a:endParaRPr lang="en-US" dirty="0">
-              <a:solidFill>
-                <a:srgbClr val="000000"/>
-              </a:solidFill>
-              <a:latin typeface="Consolas" panose="020B0609020204030204" pitchFamily="49" charset="0"/>
-            </a:endParaRPr>
           </a:p>
           <a:p>
             <a:endParaRPr lang="en-US" dirty="0">
@@ -6298,137 +5877,288 @@
           </a:p>
           <a:p>
             <a:r>
-              <a:rPr lang="en-US" dirty="0" smtClean="0">
-                <a:solidFill>
-                  <a:srgbClr val="646464"/>
-                </a:solidFill>
-                <a:latin typeface="Consolas" panose="020B0609020204030204" pitchFamily="49" charset="0"/>
-              </a:rPr>
-              <a:t>  @</a:t>
-            </a:r>
+              <a:rPr lang="en-US" b="1" dirty="0">
+                <a:solidFill>
+                  <a:srgbClr val="7F0055"/>
+                </a:solidFill>
+                <a:latin typeface="Consolas" panose="020B0609020204030204" pitchFamily="49" charset="0"/>
+              </a:rPr>
+              <a:t> public</a:t>
+            </a:r>
+            <a:r>
+              <a:rPr lang="en-US" b="1" dirty="0">
+                <a:solidFill>
+                  <a:srgbClr val="000000"/>
+                </a:solidFill>
+                <a:latin typeface="Consolas" panose="020B0609020204030204" pitchFamily="49" charset="0"/>
+              </a:rPr>
+              <a:t> Student(</a:t>
+            </a:r>
+          </a:p>
+          <a:p>
+            <a:r>
+              <a:rPr lang="en-US" b="1" dirty="0">
+                <a:solidFill>
+                  <a:srgbClr val="000000"/>
+                </a:solidFill>
+                <a:latin typeface="Consolas" panose="020B0609020204030204" pitchFamily="49" charset="0"/>
+              </a:rPr>
+              <a:t>     String </a:t>
+            </a:r>
+            <a:r>
+              <a:rPr lang="en-US" b="1" dirty="0">
+                <a:solidFill>
+                  <a:srgbClr val="6A3E3E"/>
+                </a:solidFill>
+                <a:latin typeface="Consolas" panose="020B0609020204030204" pitchFamily="49" charset="0"/>
+              </a:rPr>
+              <a:t>name</a:t>
+            </a:r>
+            <a:r>
+              <a:rPr lang="en-US" b="1" dirty="0">
+                <a:solidFill>
+                  <a:srgbClr val="000000"/>
+                </a:solidFill>
+                <a:latin typeface="Consolas" panose="020B0609020204030204" pitchFamily="49" charset="0"/>
+              </a:rPr>
+              <a:t>, </a:t>
+            </a:r>
+          </a:p>
+          <a:p>
+            <a:r>
+              <a:rPr lang="en-US" b="1" dirty="0">
+                <a:solidFill>
+                  <a:srgbClr val="7F0055"/>
+                </a:solidFill>
+                <a:latin typeface="Consolas" panose="020B0609020204030204" pitchFamily="49" charset="0"/>
+              </a:rPr>
+              <a:t>     char</a:t>
+            </a:r>
+            <a:r>
+              <a:rPr lang="en-US" b="1" dirty="0">
+                <a:solidFill>
+                  <a:srgbClr val="000000"/>
+                </a:solidFill>
+                <a:latin typeface="Consolas" panose="020B0609020204030204" pitchFamily="49" charset="0"/>
+              </a:rPr>
+              <a:t> </a:t>
+            </a:r>
+            <a:r>
+              <a:rPr lang="en-US" b="1" dirty="0">
+                <a:solidFill>
+                  <a:srgbClr val="6A3E3E"/>
+                </a:solidFill>
+                <a:latin typeface="Consolas" panose="020B0609020204030204" pitchFamily="49" charset="0"/>
+              </a:rPr>
+              <a:t>grade</a:t>
+            </a:r>
+            <a:r>
+              <a:rPr lang="en-US" b="1" dirty="0">
+                <a:solidFill>
+                  <a:srgbClr val="000000"/>
+                </a:solidFill>
+                <a:latin typeface="Consolas" panose="020B0609020204030204" pitchFamily="49" charset="0"/>
+              </a:rPr>
+              <a:t>){</a:t>
+            </a:r>
+          </a:p>
+          <a:p>
+            <a:r>
+              <a:rPr lang="en-US" b="1" dirty="0">
+                <a:solidFill>
+                  <a:srgbClr val="7F0055"/>
+                </a:solidFill>
+                <a:latin typeface="Consolas" panose="020B0609020204030204" pitchFamily="49" charset="0"/>
+              </a:rPr>
+              <a:t>   this</a:t>
+            </a:r>
+            <a:r>
+              <a:rPr lang="en-US" b="1" dirty="0">
+                <a:solidFill>
+                  <a:srgbClr val="000000"/>
+                </a:solidFill>
+                <a:latin typeface="Consolas" panose="020B0609020204030204" pitchFamily="49" charset="0"/>
+              </a:rPr>
+              <a:t>.</a:t>
+            </a:r>
+            <a:r>
+              <a:rPr lang="en-US" b="1" dirty="0">
+                <a:solidFill>
+                  <a:srgbClr val="0000C0"/>
+                </a:solidFill>
+                <a:latin typeface="Consolas" panose="020B0609020204030204" pitchFamily="49" charset="0"/>
+              </a:rPr>
+              <a:t>name</a:t>
+            </a:r>
+            <a:r>
+              <a:rPr lang="en-US" b="1" dirty="0">
+                <a:solidFill>
+                  <a:srgbClr val="000000"/>
+                </a:solidFill>
+                <a:latin typeface="Consolas" panose="020B0609020204030204" pitchFamily="49" charset="0"/>
+              </a:rPr>
+              <a:t> = </a:t>
+            </a:r>
+            <a:r>
+              <a:rPr lang="en-US" b="1" dirty="0">
+                <a:solidFill>
+                  <a:srgbClr val="6A3E3E"/>
+                </a:solidFill>
+                <a:latin typeface="Consolas" panose="020B0609020204030204" pitchFamily="49" charset="0"/>
+              </a:rPr>
+              <a:t>name</a:t>
+            </a:r>
+            <a:r>
+              <a:rPr lang="en-US" b="1" dirty="0">
+                <a:solidFill>
+                  <a:srgbClr val="000000"/>
+                </a:solidFill>
+                <a:latin typeface="Consolas" panose="020B0609020204030204" pitchFamily="49" charset="0"/>
+              </a:rPr>
+              <a:t>;</a:t>
+            </a:r>
+          </a:p>
+          <a:p>
+            <a:r>
+              <a:rPr lang="en-US" b="1" dirty="0">
+                <a:solidFill>
+                  <a:srgbClr val="7F0055"/>
+                </a:solidFill>
+                <a:latin typeface="Consolas" panose="020B0609020204030204" pitchFamily="49" charset="0"/>
+              </a:rPr>
+              <a:t>   </a:t>
+            </a:r>
+            <a:r>
+              <a:rPr lang="en-US" b="1" dirty="0" err="1">
+                <a:solidFill>
+                  <a:srgbClr val="7F0055"/>
+                </a:solidFill>
+                <a:latin typeface="Consolas" panose="020B0609020204030204" pitchFamily="49" charset="0"/>
+              </a:rPr>
+              <a:t>this</a:t>
+            </a:r>
+            <a:r>
+              <a:rPr lang="en-US" b="1" dirty="0" err="1">
+                <a:solidFill>
+                  <a:srgbClr val="000000"/>
+                </a:solidFill>
+                <a:latin typeface="Consolas" panose="020B0609020204030204" pitchFamily="49" charset="0"/>
+              </a:rPr>
+              <a:t>.</a:t>
+            </a:r>
+            <a:r>
+              <a:rPr lang="en-US" b="1" dirty="0" err="1">
+                <a:solidFill>
+                  <a:srgbClr val="0000C0"/>
+                </a:solidFill>
+                <a:latin typeface="Consolas" panose="020B0609020204030204" pitchFamily="49" charset="0"/>
+              </a:rPr>
+              <a:t>grade</a:t>
+            </a:r>
+            <a:r>
+              <a:rPr lang="en-US" b="1" dirty="0">
+                <a:solidFill>
+                  <a:srgbClr val="000000"/>
+                </a:solidFill>
+                <a:latin typeface="Consolas" panose="020B0609020204030204" pitchFamily="49" charset="0"/>
+              </a:rPr>
+              <a:t> = </a:t>
+            </a:r>
+            <a:r>
+              <a:rPr lang="en-US" b="1" dirty="0">
+                <a:solidFill>
+                  <a:srgbClr val="6A3E3E"/>
+                </a:solidFill>
+                <a:latin typeface="Consolas" panose="020B0609020204030204" pitchFamily="49" charset="0"/>
+              </a:rPr>
+              <a:t>grade</a:t>
+            </a:r>
+            <a:r>
+              <a:rPr lang="en-US" b="1" dirty="0">
+                <a:solidFill>
+                  <a:srgbClr val="000000"/>
+                </a:solidFill>
+                <a:latin typeface="Consolas" panose="020B0609020204030204" pitchFamily="49" charset="0"/>
+              </a:rPr>
+              <a:t>;</a:t>
+            </a:r>
+          </a:p>
+          <a:p>
             <a:r>
               <a:rPr lang="en-US" dirty="0">
                 <a:solidFill>
-                  <a:srgbClr val="646464"/>
-                </a:solidFill>
-                <a:latin typeface="Consolas" panose="020B0609020204030204" pitchFamily="49" charset="0"/>
-              </a:rPr>
-              <a:t>Override</a:t>
-            </a:r>
-          </a:p>
-          <a:p>
-            <a:r>
-              <a:rPr lang="en-US" b="1" dirty="0" smtClean="0">
-                <a:solidFill>
-                  <a:srgbClr val="7F0055"/>
-                </a:solidFill>
-                <a:latin typeface="Consolas" panose="020B0609020204030204" pitchFamily="49" charset="0"/>
-              </a:rPr>
-              <a:t>  public</a:t>
-            </a:r>
-            <a:r>
-              <a:rPr lang="en-US" b="1" dirty="0" smtClean="0">
-                <a:solidFill>
-                  <a:srgbClr val="000000"/>
-                </a:solidFill>
-                <a:latin typeface="Consolas" panose="020B0609020204030204" pitchFamily="49" charset="0"/>
-              </a:rPr>
-              <a:t> </a:t>
-            </a:r>
-            <a:r>
-              <a:rPr lang="en-US" b="1" dirty="0">
-                <a:solidFill>
-                  <a:srgbClr val="000000"/>
-                </a:solidFill>
-                <a:latin typeface="Consolas" panose="020B0609020204030204" pitchFamily="49" charset="0"/>
-              </a:rPr>
-              <a:t>String toString() {</a:t>
-            </a:r>
-          </a:p>
-          <a:p>
-            <a:r>
-              <a:rPr lang="en-US" b="1" dirty="0" smtClean="0">
-                <a:solidFill>
-                  <a:srgbClr val="7F0055"/>
-                </a:solidFill>
-                <a:latin typeface="Consolas" panose="020B0609020204030204" pitchFamily="49" charset="0"/>
-              </a:rPr>
-              <a:t>    return</a:t>
-            </a:r>
-            <a:r>
-              <a:rPr lang="en-US" b="1" dirty="0" smtClean="0">
-                <a:solidFill>
-                  <a:srgbClr val="000000"/>
-                </a:solidFill>
-                <a:latin typeface="Consolas" panose="020B0609020204030204" pitchFamily="49" charset="0"/>
-              </a:rPr>
-              <a:t> </a:t>
-            </a:r>
-            <a:r>
-              <a:rPr lang="en-US" b="1" dirty="0" smtClean="0">
-                <a:solidFill>
-                  <a:srgbClr val="0000C0"/>
-                </a:solidFill>
-                <a:latin typeface="Consolas" panose="020B0609020204030204" pitchFamily="49" charset="0"/>
-              </a:rPr>
-              <a:t>name </a:t>
-            </a:r>
-            <a:r>
-              <a:rPr lang="en-US" b="1" dirty="0" smtClean="0">
-                <a:solidFill>
-                  <a:srgbClr val="000000"/>
-                </a:solidFill>
-                <a:latin typeface="Consolas" panose="020B0609020204030204" pitchFamily="49" charset="0"/>
-              </a:rPr>
-              <a:t>+</a:t>
-            </a:r>
-          </a:p>
-          <a:p>
-            <a:r>
-              <a:rPr lang="en-US" b="1" dirty="0">
-                <a:solidFill>
-                  <a:srgbClr val="000000"/>
-                </a:solidFill>
-                <a:latin typeface="Consolas" panose="020B0609020204030204" pitchFamily="49" charset="0"/>
-              </a:rPr>
-              <a:t>	</a:t>
-            </a:r>
-            <a:r>
-              <a:rPr lang="en-US" b="1" dirty="0" smtClean="0">
-                <a:solidFill>
-                  <a:srgbClr val="2A00FF"/>
-                </a:solidFill>
-                <a:latin typeface="Consolas" panose="020B0609020204030204" pitchFamily="49" charset="0"/>
-              </a:rPr>
-              <a:t>" </a:t>
-            </a:r>
-            <a:r>
-              <a:rPr lang="en-US" b="1" dirty="0">
-                <a:solidFill>
-                  <a:srgbClr val="2A00FF"/>
-                </a:solidFill>
-                <a:latin typeface="Consolas" panose="020B0609020204030204" pitchFamily="49" charset="0"/>
-              </a:rPr>
-              <a:t>has a grade of "</a:t>
-            </a:r>
-            <a:r>
-              <a:rPr lang="en-US" b="1" dirty="0">
-                <a:solidFill>
-                  <a:srgbClr val="000000"/>
-                </a:solidFill>
-                <a:latin typeface="Consolas" panose="020B0609020204030204" pitchFamily="49" charset="0"/>
-              </a:rPr>
-              <a:t> </a:t>
-            </a:r>
-            <a:endParaRPr lang="en-US" b="1" dirty="0" smtClean="0">
-              <a:solidFill>
-                <a:srgbClr val="000000"/>
-              </a:solidFill>
+                  <a:srgbClr val="000000"/>
+                </a:solidFill>
+                <a:latin typeface="Consolas" panose="020B0609020204030204" pitchFamily="49" charset="0"/>
+              </a:rPr>
+              <a:t> }</a:t>
+            </a:r>
+          </a:p>
+          <a:p>
+            <a:endParaRPr lang="en-US" dirty="0">
               <a:latin typeface="Consolas" panose="020B0609020204030204" pitchFamily="49" charset="0"/>
             </a:endParaRPr>
           </a:p>
           <a:p>
             <a:r>
+              <a:rPr lang="en-US" dirty="0">
+                <a:solidFill>
+                  <a:srgbClr val="646464"/>
+                </a:solidFill>
+                <a:latin typeface="Consolas" panose="020B0609020204030204" pitchFamily="49" charset="0"/>
+              </a:rPr>
+              <a:t> @Override</a:t>
+            </a:r>
+          </a:p>
+          <a:p>
+            <a:r>
+              <a:rPr lang="en-US" b="1" dirty="0">
+                <a:solidFill>
+                  <a:srgbClr val="7F0055"/>
+                </a:solidFill>
+                <a:latin typeface="Consolas" panose="020B0609020204030204" pitchFamily="49" charset="0"/>
+              </a:rPr>
+              <a:t> public</a:t>
+            </a:r>
+            <a:r>
+              <a:rPr lang="en-US" b="1" dirty="0">
+                <a:solidFill>
+                  <a:srgbClr val="000000"/>
+                </a:solidFill>
+                <a:latin typeface="Consolas" panose="020B0609020204030204" pitchFamily="49" charset="0"/>
+              </a:rPr>
+              <a:t> String </a:t>
+            </a:r>
+            <a:r>
+              <a:rPr lang="en-US" b="1" dirty="0" err="1">
+                <a:solidFill>
+                  <a:srgbClr val="000000"/>
+                </a:solidFill>
+                <a:latin typeface="Consolas" panose="020B0609020204030204" pitchFamily="49" charset="0"/>
+              </a:rPr>
+              <a:t>toString</a:t>
+            </a:r>
+            <a:r>
+              <a:rPr lang="en-US" b="1" dirty="0">
+                <a:solidFill>
+                  <a:srgbClr val="000000"/>
+                </a:solidFill>
+                <a:latin typeface="Consolas" panose="020B0609020204030204" pitchFamily="49" charset="0"/>
+              </a:rPr>
+              <a:t>(){</a:t>
+            </a:r>
+          </a:p>
+          <a:p>
+            <a:r>
+              <a:rPr lang="en-US" b="1" dirty="0">
+                <a:solidFill>
+                  <a:srgbClr val="7F0055"/>
+                </a:solidFill>
+                <a:latin typeface="Consolas" panose="020B0609020204030204" pitchFamily="49" charset="0"/>
+              </a:rPr>
+              <a:t>   return</a:t>
+            </a:r>
+            <a:r>
               <a:rPr lang="en-US" b="1" dirty="0">
                 <a:solidFill>
                   <a:srgbClr val="000000"/>
@@ -6438,21 +6168,61 @@
               <a:t> </a:t>
             </a:r>
             <a:r>
-              <a:rPr lang="en-US" b="1" dirty="0" smtClean="0">
-                <a:solidFill>
-                  <a:srgbClr val="000000"/>
-                </a:solidFill>
-                <a:latin typeface="Consolas" panose="020B0609020204030204" pitchFamily="49" charset="0"/>
-              </a:rPr>
-              <a:t>      + </a:t>
-            </a:r>
-            <a:r>
-              <a:rPr lang="en-US" b="1" dirty="0" smtClean="0">
+              <a:rPr lang="en-US" b="1" dirty="0">
                 <a:solidFill>
                   <a:srgbClr val="0000C0"/>
                 </a:solidFill>
                 <a:latin typeface="Consolas" panose="020B0609020204030204" pitchFamily="49" charset="0"/>
               </a:rPr>
+              <a:t>name </a:t>
+            </a:r>
+            <a:r>
+              <a:rPr lang="en-US" b="1" dirty="0">
+                <a:solidFill>
+                  <a:srgbClr val="000000"/>
+                </a:solidFill>
+                <a:latin typeface="Consolas" panose="020B0609020204030204" pitchFamily="49" charset="0"/>
+              </a:rPr>
+              <a:t>+</a:t>
+            </a:r>
+          </a:p>
+          <a:p>
+            <a:r>
+              <a:rPr lang="en-US" b="1" dirty="0">
+                <a:solidFill>
+                  <a:srgbClr val="2A00FF"/>
+                </a:solidFill>
+                <a:latin typeface="Consolas" panose="020B0609020204030204" pitchFamily="49" charset="0"/>
+              </a:rPr>
+              <a:t>     " has a grade of "</a:t>
+            </a:r>
+            <a:r>
+              <a:rPr lang="en-US" b="1" dirty="0">
+                <a:solidFill>
+                  <a:srgbClr val="000000"/>
+                </a:solidFill>
+                <a:latin typeface="Consolas" panose="020B0609020204030204" pitchFamily="49" charset="0"/>
+              </a:rPr>
+              <a:t> </a:t>
+            </a:r>
+          </a:p>
+          <a:p>
+            <a:r>
+              <a:rPr lang="en-US" b="1" dirty="0">
+                <a:solidFill>
+                  <a:srgbClr val="000000"/>
+                </a:solidFill>
+                <a:latin typeface="Consolas" panose="020B0609020204030204" pitchFamily="49" charset="0"/>
+              </a:rPr>
+              <a:t>     + </a:t>
+            </a:r>
+            <a:r>
+              <a:rPr lang="en-US" b="1" dirty="0">
+                <a:solidFill>
+                  <a:srgbClr val="0000C0"/>
+                </a:solidFill>
+                <a:latin typeface="Consolas" panose="020B0609020204030204" pitchFamily="49" charset="0"/>
+              </a:rPr>
               <a:t>grade</a:t>
             </a:r>
             <a:r>
@@ -6467,20 +6237,14 @@
           </a:p>
           <a:p>
             <a:r>
-              <a:rPr lang="en-US" dirty="0" smtClean="0">
-                <a:solidFill>
-                  <a:srgbClr val="000000"/>
-                </a:solidFill>
-                <a:latin typeface="Consolas" panose="020B0609020204030204" pitchFamily="49" charset="0"/>
-              </a:rPr>
-              <a:t>  }</a:t>
-            </a:r>
-            <a:endParaRPr lang="en-US" dirty="0">
-              <a:solidFill>
-                <a:srgbClr val="000000"/>
-              </a:solidFill>
-              <a:latin typeface="Consolas" panose="020B0609020204030204" pitchFamily="49" charset="0"/>
-            </a:endParaRPr>
+              <a:rPr lang="en-US" dirty="0">
+                <a:solidFill>
+                  <a:srgbClr val="000000"/>
+                </a:solidFill>
+                <a:latin typeface="Consolas" panose="020B0609020204030204" pitchFamily="49" charset="0"/>
+              </a:rPr>
+              <a:t> }</a:t>
+            </a:r>
           </a:p>
           <a:p>
             <a:r>
@@ -6507,7 +6271,7 @@
         </p:nvSpPr>
         <p:spPr>
           <a:xfrm>
-            <a:off x="457200" y="274638"/>
+            <a:off x="457200" y="126979"/>
             <a:ext cx="8229600" cy="639762"/>
           </a:xfrm>
         </p:spPr>
@@ -6518,10 +6282,9 @@
           <a:lstStyle/>
           <a:p>
             <a:r>
-              <a:rPr lang="en-US" sz="3200" dirty="0" smtClean="0"/>
+              <a:rPr lang="en-US" sz="3200" dirty="0"/>
               <a:t>Why fields can’t always be static</a:t>
             </a:r>
-            <a:endParaRPr lang="en-US" sz="3200" dirty="0"/>
           </a:p>
         </p:txBody>
       </p:sp>
@@ -6547,25 +6310,16 @@
           <a:lstStyle/>
           <a:p>
             <a:r>
-              <a:rPr lang="en-US" b="1" dirty="0" smtClean="0">
-                <a:solidFill>
-                  <a:srgbClr val="000000"/>
-                </a:solidFill>
-                <a:latin typeface="Consolas" panose="020B0609020204030204" pitchFamily="49" charset="0"/>
-              </a:rPr>
-              <a:t>OUTPUT:</a:t>
-            </a:r>
-          </a:p>
-          <a:p>
-            <a:r>
-              <a:rPr lang="en-US" dirty="0" smtClean="0">
-                <a:solidFill>
-                  <a:srgbClr val="000000"/>
-                </a:solidFill>
-                <a:latin typeface="Consolas" panose="020B0609020204030204" pitchFamily="49" charset="0"/>
-              </a:rPr>
-              <a:t>Adam </a:t>
-            </a:r>
+              <a:rPr lang="en-US" b="1" dirty="0">
+                <a:solidFill>
+                  <a:srgbClr val="000000"/>
+                </a:solidFill>
+                <a:latin typeface="Consolas" panose="020B0609020204030204" pitchFamily="49" charset="0"/>
+              </a:rPr>
+              <a:t>OUTPUT – from Client program:</a:t>
+            </a:r>
+          </a:p>
+          <a:p>
             <a:r>
               <a:rPr lang="en-US" dirty="0">
                 <a:solidFill>
@@ -6573,7 +6327,7 @@
                 </a:solidFill>
                 <a:latin typeface="Consolas" panose="020B0609020204030204" pitchFamily="49" charset="0"/>
               </a:rPr>
-              <a:t>has a grade of A</a:t>
+              <a:t>Adam has a grade of A</a:t>
             </a:r>
           </a:p>
           <a:p>
@@ -6589,22 +6343,13 @@
           </a:p>
           <a:p>
             <a:r>
-              <a:rPr lang="en-US" dirty="0" smtClean="0">
-                <a:solidFill>
-                  <a:srgbClr val="000000"/>
-                </a:solidFill>
-                <a:latin typeface="Consolas" panose="020B0609020204030204" pitchFamily="49" charset="0"/>
-              </a:rPr>
-              <a:t>Chris has </a:t>
-            </a:r>
-            <a:r>
               <a:rPr lang="en-US" dirty="0">
                 <a:solidFill>
                   <a:srgbClr val="000000"/>
                 </a:solidFill>
                 <a:latin typeface="Consolas" panose="020B0609020204030204" pitchFamily="49" charset="0"/>
               </a:rPr>
-              <a:t>a grade of C</a:t>
+              <a:t>Chris has a grade of C</a:t>
             </a:r>
             <a:endParaRPr lang="en-US" dirty="0"/>
           </a:p>
@@ -6706,7 +6451,7 @@
           </a:p>
           <a:p>
             <a:r>
-              <a:rPr lang="en-US" dirty="0" smtClean="0">
+              <a:rPr lang="en-US" dirty="0">
                 <a:solidFill>
                   <a:srgbClr val="000000"/>
                 </a:solidFill>
@@ -6789,7 +6534,7 @@
           </a:p>
           <a:p>
             <a:r>
-              <a:rPr lang="en-US" dirty="0" smtClean="0">
+              <a:rPr lang="en-US" dirty="0">
                 <a:solidFill>
                   <a:srgbClr val="000000"/>
                 </a:solidFill>
@@ -6872,7 +6617,7 @@
           </a:p>
           <a:p>
             <a:r>
-              <a:rPr lang="en-US" dirty="0" smtClean="0">
+              <a:rPr lang="en-US" dirty="0">
                 <a:solidFill>
                   <a:srgbClr val="000000"/>
                 </a:solidFill>
@@ -6955,7 +6700,7 @@
           </a:p>
           <a:p>
             <a:r>
-              <a:rPr lang="en-US" dirty="0" smtClean="0">
+              <a:rPr lang="en-US" dirty="0">
                 <a:solidFill>
                   <a:srgbClr val="000000"/>
                 </a:solidFill>
@@ -6964,7 +6709,7 @@
               <a:t>  System.</a:t>
             </a:r>
             <a:r>
-              <a:rPr lang="en-US" b="1" i="1" dirty="0" smtClean="0">
+              <a:rPr lang="en-US" b="1" i="1" dirty="0">
                 <a:solidFill>
                   <a:srgbClr val="0000C0"/>
                 </a:solidFill>
@@ -6973,7 +6718,7 @@
               <a:t>out</a:t>
             </a:r>
             <a:r>
-              <a:rPr lang="en-US" b="1" i="1" dirty="0" smtClean="0">
+              <a:rPr lang="en-US" b="1" i="1" dirty="0">
                 <a:solidFill>
                   <a:srgbClr val="000000"/>
                 </a:solidFill>
@@ -6982,7 +6727,7 @@
               <a:t>.println(</a:t>
             </a:r>
             <a:r>
-              <a:rPr lang="en-US" b="1" i="1" dirty="0" smtClean="0">
+              <a:rPr lang="en-US" b="1" i="1" dirty="0">
                 <a:solidFill>
                   <a:srgbClr val="6A3E3E"/>
                 </a:solidFill>
@@ -7002,7 +6747,7 @@
           </a:p>
           <a:p>
             <a:r>
-              <a:rPr lang="en-US" dirty="0" smtClean="0">
+              <a:rPr lang="en-US" dirty="0">
                 <a:solidFill>
                   <a:srgbClr val="000000"/>
                 </a:solidFill>
@@ -7011,7 +6756,7 @@
               <a:t>  System.</a:t>
             </a:r>
             <a:r>
-              <a:rPr lang="en-US" b="1" i="1" dirty="0" smtClean="0">
+              <a:rPr lang="en-US" b="1" i="1" dirty="0">
                 <a:solidFill>
                   <a:srgbClr val="0000C0"/>
                 </a:solidFill>
@@ -7020,7 +6765,7 @@
               <a:t>out</a:t>
             </a:r>
             <a:r>
-              <a:rPr lang="en-US" b="1" i="1" dirty="0" smtClean="0">
+              <a:rPr lang="en-US" b="1" i="1" dirty="0">
                 <a:solidFill>
                   <a:srgbClr val="000000"/>
                 </a:solidFill>
@@ -7029,7 +6774,7 @@
               <a:t>.println(</a:t>
             </a:r>
             <a:r>
-              <a:rPr lang="en-US" b="1" i="1" dirty="0" smtClean="0">
+              <a:rPr lang="en-US" b="1" i="1" dirty="0">
                 <a:solidFill>
                   <a:srgbClr val="6A3E3E"/>
                 </a:solidFill>
@@ -7049,7 +6794,7 @@
           </a:p>
           <a:p>
             <a:r>
-              <a:rPr lang="en-US" dirty="0" smtClean="0">
+              <a:rPr lang="en-US" dirty="0">
                 <a:solidFill>
                   <a:srgbClr val="000000"/>
                 </a:solidFill>
@@ -7058,7 +6803,7 @@
               <a:t>  System.</a:t>
             </a:r>
             <a:r>
-              <a:rPr lang="en-US" b="1" i="1" dirty="0" smtClean="0">
+              <a:rPr lang="en-US" b="1" i="1" dirty="0">
                 <a:solidFill>
                   <a:srgbClr val="0000C0"/>
                 </a:solidFill>
@@ -7067,7 +6812,7 @@
               <a:t>out</a:t>
             </a:r>
             <a:r>
-              <a:rPr lang="en-US" b="1" i="1" dirty="0" smtClean="0">
+              <a:rPr lang="en-US" b="1" i="1" dirty="0">
                 <a:solidFill>
                   <a:srgbClr val="000000"/>
                 </a:solidFill>
@@ -7076,7 +6821,7 @@
               <a:t>.println(</a:t>
             </a:r>
             <a:r>
-              <a:rPr lang="en-US" b="1" i="1" dirty="0" smtClean="0">
+              <a:rPr lang="en-US" b="1" i="1" dirty="0">
                 <a:solidFill>
                   <a:srgbClr val="6A3E3E"/>
                 </a:solidFill>
@@ -7105,6 +6850,145 @@
               <a:t>}</a:t>
             </a:r>
             <a:endParaRPr lang="en-US" dirty="0"/>
+          </a:p>
+        </p:txBody>
+      </p:sp>
+      <p:sp>
+        <p:nvSpPr>
+          <p:cNvPr id="2" name="Rectangle 1">
+            <a:extLst>
+              <a:ext uri="{FF2B5EF4-FFF2-40B4-BE49-F238E27FC236}">
+                <a16:creationId xmlns:a16="http://schemas.microsoft.com/office/drawing/2014/main" id="{836EE8BA-BC4D-4E52-8BBA-2C93DFC1CA6E}"/>
+              </a:ext>
+            </a:extLst>
+          </p:cNvPr>
+          <p:cNvSpPr/>
+          <p:nvPr/>
+        </p:nvSpPr>
+        <p:spPr>
+          <a:xfrm>
+            <a:off x="288237" y="1143000"/>
+            <a:ext cx="3538728" cy="5126712"/>
+          </a:xfrm>
+          <a:prstGeom prst="rect">
+            <a:avLst/>
+          </a:prstGeom>
+          <a:noFill/>
+          <a:ln>
+            <a:solidFill>
+              <a:schemeClr val="tx2"/>
+            </a:solidFill>
+          </a:ln>
+        </p:spPr>
+        <p:style>
+          <a:lnRef idx="2">
+            <a:schemeClr val="accent1">
+              <a:shade val="50000"/>
+            </a:schemeClr>
+          </a:lnRef>
+          <a:fillRef idx="1">
+            <a:schemeClr val="accent1"/>
+          </a:fillRef>
+          <a:effectRef idx="0">
+            <a:schemeClr val="accent1"/>
+          </a:effectRef>
+          <a:fontRef idx="minor">
+            <a:schemeClr val="lt1"/>
+          </a:fontRef>
+        </p:style>
+        <p:txBody>
+          <a:bodyPr rtlCol="0" anchor="ctr"/>
+          <a:lstStyle/>
+          <a:p>
+            <a:pPr algn="ctr"/>
+            <a:endParaRPr lang="en-US"/>
+          </a:p>
+        </p:txBody>
+      </p:sp>
+      <p:sp>
+        <p:nvSpPr>
+          <p:cNvPr id="10" name="Rectangle 9">
+            <a:extLst>
+              <a:ext uri="{FF2B5EF4-FFF2-40B4-BE49-F238E27FC236}">
+                <a16:creationId xmlns:a16="http://schemas.microsoft.com/office/drawing/2014/main" id="{41F6CB8C-2CC8-4683-9D4B-70A2FCEC9941}"/>
+              </a:ext>
+            </a:extLst>
+          </p:cNvPr>
+          <p:cNvSpPr/>
+          <p:nvPr/>
+        </p:nvSpPr>
+        <p:spPr>
+          <a:xfrm>
+            <a:off x="3904488" y="1143000"/>
+            <a:ext cx="5120640" cy="5126712"/>
+          </a:xfrm>
+          <a:prstGeom prst="rect">
+            <a:avLst/>
+          </a:prstGeom>
+          <a:noFill/>
+          <a:ln>
+            <a:solidFill>
+              <a:schemeClr val="accent6"/>
+            </a:solidFill>
+          </a:ln>
+        </p:spPr>
+        <p:style>
+          <a:lnRef idx="2">
+            <a:schemeClr val="accent1">
+              <a:shade val="50000"/>
+            </a:schemeClr>
+          </a:lnRef>
+          <a:fillRef idx="1">
+            <a:schemeClr val="accent1"/>
+          </a:fillRef>
+          <a:effectRef idx="0">
+            <a:schemeClr val="accent1"/>
+          </a:effectRef>
+          <a:fontRef idx="minor">
+            <a:schemeClr val="lt1"/>
+          </a:fontRef>
+        </p:style>
+        <p:txBody>
+          <a:bodyPr rtlCol="0" anchor="ctr"/>
+          <a:lstStyle/>
+          <a:p>
+            <a:pPr algn="ctr"/>
+            <a:endParaRPr lang="en-US"/>
+          </a:p>
+        </p:txBody>
+      </p:sp>
+      <p:sp>
+        <p:nvSpPr>
+          <p:cNvPr id="11" name="TextBox 10">
+            <a:extLst>
+              <a:ext uri="{FF2B5EF4-FFF2-40B4-BE49-F238E27FC236}">
+                <a16:creationId xmlns:a16="http://schemas.microsoft.com/office/drawing/2014/main" id="{159AE14B-96CA-4665-A463-1ECB4C81ACBA}"/>
+              </a:ext>
+            </a:extLst>
+          </p:cNvPr>
+          <p:cNvSpPr txBox="1"/>
+          <p:nvPr/>
+        </p:nvSpPr>
+        <p:spPr>
+          <a:xfrm>
+            <a:off x="4729963" y="791119"/>
+            <a:ext cx="3687418" cy="369332"/>
+          </a:xfrm>
+          <a:prstGeom prst="rect">
+            <a:avLst/>
+          </a:prstGeom>
+          <a:noFill/>
+        </p:spPr>
+        <p:txBody>
+          <a:bodyPr wrap="square" rtlCol="0">
+            <a:spAutoFit/>
+          </a:bodyPr>
+          <a:lstStyle/>
+          <a:p>
+            <a:r>
+              <a:rPr lang="en-US" dirty="0"/>
+              <a:t>Client program – of Student Class</a:t>
+            </a:r>
           </a:p>
         </p:txBody>
       </p:sp>
@@ -7224,7 +7108,7 @@
         </p:nvSpPr>
         <p:spPr>
           <a:xfrm>
-            <a:off x="152400" y="914400"/>
+            <a:off x="288237" y="914400"/>
             <a:ext cx="3915770" cy="5355312"/>
           </a:xfrm>
           <a:prstGeom prst="rect">
@@ -7287,72 +7171,57 @@
                 </a:solidFill>
                 <a:latin typeface="Consolas" panose="020B0609020204030204" pitchFamily="49" charset="0"/>
               </a:rPr>
-              <a:t> </a:t>
-            </a:r>
-            <a:r>
-              <a:rPr lang="en-US" b="1" dirty="0" smtClean="0">
+              <a:t> private</a:t>
+            </a:r>
+            <a:r>
+              <a:rPr lang="en-US" b="1" dirty="0">
+                <a:solidFill>
+                  <a:srgbClr val="000000"/>
+                </a:solidFill>
+                <a:latin typeface="Consolas" panose="020B0609020204030204" pitchFamily="49" charset="0"/>
+              </a:rPr>
+              <a:t> String </a:t>
+            </a:r>
+            <a:r>
+              <a:rPr lang="en-US" b="1" dirty="0">
+                <a:solidFill>
+                  <a:srgbClr val="0000C0"/>
+                </a:solidFill>
+                <a:latin typeface="Consolas" panose="020B0609020204030204" pitchFamily="49" charset="0"/>
+              </a:rPr>
+              <a:t>name</a:t>
+            </a:r>
+            <a:r>
+              <a:rPr lang="en-US" b="1" dirty="0">
+                <a:solidFill>
+                  <a:srgbClr val="000000"/>
+                </a:solidFill>
+                <a:latin typeface="Consolas" panose="020B0609020204030204" pitchFamily="49" charset="0"/>
+              </a:rPr>
+              <a:t>;</a:t>
+            </a:r>
+          </a:p>
+          <a:p>
+            <a:r>
+              <a:rPr lang="en-US" b="1" dirty="0">
                 <a:solidFill>
                   <a:srgbClr val="7F0055"/>
                 </a:solidFill>
                 <a:latin typeface="Consolas" panose="020B0609020204030204" pitchFamily="49" charset="0"/>
               </a:rPr>
-              <a:t> private</a:t>
-            </a:r>
-            <a:r>
-              <a:rPr lang="en-US" b="1" dirty="0" smtClean="0">
-                <a:solidFill>
-                  <a:srgbClr val="000000"/>
-                </a:solidFill>
-                <a:latin typeface="Consolas" panose="020B0609020204030204" pitchFamily="49" charset="0"/>
-              </a:rPr>
-              <a:t> </a:t>
-            </a:r>
-            <a:r>
-              <a:rPr lang="en-US" b="1" dirty="0">
-                <a:solidFill>
-                  <a:srgbClr val="000000"/>
-                </a:solidFill>
-                <a:latin typeface="Consolas" panose="020B0609020204030204" pitchFamily="49" charset="0"/>
-              </a:rPr>
-              <a:t>String </a:t>
-            </a:r>
-            <a:r>
-              <a:rPr lang="en-US" b="1" dirty="0">
-                <a:solidFill>
-                  <a:srgbClr val="0000C0"/>
-                </a:solidFill>
-                <a:latin typeface="Consolas" panose="020B0609020204030204" pitchFamily="49" charset="0"/>
-              </a:rPr>
-              <a:t>name</a:t>
-            </a:r>
-            <a:r>
-              <a:rPr lang="en-US" b="1" dirty="0">
-                <a:solidFill>
-                  <a:srgbClr val="000000"/>
-                </a:solidFill>
-                <a:latin typeface="Consolas" panose="020B0609020204030204" pitchFamily="49" charset="0"/>
-              </a:rPr>
-              <a:t>;</a:t>
-            </a:r>
-          </a:p>
-          <a:p>
-            <a:r>
-              <a:rPr lang="en-US" b="1" dirty="0" smtClean="0">
+              <a:t> private </a:t>
+            </a:r>
+            <a:r>
+              <a:rPr lang="en-US" b="1" dirty="0">
                 <a:solidFill>
                   <a:srgbClr val="7F0055"/>
                 </a:solidFill>
-                <a:latin typeface="Consolas" panose="020B0609020204030204" pitchFamily="49" charset="0"/>
-              </a:rPr>
-              <a:t>  private</a:t>
-            </a:r>
-            <a:r>
-              <a:rPr lang="en-US" b="1" dirty="0" smtClean="0">
-                <a:solidFill>
-                  <a:srgbClr val="000000"/>
-                </a:solidFill>
-                <a:latin typeface="Consolas" panose="020B0609020204030204" pitchFamily="49" charset="0"/>
-              </a:rPr>
-              <a:t> </a:t>
+                <a:highlight>
+                  <a:srgbClr val="FFFF00"/>
+                </a:highlight>
+                <a:latin typeface="Consolas" panose="020B0609020204030204" pitchFamily="49" charset="0"/>
+              </a:rPr>
+              <a:t>static</a:t>
             </a:r>
             <a:r>
               <a:rPr lang="en-US" b="1" dirty="0">
@@ -7361,28 +7230,10 @@
                 </a:solidFill>
                 <a:latin typeface="Consolas" panose="020B0609020204030204" pitchFamily="49" charset="0"/>
               </a:rPr>
-              <a:t>static</a:t>
-            </a:r>
-            <a:r>
-              <a:rPr lang="en-US" b="1" dirty="0">
-                <a:solidFill>
-                  <a:srgbClr val="000000"/>
-                </a:solidFill>
-                <a:latin typeface="Consolas" panose="020B0609020204030204" pitchFamily="49" charset="0"/>
-              </a:rPr>
-              <a:t> </a:t>
-            </a:r>
-            <a:r>
-              <a:rPr lang="en-US" b="1" dirty="0" smtClean="0">
-                <a:solidFill>
-                  <a:srgbClr val="7F0055"/>
-                </a:solidFill>
-                <a:latin typeface="Consolas" panose="020B0609020204030204" pitchFamily="49" charset="0"/>
-              </a:rPr>
-              <a:t>char</a:t>
-            </a:r>
-            <a:r>
-              <a:rPr lang="en-US" b="1" dirty="0" smtClean="0">
+              <a:t> char</a:t>
+            </a:r>
+            <a:r>
+              <a:rPr lang="en-US" b="1" dirty="0">
                 <a:solidFill>
                   <a:srgbClr val="000000"/>
                 </a:solidFill>
@@ -7416,16 +7267,65 @@
           </a:p>
           <a:p>
             <a:r>
-              <a:rPr lang="en-US" b="1" dirty="0" smtClean="0">
+              <a:rPr lang="en-US" b="1" dirty="0">
                 <a:solidFill>
                   <a:srgbClr val="7F0055"/>
                 </a:solidFill>
                 <a:latin typeface="Consolas" panose="020B0609020204030204" pitchFamily="49" charset="0"/>
               </a:rPr>
-              <a:t>  public</a:t>
-            </a:r>
-            <a:r>
-              <a:rPr lang="en-US" b="1" dirty="0" smtClean="0">
+              <a:t> public</a:t>
+            </a:r>
+            <a:r>
+              <a:rPr lang="en-US" b="1" dirty="0">
+                <a:solidFill>
+                  <a:srgbClr val="000000"/>
+                </a:solidFill>
+                <a:latin typeface="Consolas" panose="020B0609020204030204" pitchFamily="49" charset="0"/>
+              </a:rPr>
+              <a:t> Student(</a:t>
+            </a:r>
+          </a:p>
+          <a:p>
+            <a:r>
+              <a:rPr lang="en-US" b="1" dirty="0">
+                <a:solidFill>
+                  <a:srgbClr val="000000"/>
+                </a:solidFill>
+                <a:latin typeface="Consolas" panose="020B0609020204030204" pitchFamily="49" charset="0"/>
+              </a:rPr>
+              <a:t>     String </a:t>
+            </a:r>
+            <a:r>
+              <a:rPr lang="en-US" b="1" dirty="0">
+                <a:solidFill>
+                  <a:srgbClr val="6A3E3E"/>
+                </a:solidFill>
+                <a:latin typeface="Consolas" panose="020B0609020204030204" pitchFamily="49" charset="0"/>
+              </a:rPr>
+              <a:t>name</a:t>
+            </a:r>
+            <a:r>
+              <a:rPr lang="en-US" b="1" dirty="0">
+                <a:solidFill>
+                  <a:srgbClr val="000000"/>
+                </a:solidFill>
+                <a:latin typeface="Consolas" panose="020B0609020204030204" pitchFamily="49" charset="0"/>
+              </a:rPr>
+              <a:t>, </a:t>
+            </a:r>
+          </a:p>
+          <a:p>
+            <a:r>
+              <a:rPr lang="en-US" b="1" dirty="0">
+                <a:solidFill>
+                  <a:srgbClr val="7F0055"/>
+                </a:solidFill>
+                <a:latin typeface="Consolas" panose="020B0609020204030204" pitchFamily="49" charset="0"/>
+              </a:rPr>
+              <a:t>     char</a:t>
+            </a:r>
+            <a:r>
+              <a:rPr lang="en-US" b="1" dirty="0">
                 <a:solidFill>
                   <a:srgbClr val="000000"/>
                 </a:solidFill>
@@ -7436,40 +7336,126 @@
             <a:r>
               <a:rPr lang="en-US" b="1" dirty="0">
                 <a:solidFill>
-                  <a:srgbClr val="000000"/>
-                </a:solidFill>
+                  <a:srgbClr val="6A3E3E"/>
+                </a:solidFill>
+                <a:latin typeface="Consolas" panose="020B0609020204030204" pitchFamily="49" charset="0"/>
+              </a:rPr>
+              <a:t>grade</a:t>
+            </a:r>
+            <a:r>
+              <a:rPr lang="en-US" b="1" dirty="0">
+                <a:solidFill>
+                  <a:srgbClr val="000000"/>
+                </a:solidFill>
+                <a:latin typeface="Consolas" panose="020B0609020204030204" pitchFamily="49" charset="0"/>
+              </a:rPr>
+              <a:t>){</a:t>
+            </a:r>
+          </a:p>
+          <a:p>
+            <a:r>
+              <a:rPr lang="en-US" b="1" dirty="0">
+                <a:solidFill>
+                  <a:srgbClr val="7F0055"/>
+                </a:solidFill>
+                <a:latin typeface="Consolas" panose="020B0609020204030204" pitchFamily="49" charset="0"/>
+              </a:rPr>
+              <a:t>   this</a:t>
+            </a:r>
+            <a:r>
+              <a:rPr lang="en-US" b="1" dirty="0">
+                <a:solidFill>
+                  <a:srgbClr val="000000"/>
+                </a:solidFill>
+                <a:latin typeface="Consolas" panose="020B0609020204030204" pitchFamily="49" charset="0"/>
+              </a:rPr>
+              <a:t>.</a:t>
+            </a:r>
+            <a:r>
+              <a:rPr lang="en-US" b="1" dirty="0">
+                <a:solidFill>
+                  <a:srgbClr val="0000C0"/>
+                </a:solidFill>
+                <a:latin typeface="Consolas" panose="020B0609020204030204" pitchFamily="49" charset="0"/>
+              </a:rPr>
+              <a:t>name</a:t>
+            </a:r>
+            <a:r>
+              <a:rPr lang="en-US" b="1" dirty="0">
+                <a:solidFill>
+                  <a:srgbClr val="000000"/>
+                </a:solidFill>
+                <a:latin typeface="Consolas" panose="020B0609020204030204" pitchFamily="49" charset="0"/>
+              </a:rPr>
+              <a:t> = </a:t>
+            </a:r>
+            <a:r>
+              <a:rPr lang="en-US" b="1" dirty="0">
+                <a:solidFill>
+                  <a:srgbClr val="6A3E3E"/>
+                </a:solidFill>
+                <a:latin typeface="Consolas" panose="020B0609020204030204" pitchFamily="49" charset="0"/>
+              </a:rPr>
+              <a:t>name</a:t>
+            </a:r>
+            <a:r>
+              <a:rPr lang="en-US" b="1" dirty="0">
+                <a:solidFill>
+                  <a:srgbClr val="000000"/>
+                </a:solidFill>
+                <a:latin typeface="Consolas" panose="020B0609020204030204" pitchFamily="49" charset="0"/>
+              </a:rPr>
+              <a:t>;</a:t>
+            </a:r>
+          </a:p>
+          <a:p>
+            <a:r>
+              <a:rPr lang="en-US" b="1" dirty="0">
+                <a:solidFill>
+                  <a:srgbClr val="7F0055"/>
+                </a:solidFill>
+                <a:latin typeface="Consolas" panose="020B0609020204030204" pitchFamily="49" charset="0"/>
+              </a:rPr>
+              <a:t>   </a:t>
+            </a:r>
+            <a:r>
+              <a:rPr lang="en-US" b="1" dirty="0" err="1">
+                <a:solidFill>
+                  <a:srgbClr val="7F0055"/>
+                </a:solidFill>
+                <a:highlight>
+                  <a:srgbClr val="FFFF00"/>
+                </a:highlight>
                 <a:latin typeface="Consolas" panose="020B0609020204030204" pitchFamily="49" charset="0"/>
               </a:rPr>
               <a:t>Student</a:t>
             </a:r>
             <a:r>
-              <a:rPr lang="en-US" b="1" dirty="0" smtClean="0">
-                <a:solidFill>
-                  <a:srgbClr val="000000"/>
-                </a:solidFill>
-                <a:latin typeface="Consolas" panose="020B0609020204030204" pitchFamily="49" charset="0"/>
-              </a:rPr>
-              <a:t>(</a:t>
-            </a:r>
-          </a:p>
-          <a:p>
-            <a:r>
-              <a:rPr lang="en-US" b="1" dirty="0">
-                <a:solidFill>
-                  <a:srgbClr val="000000"/>
-                </a:solidFill>
-                <a:latin typeface="Consolas" panose="020B0609020204030204" pitchFamily="49" charset="0"/>
-              </a:rPr>
-              <a:t>	</a:t>
-            </a:r>
-            <a:r>
-              <a:rPr lang="en-US" b="1" dirty="0" smtClean="0">
-                <a:solidFill>
-                  <a:srgbClr val="000000"/>
-                </a:solidFill>
-                <a:latin typeface="Consolas" panose="020B0609020204030204" pitchFamily="49" charset="0"/>
-              </a:rPr>
-              <a:t>String </a:t>
+              <a:rPr lang="en-US" b="1" dirty="0" err="1">
+                <a:solidFill>
+                  <a:srgbClr val="000000"/>
+                </a:solidFill>
+                <a:latin typeface="Consolas" panose="020B0609020204030204" pitchFamily="49" charset="0"/>
+              </a:rPr>
+              <a:t>.</a:t>
+            </a:r>
+            <a:r>
+              <a:rPr lang="en-US" b="1" dirty="0" err="1">
+                <a:solidFill>
+                  <a:srgbClr val="0000C0"/>
+                </a:solidFill>
+                <a:latin typeface="Consolas" panose="020B0609020204030204" pitchFamily="49" charset="0"/>
+              </a:rPr>
+              <a:t>grade</a:t>
+            </a:r>
+            <a:r>
+              <a:rPr lang="en-US" b="1" dirty="0">
+                <a:solidFill>
+                  <a:srgbClr val="000000"/>
+                </a:solidFill>
+                <a:latin typeface="Consolas" panose="020B0609020204030204" pitchFamily="49" charset="0"/>
+              </a:rPr>
+              <a:t> = </a:t>
             </a:r>
             <a:r>
               <a:rPr lang="en-US" b="1" dirty="0">
@@ -7478,59 +7464,6 @@
                 </a:solidFill>
                 <a:latin typeface="Consolas" panose="020B0609020204030204" pitchFamily="49" charset="0"/>
               </a:rPr>
-              <a:t>name</a:t>
-            </a:r>
-            <a:r>
-              <a:rPr lang="en-US" b="1" dirty="0">
-                <a:solidFill>
-                  <a:srgbClr val="000000"/>
-                </a:solidFill>
-                <a:latin typeface="Consolas" panose="020B0609020204030204" pitchFamily="49" charset="0"/>
-              </a:rPr>
-              <a:t>, </a:t>
-            </a:r>
-            <a:endParaRPr lang="en-US" b="1" dirty="0" smtClean="0">
-              <a:solidFill>
-                <a:srgbClr val="000000"/>
-              </a:solidFill>
-              <a:latin typeface="Consolas" panose="020B0609020204030204" pitchFamily="49" charset="0"/>
-            </a:endParaRPr>
-          </a:p>
-          <a:p>
-            <a:r>
-              <a:rPr lang="en-US" b="1" dirty="0">
-                <a:solidFill>
-                  <a:srgbClr val="000000"/>
-                </a:solidFill>
-                <a:latin typeface="Consolas" panose="020B0609020204030204" pitchFamily="49" charset="0"/>
-              </a:rPr>
-              <a:t>	</a:t>
-            </a:r>
-            <a:r>
-              <a:rPr lang="en-US" b="1" dirty="0" smtClean="0">
-                <a:solidFill>
-                  <a:srgbClr val="7F0055"/>
-                </a:solidFill>
-                <a:latin typeface="Consolas" panose="020B0609020204030204" pitchFamily="49" charset="0"/>
-              </a:rPr>
-              <a:t>char</a:t>
-            </a:r>
-            <a:r>
-              <a:rPr lang="en-US" b="1" dirty="0" smtClean="0">
-                <a:solidFill>
-                  <a:srgbClr val="000000"/>
-                </a:solidFill>
-                <a:latin typeface="Consolas" panose="020B0609020204030204" pitchFamily="49" charset="0"/>
-              </a:rPr>
-              <a:t> </a:t>
-            </a:r>
-            <a:r>
-              <a:rPr lang="en-US" b="1" dirty="0">
-                <a:solidFill>
-                  <a:srgbClr val="6A3E3E"/>
-                </a:solidFill>
-                <a:latin typeface="Consolas" panose="020B0609020204030204" pitchFamily="49" charset="0"/>
-              </a:rPr>
               <a:t>grade</a:t>
             </a:r>
             <a:r>
@@ -7540,173 +7473,19 @@
                 </a:solidFill>
                 <a:latin typeface="Consolas" panose="020B0609020204030204" pitchFamily="49" charset="0"/>
               </a:rPr>
-              <a:t>){</a:t>
-            </a:r>
-          </a:p>
-          <a:p>
-            <a:r>
-              <a:rPr lang="en-US" b="1" dirty="0">
-                <a:solidFill>
-                  <a:srgbClr val="7F0055"/>
-                </a:solidFill>
-                <a:latin typeface="Consolas" panose="020B0609020204030204" pitchFamily="49" charset="0"/>
-              </a:rPr>
-              <a:t> </a:t>
-            </a:r>
-            <a:r>
-              <a:rPr lang="en-US" b="1" dirty="0" smtClean="0">
-                <a:solidFill>
-                  <a:srgbClr val="7F0055"/>
-                </a:solidFill>
-                <a:latin typeface="Consolas" panose="020B0609020204030204" pitchFamily="49" charset="0"/>
-              </a:rPr>
-              <a:t>   this</a:t>
-            </a:r>
-            <a:r>
-              <a:rPr lang="en-US" b="1" dirty="0" smtClean="0">
-                <a:solidFill>
-                  <a:srgbClr val="000000"/>
-                </a:solidFill>
-                <a:latin typeface="Consolas" panose="020B0609020204030204" pitchFamily="49" charset="0"/>
-              </a:rPr>
-              <a:t>.</a:t>
-            </a:r>
-            <a:r>
-              <a:rPr lang="en-US" b="1" dirty="0" smtClean="0">
-                <a:solidFill>
-                  <a:srgbClr val="0000C0"/>
-                </a:solidFill>
-                <a:latin typeface="Consolas" panose="020B0609020204030204" pitchFamily="49" charset="0"/>
-              </a:rPr>
-              <a:t>name</a:t>
-            </a:r>
-            <a:r>
-              <a:rPr lang="en-US" b="1" dirty="0" smtClean="0">
-                <a:solidFill>
-                  <a:srgbClr val="000000"/>
-                </a:solidFill>
-                <a:latin typeface="Consolas" panose="020B0609020204030204" pitchFamily="49" charset="0"/>
-              </a:rPr>
-              <a:t> </a:t>
-            </a:r>
-            <a:r>
-              <a:rPr lang="en-US" b="1" dirty="0">
-                <a:solidFill>
-                  <a:srgbClr val="000000"/>
-                </a:solidFill>
-                <a:latin typeface="Consolas" panose="020B0609020204030204" pitchFamily="49" charset="0"/>
-              </a:rPr>
-              <a:t>= </a:t>
-            </a:r>
-            <a:r>
-              <a:rPr lang="en-US" b="1" dirty="0">
-                <a:solidFill>
-                  <a:srgbClr val="6A3E3E"/>
-                </a:solidFill>
-                <a:latin typeface="Consolas" panose="020B0609020204030204" pitchFamily="49" charset="0"/>
-              </a:rPr>
-              <a:t>name</a:t>
-            </a:r>
-            <a:r>
-              <a:rPr lang="en-US" b="1" dirty="0">
-                <a:solidFill>
-                  <a:srgbClr val="000000"/>
-                </a:solidFill>
-                <a:latin typeface="Consolas" panose="020B0609020204030204" pitchFamily="49" charset="0"/>
-              </a:rPr>
               <a:t>;</a:t>
             </a:r>
           </a:p>
           <a:p>
             <a:r>
-              <a:rPr lang="en-US" b="1" dirty="0" smtClean="0">
-                <a:solidFill>
-                  <a:srgbClr val="7F0055"/>
-                </a:solidFill>
-                <a:latin typeface="Consolas" panose="020B0609020204030204" pitchFamily="49" charset="0"/>
-              </a:rPr>
-              <a:t>    </a:t>
-            </a:r>
-            <a:r>
-              <a:rPr lang="en-US" b="1" dirty="0" err="1" smtClean="0">
-                <a:solidFill>
-                  <a:srgbClr val="7F0055"/>
-                </a:solidFill>
-                <a:latin typeface="Consolas" panose="020B0609020204030204" pitchFamily="49" charset="0"/>
-              </a:rPr>
-              <a:t>Student</a:t>
-            </a:r>
-            <a:r>
-              <a:rPr lang="en-US" b="1" dirty="0" err="1" smtClean="0">
-                <a:solidFill>
-                  <a:srgbClr val="000000"/>
-                </a:solidFill>
-                <a:latin typeface="Consolas" panose="020B0609020204030204" pitchFamily="49" charset="0"/>
-              </a:rPr>
-              <a:t>.</a:t>
-            </a:r>
-            <a:r>
-              <a:rPr lang="en-US" b="1" dirty="0" err="1" smtClean="0">
-                <a:solidFill>
-                  <a:srgbClr val="0000C0"/>
-                </a:solidFill>
-                <a:latin typeface="Consolas" panose="020B0609020204030204" pitchFamily="49" charset="0"/>
-              </a:rPr>
-              <a:t>grade</a:t>
-            </a:r>
-            <a:r>
-              <a:rPr lang="en-US" b="1" dirty="0" smtClean="0">
-                <a:solidFill>
-                  <a:srgbClr val="000000"/>
-                </a:solidFill>
-                <a:latin typeface="Consolas" panose="020B0609020204030204" pitchFamily="49" charset="0"/>
-              </a:rPr>
-              <a:t> </a:t>
-            </a:r>
-            <a:r>
-              <a:rPr lang="en-US" b="1" dirty="0">
-                <a:solidFill>
-                  <a:srgbClr val="000000"/>
-                </a:solidFill>
-                <a:latin typeface="Consolas" panose="020B0609020204030204" pitchFamily="49" charset="0"/>
-              </a:rPr>
-              <a:t>= </a:t>
-            </a:r>
-            <a:r>
-              <a:rPr lang="en-US" b="1" dirty="0">
-                <a:solidFill>
-                  <a:srgbClr val="6A3E3E"/>
-                </a:solidFill>
-                <a:latin typeface="Consolas" panose="020B0609020204030204" pitchFamily="49" charset="0"/>
-              </a:rPr>
-              <a:t>grade</a:t>
-            </a:r>
-            <a:r>
-              <a:rPr lang="en-US" b="1" dirty="0">
-                <a:solidFill>
-                  <a:srgbClr val="000000"/>
-                </a:solidFill>
-                <a:latin typeface="Consolas" panose="020B0609020204030204" pitchFamily="49" charset="0"/>
-              </a:rPr>
-              <a:t>;</a:t>
-            </a:r>
-          </a:p>
-          <a:p>
-            <a:r>
-              <a:rPr lang="en-US" dirty="0" smtClean="0">
-                <a:solidFill>
-                  <a:srgbClr val="000000"/>
-                </a:solidFill>
-                <a:latin typeface="Consolas" panose="020B0609020204030204" pitchFamily="49" charset="0"/>
-              </a:rPr>
-              <a:t>  }</a:t>
-            </a:r>
-            <a:endParaRPr lang="en-US" dirty="0">
-              <a:solidFill>
-                <a:srgbClr val="000000"/>
-              </a:solidFill>
-              <a:latin typeface="Consolas" panose="020B0609020204030204" pitchFamily="49" charset="0"/>
-            </a:endParaRPr>
+              <a:rPr lang="en-US" dirty="0">
+                <a:solidFill>
+                  <a:srgbClr val="000000"/>
+                </a:solidFill>
+                <a:latin typeface="Consolas" panose="020B0609020204030204" pitchFamily="49" charset="0"/>
+              </a:rPr>
+              <a:t> }</a:t>
+            </a:r>
           </a:p>
           <a:p>
             <a:endParaRPr lang="en-US" dirty="0">
@@ -7715,189 +7494,150 @@
           </a:p>
           <a:p>
             <a:r>
-              <a:rPr lang="en-US" dirty="0" smtClean="0">
+              <a:rPr lang="en-US" dirty="0">
                 <a:solidFill>
                   <a:srgbClr val="646464"/>
                 </a:solidFill>
                 <a:latin typeface="Consolas" panose="020B0609020204030204" pitchFamily="49" charset="0"/>
               </a:rPr>
-              <a:t>  @</a:t>
-            </a:r>
+              <a:t> @Override</a:t>
+            </a:r>
+          </a:p>
+          <a:p>
+            <a:r>
+              <a:rPr lang="en-US" b="1" dirty="0">
+                <a:solidFill>
+                  <a:srgbClr val="7F0055"/>
+                </a:solidFill>
+                <a:latin typeface="Consolas" panose="020B0609020204030204" pitchFamily="49" charset="0"/>
+              </a:rPr>
+              <a:t> public</a:t>
+            </a:r>
+            <a:r>
+              <a:rPr lang="en-US" b="1" dirty="0">
+                <a:solidFill>
+                  <a:srgbClr val="000000"/>
+                </a:solidFill>
+                <a:latin typeface="Consolas" panose="020B0609020204030204" pitchFamily="49" charset="0"/>
+              </a:rPr>
+              <a:t> String </a:t>
+            </a:r>
+            <a:r>
+              <a:rPr lang="en-US" b="1" dirty="0" err="1">
+                <a:solidFill>
+                  <a:srgbClr val="000000"/>
+                </a:solidFill>
+                <a:latin typeface="Consolas" panose="020B0609020204030204" pitchFamily="49" charset="0"/>
+              </a:rPr>
+              <a:t>toString</a:t>
+            </a:r>
+            <a:r>
+              <a:rPr lang="en-US" b="1" dirty="0">
+                <a:solidFill>
+                  <a:srgbClr val="000000"/>
+                </a:solidFill>
+                <a:latin typeface="Consolas" panose="020B0609020204030204" pitchFamily="49" charset="0"/>
+              </a:rPr>
+              <a:t>(){</a:t>
+            </a:r>
+          </a:p>
+          <a:p>
+            <a:r>
+              <a:rPr lang="en-US" b="1" dirty="0">
+                <a:solidFill>
+                  <a:srgbClr val="7F0055"/>
+                </a:solidFill>
+                <a:latin typeface="Consolas" panose="020B0609020204030204" pitchFamily="49" charset="0"/>
+              </a:rPr>
+              <a:t>   return</a:t>
+            </a:r>
+            <a:r>
+              <a:rPr lang="en-US" b="1" dirty="0">
+                <a:solidFill>
+                  <a:srgbClr val="000000"/>
+                </a:solidFill>
+                <a:latin typeface="Consolas" panose="020B0609020204030204" pitchFamily="49" charset="0"/>
+              </a:rPr>
+              <a:t> </a:t>
+            </a:r>
+            <a:r>
+              <a:rPr lang="en-US" b="1" dirty="0">
+                <a:solidFill>
+                  <a:srgbClr val="0000C0"/>
+                </a:solidFill>
+                <a:latin typeface="Consolas" panose="020B0609020204030204" pitchFamily="49" charset="0"/>
+              </a:rPr>
+              <a:t>name </a:t>
+            </a:r>
+            <a:r>
+              <a:rPr lang="en-US" b="1" dirty="0">
+                <a:solidFill>
+                  <a:srgbClr val="000000"/>
+                </a:solidFill>
+                <a:latin typeface="Consolas" panose="020B0609020204030204" pitchFamily="49" charset="0"/>
+              </a:rPr>
+              <a:t>+</a:t>
+            </a:r>
+          </a:p>
+          <a:p>
+            <a:r>
+              <a:rPr lang="en-US" b="1" dirty="0">
+                <a:solidFill>
+                  <a:srgbClr val="2A00FF"/>
+                </a:solidFill>
+                <a:latin typeface="Consolas" panose="020B0609020204030204" pitchFamily="49" charset="0"/>
+              </a:rPr>
+              <a:t>     " has a grade of "</a:t>
+            </a:r>
+            <a:r>
+              <a:rPr lang="en-US" b="1" dirty="0">
+                <a:solidFill>
+                  <a:srgbClr val="000000"/>
+                </a:solidFill>
+                <a:latin typeface="Consolas" panose="020B0609020204030204" pitchFamily="49" charset="0"/>
+              </a:rPr>
+              <a:t> </a:t>
+            </a:r>
+          </a:p>
+          <a:p>
+            <a:r>
+              <a:rPr lang="en-US" b="1" dirty="0">
+                <a:solidFill>
+                  <a:srgbClr val="000000"/>
+                </a:solidFill>
+                <a:latin typeface="Consolas" panose="020B0609020204030204" pitchFamily="49" charset="0"/>
+              </a:rPr>
+              <a:t>     + </a:t>
+            </a:r>
+            <a:r>
+              <a:rPr lang="en-US" b="1" dirty="0">
+                <a:solidFill>
+                  <a:srgbClr val="0000C0"/>
+                </a:solidFill>
+                <a:latin typeface="Consolas" panose="020B0609020204030204" pitchFamily="49" charset="0"/>
+              </a:rPr>
+              <a:t>grade</a:t>
+            </a:r>
+            <a:r>
+              <a:rPr lang="en-US" b="1" dirty="0">
+                <a:solidFill>
+                  <a:srgbClr val="000000"/>
+                </a:solidFill>
+                <a:latin typeface="Consolas" panose="020B0609020204030204" pitchFamily="49" charset="0"/>
+              </a:rPr>
+              <a:t>;</a:t>
+            </a:r>
+          </a:p>
+          <a:p>
             <a:r>
               <a:rPr lang="en-US" dirty="0">
                 <a:solidFill>
-                  <a:srgbClr val="646464"/>
-                </a:solidFill>
-                <a:latin typeface="Consolas" panose="020B0609020204030204" pitchFamily="49" charset="0"/>
-              </a:rPr>
-              <a:t>Override</a:t>
-            </a:r>
-          </a:p>
-          <a:p>
-            <a:r>
-              <a:rPr lang="en-US" b="1" dirty="0" smtClean="0">
-                <a:solidFill>
-                  <a:srgbClr val="7F0055"/>
-                </a:solidFill>
-                <a:latin typeface="Consolas" panose="020B0609020204030204" pitchFamily="49" charset="0"/>
-              </a:rPr>
-              <a:t>  public</a:t>
-            </a:r>
-            <a:r>
-              <a:rPr lang="en-US" b="1" dirty="0" smtClean="0">
-                <a:solidFill>
-                  <a:srgbClr val="000000"/>
-                </a:solidFill>
-                <a:latin typeface="Consolas" panose="020B0609020204030204" pitchFamily="49" charset="0"/>
-              </a:rPr>
-              <a:t> </a:t>
-            </a:r>
-            <a:r>
-              <a:rPr lang="en-US" b="1" dirty="0">
-                <a:solidFill>
-                  <a:srgbClr val="000000"/>
-                </a:solidFill>
-                <a:latin typeface="Consolas" panose="020B0609020204030204" pitchFamily="49" charset="0"/>
-              </a:rPr>
-              <a:t>String toString() {</a:t>
-            </a:r>
-          </a:p>
-          <a:p>
-            <a:r>
-              <a:rPr lang="en-US" b="1" dirty="0" smtClean="0">
-                <a:solidFill>
-                  <a:srgbClr val="7F0055"/>
-                </a:solidFill>
-                <a:latin typeface="Consolas" panose="020B0609020204030204" pitchFamily="49" charset="0"/>
-              </a:rPr>
-              <a:t>    return</a:t>
-            </a:r>
-            <a:r>
-              <a:rPr lang="en-US" b="1" dirty="0" smtClean="0">
-                <a:solidFill>
-                  <a:srgbClr val="000000"/>
-                </a:solidFill>
-                <a:latin typeface="Consolas" panose="020B0609020204030204" pitchFamily="49" charset="0"/>
-              </a:rPr>
-              <a:t> </a:t>
-            </a:r>
-            <a:r>
-              <a:rPr lang="en-US" b="1" dirty="0" smtClean="0">
-                <a:solidFill>
-                  <a:srgbClr val="0000C0"/>
-                </a:solidFill>
-                <a:latin typeface="Consolas" panose="020B0609020204030204" pitchFamily="49" charset="0"/>
-              </a:rPr>
-              <a:t>name</a:t>
-            </a:r>
-            <a:r>
-              <a:rPr lang="en-US" b="1" dirty="0" smtClean="0">
-                <a:solidFill>
-                  <a:srgbClr val="000000"/>
-                </a:solidFill>
-                <a:latin typeface="Consolas" panose="020B0609020204030204" pitchFamily="49" charset="0"/>
-              </a:rPr>
-              <a:t>+</a:t>
-            </a:r>
-          </a:p>
-          <a:p>
-            <a:r>
-              <a:rPr lang="en-US" b="1" dirty="0">
-                <a:solidFill>
-                  <a:srgbClr val="000000"/>
-                </a:solidFill>
-                <a:latin typeface="Consolas" panose="020B0609020204030204" pitchFamily="49" charset="0"/>
-              </a:rPr>
-              <a:t>	</a:t>
-            </a:r>
-            <a:r>
-              <a:rPr lang="en-US" b="1" dirty="0" smtClean="0">
-                <a:solidFill>
-                  <a:srgbClr val="2A00FF"/>
-                </a:solidFill>
-                <a:latin typeface="Consolas" panose="020B0609020204030204" pitchFamily="49" charset="0"/>
-              </a:rPr>
-              <a:t>" </a:t>
-            </a:r>
-            <a:r>
-              <a:rPr lang="en-US" b="1" dirty="0">
-                <a:solidFill>
-                  <a:srgbClr val="2A00FF"/>
-                </a:solidFill>
-                <a:latin typeface="Consolas" panose="020B0609020204030204" pitchFamily="49" charset="0"/>
-              </a:rPr>
-              <a:t>has a grade of "</a:t>
-            </a:r>
-            <a:r>
-              <a:rPr lang="en-US" b="1" dirty="0">
-                <a:solidFill>
-                  <a:srgbClr val="000000"/>
-                </a:solidFill>
-                <a:latin typeface="Consolas" panose="020B0609020204030204" pitchFamily="49" charset="0"/>
-              </a:rPr>
-              <a:t> </a:t>
-            </a:r>
-            <a:endParaRPr lang="en-US" b="1" dirty="0" smtClean="0">
-              <a:solidFill>
-                <a:srgbClr val="000000"/>
-              </a:solidFill>
-              <a:latin typeface="Consolas" panose="020B0609020204030204" pitchFamily="49" charset="0"/>
-            </a:endParaRPr>
-          </a:p>
-          <a:p>
-            <a:r>
-              <a:rPr lang="en-US" b="1" dirty="0">
-                <a:solidFill>
-                  <a:srgbClr val="000000"/>
-                </a:solidFill>
-                <a:latin typeface="Consolas" panose="020B0609020204030204" pitchFamily="49" charset="0"/>
-              </a:rPr>
-              <a:t> </a:t>
-            </a:r>
-            <a:r>
-              <a:rPr lang="en-US" b="1" dirty="0" smtClean="0">
-                <a:solidFill>
-                  <a:srgbClr val="000000"/>
-                </a:solidFill>
-                <a:latin typeface="Consolas" panose="020B0609020204030204" pitchFamily="49" charset="0"/>
-              </a:rPr>
-              <a:t>      + </a:t>
-            </a:r>
-            <a:r>
-              <a:rPr lang="en-US" b="1" dirty="0" smtClean="0">
-                <a:solidFill>
-                  <a:srgbClr val="0000C0"/>
-                </a:solidFill>
-                <a:latin typeface="Consolas" panose="020B0609020204030204" pitchFamily="49" charset="0"/>
-              </a:rPr>
-              <a:t>grade</a:t>
-            </a:r>
-            <a:r>
-              <a:rPr lang="en-US" b="1" dirty="0">
-                <a:solidFill>
-                  <a:srgbClr val="000000"/>
-                </a:solidFill>
-                <a:latin typeface="Consolas" panose="020B0609020204030204" pitchFamily="49" charset="0"/>
-              </a:rPr>
-              <a:t>;</a:t>
-            </a:r>
-          </a:p>
-          <a:p>
-            <a:r>
-              <a:rPr lang="en-US" dirty="0" smtClean="0">
-                <a:solidFill>
-                  <a:srgbClr val="000000"/>
-                </a:solidFill>
-                <a:latin typeface="Consolas" panose="020B0609020204030204" pitchFamily="49" charset="0"/>
-              </a:rPr>
-              <a:t>  }</a:t>
-            </a:r>
-            <a:endParaRPr lang="en-US" dirty="0">
-              <a:solidFill>
-                <a:srgbClr val="000000"/>
-              </a:solidFill>
-              <a:latin typeface="Consolas" panose="020B0609020204030204" pitchFamily="49" charset="0"/>
-            </a:endParaRPr>
+                  <a:srgbClr val="000000"/>
+                </a:solidFill>
+                <a:latin typeface="Consolas" panose="020B0609020204030204" pitchFamily="49" charset="0"/>
+              </a:rPr>
+              <a:t> }</a:t>
+            </a:r>
           </a:p>
           <a:p>
             <a:r>
@@ -7924,7 +7664,7 @@
         </p:nvSpPr>
         <p:spPr>
           <a:xfrm>
-            <a:off x="457200" y="274638"/>
+            <a:off x="457200" y="126979"/>
             <a:ext cx="8229600" cy="639762"/>
           </a:xfrm>
         </p:spPr>
@@ -7935,10 +7675,9 @@
           <a:lstStyle/>
           <a:p>
             <a:r>
-              <a:rPr lang="en-US" sz="3200" dirty="0" smtClean="0"/>
-              <a:t>Why not make the grade static?</a:t>
-            </a:r>
-            <a:endParaRPr lang="en-US" sz="3200" dirty="0"/>
+              <a:rPr lang="en-US" sz="3200" dirty="0"/>
+              <a:t>Why fields can’t always be static</a:t>
+            </a:r>
           </a:p>
         </p:txBody>
       </p:sp>
@@ -7950,7 +7689,7 @@
         </p:nvSpPr>
         <p:spPr>
           <a:xfrm>
-            <a:off x="4267200" y="4148328"/>
+            <a:off x="4372970" y="4281962"/>
             <a:ext cx="4572000" cy="1200329"/>
           </a:xfrm>
           <a:prstGeom prst="rect">
@@ -7964,25 +7703,16 @@
           <a:lstStyle/>
           <a:p>
             <a:r>
-              <a:rPr lang="en-US" b="1" dirty="0" smtClean="0">
-                <a:solidFill>
-                  <a:srgbClr val="000000"/>
-                </a:solidFill>
-                <a:latin typeface="Consolas" panose="020B0609020204030204" pitchFamily="49" charset="0"/>
-              </a:rPr>
-              <a:t>OUTPUT:</a:t>
-            </a:r>
-          </a:p>
-          <a:p>
-            <a:r>
-              <a:rPr lang="en-US" dirty="0" smtClean="0">
-                <a:solidFill>
-                  <a:srgbClr val="000000"/>
-                </a:solidFill>
-                <a:latin typeface="Consolas" panose="020B0609020204030204" pitchFamily="49" charset="0"/>
-              </a:rPr>
-              <a:t>Adam </a:t>
-            </a:r>
+              <a:rPr lang="en-US" b="1" dirty="0">
+                <a:solidFill>
+                  <a:srgbClr val="000000"/>
+                </a:solidFill>
+                <a:latin typeface="Consolas" panose="020B0609020204030204" pitchFamily="49" charset="0"/>
+              </a:rPr>
+              <a:t>OUTPUT – from Client program:</a:t>
+            </a:r>
+          </a:p>
+          <a:p>
             <a:r>
               <a:rPr lang="en-US" dirty="0">
                 <a:solidFill>
@@ -7990,23 +7720,20 @@
                 </a:solidFill>
                 <a:latin typeface="Consolas" panose="020B0609020204030204" pitchFamily="49" charset="0"/>
               </a:rPr>
-              <a:t>has a grade of </a:t>
-            </a:r>
-            <a:r>
-              <a:rPr lang="en-US" dirty="0" smtClean="0">
-                <a:solidFill>
-                  <a:srgbClr val="000000"/>
-                </a:solidFill>
+              <a:t>Adam has a grade of </a:t>
+            </a:r>
+            <a:r>
+              <a:rPr lang="en-US" dirty="0">
+                <a:solidFill>
+                  <a:srgbClr val="000000"/>
+                </a:solidFill>
+                <a:highlight>
+                  <a:srgbClr val="FFFF00"/>
+                </a:highlight>
                 <a:latin typeface="Consolas" panose="020B0609020204030204" pitchFamily="49" charset="0"/>
               </a:rPr>
               <a:t>C</a:t>
             </a:r>
-            <a:endParaRPr lang="en-US" dirty="0">
-              <a:solidFill>
-                <a:srgbClr val="000000"/>
-              </a:solidFill>
-              <a:latin typeface="Consolas" panose="020B0609020204030204" pitchFamily="49" charset="0"/>
-            </a:endParaRPr>
           </a:p>
           <a:p>
             <a:r>
@@ -8019,31 +7746,19 @@
               <a:t>Bryan has a grade of </a:t>
             </a:r>
             <a:r>
-              <a:rPr lang="en-US" dirty="0" smtClean="0">
-                <a:solidFill>
-                  <a:srgbClr val="000000"/>
-                </a:solidFill>
+              <a:rPr lang="en-US" dirty="0">
+                <a:solidFill>
+                  <a:srgbClr val="000000"/>
+                </a:solidFill>
+                <a:highlight>
+                  <a:srgbClr val="FFFF00"/>
+                </a:highlight>
                 <a:latin typeface="Consolas" panose="020B0609020204030204" pitchFamily="49" charset="0"/>
               </a:rPr>
               <a:t>C</a:t>
             </a:r>
-            <a:endParaRPr lang="en-US" dirty="0">
-              <a:solidFill>
-                <a:srgbClr val="000000"/>
-              </a:solidFill>
-              <a:latin typeface="Consolas" panose="020B0609020204030204" pitchFamily="49" charset="0"/>
-            </a:endParaRPr>
-          </a:p>
-          <a:p>
-            <a:r>
-              <a:rPr lang="en-US" dirty="0" smtClean="0">
-                <a:solidFill>
-                  <a:srgbClr val="000000"/>
-                </a:solidFill>
-                <a:latin typeface="Consolas" panose="020B0609020204030204" pitchFamily="49" charset="0"/>
-              </a:rPr>
-              <a:t>Chris has </a:t>
-            </a:r>
+          </a:p>
+          <a:p>
             <a:r>
               <a:rPr lang="en-US" dirty="0">
                 <a:solidFill>
@@ -8051,7 +7766,7 @@
                 </a:solidFill>
                 <a:latin typeface="Consolas" panose="020B0609020204030204" pitchFamily="49" charset="0"/>
               </a:rPr>
-              <a:t>a grade of C</a:t>
+              <a:t>Chris has a grade of C</a:t>
             </a:r>
             <a:endParaRPr lang="en-US" dirty="0"/>
           </a:p>
@@ -8059,13 +7774,13 @@
       </p:sp>
       <p:sp>
         <p:nvSpPr>
-          <p:cNvPr id="2" name="Rectangle 1"/>
+          <p:cNvPr id="9" name="Rectangle 8"/>
           <p:cNvSpPr/>
           <p:nvPr/>
         </p:nvSpPr>
         <p:spPr>
           <a:xfrm>
-            <a:off x="3810000" y="914400"/>
+            <a:off x="3830472" y="1143000"/>
             <a:ext cx="5486400" cy="2308324"/>
           </a:xfrm>
           <a:prstGeom prst="rect">
@@ -8153,7 +7868,7 @@
           </a:p>
           <a:p>
             <a:r>
-              <a:rPr lang="en-US" dirty="0" smtClean="0">
+              <a:rPr lang="en-US" dirty="0">
                 <a:solidFill>
                   <a:srgbClr val="000000"/>
                 </a:solidFill>
@@ -8236,7 +7951,7 @@
           </a:p>
           <a:p>
             <a:r>
-              <a:rPr lang="en-US" dirty="0" smtClean="0">
+              <a:rPr lang="en-US" dirty="0">
                 <a:solidFill>
                   <a:srgbClr val="000000"/>
                 </a:solidFill>
@@ -8319,7 +8034,7 @@
           </a:p>
           <a:p>
             <a:r>
-              <a:rPr lang="en-US" dirty="0" smtClean="0">
+              <a:rPr lang="en-US" dirty="0">
                 <a:solidFill>
                   <a:srgbClr val="000000"/>
                 </a:solidFill>
@@ -8402,7 +8117,7 @@
           </a:p>
           <a:p>
             <a:r>
-              <a:rPr lang="en-US" dirty="0" smtClean="0">
+              <a:rPr lang="en-US" dirty="0">
                 <a:solidFill>
                   <a:srgbClr val="000000"/>
                 </a:solidFill>
@@ -8411,7 +8126,7 @@
               <a:t>  System.</a:t>
             </a:r>
             <a:r>
-              <a:rPr lang="en-US" b="1" i="1" dirty="0" smtClean="0">
+              <a:rPr lang="en-US" b="1" i="1" dirty="0">
                 <a:solidFill>
                   <a:srgbClr val="0000C0"/>
                 </a:solidFill>
@@ -8420,7 +8135,7 @@
               <a:t>out</a:t>
             </a:r>
             <a:r>
-              <a:rPr lang="en-US" b="1" i="1" dirty="0" smtClean="0">
+              <a:rPr lang="en-US" b="1" i="1" dirty="0">
                 <a:solidFill>
                   <a:srgbClr val="000000"/>
                 </a:solidFill>
@@ -8429,7 +8144,7 @@
               <a:t>.println(</a:t>
             </a:r>
             <a:r>
-              <a:rPr lang="en-US" b="1" i="1" dirty="0" smtClean="0">
+              <a:rPr lang="en-US" b="1" i="1" dirty="0">
                 <a:solidFill>
                   <a:srgbClr val="6A3E3E"/>
                 </a:solidFill>
@@ -8449,7 +8164,7 @@
           </a:p>
           <a:p>
             <a:r>
-              <a:rPr lang="en-US" dirty="0" smtClean="0">
+              <a:rPr lang="en-US" dirty="0">
                 <a:solidFill>
                   <a:srgbClr val="000000"/>
                 </a:solidFill>
@@ -8458,7 +8173,7 @@
               <a:t>  System.</a:t>
             </a:r>
             <a:r>
-              <a:rPr lang="en-US" b="1" i="1" dirty="0" smtClean="0">
+              <a:rPr lang="en-US" b="1" i="1" dirty="0">
                 <a:solidFill>
                   <a:srgbClr val="0000C0"/>
                 </a:solidFill>
@@ -8467,7 +8182,7 @@
               <a:t>out</a:t>
             </a:r>
             <a:r>
-              <a:rPr lang="en-US" b="1" i="1" dirty="0" smtClean="0">
+              <a:rPr lang="en-US" b="1" i="1" dirty="0">
                 <a:solidFill>
                   <a:srgbClr val="000000"/>
                 </a:solidFill>
@@ -8476,7 +8191,7 @@
               <a:t>.println(</a:t>
             </a:r>
             <a:r>
-              <a:rPr lang="en-US" b="1" i="1" dirty="0" smtClean="0">
+              <a:rPr lang="en-US" b="1" i="1" dirty="0">
                 <a:solidFill>
                   <a:srgbClr val="6A3E3E"/>
                 </a:solidFill>
@@ -8496,7 +8211,7 @@
           </a:p>
           <a:p>
             <a:r>
-              <a:rPr lang="en-US" dirty="0" smtClean="0">
+              <a:rPr lang="en-US" dirty="0">
                 <a:solidFill>
                   <a:srgbClr val="000000"/>
                 </a:solidFill>
@@ -8505,7 +8220,7 @@
               <a:t>  System.</a:t>
             </a:r>
             <a:r>
-              <a:rPr lang="en-US" b="1" i="1" dirty="0" smtClean="0">
+              <a:rPr lang="en-US" b="1" i="1" dirty="0">
                 <a:solidFill>
                   <a:srgbClr val="0000C0"/>
                 </a:solidFill>
@@ -8514,7 +8229,7 @@
               <a:t>out</a:t>
             </a:r>
             <a:r>
-              <a:rPr lang="en-US" b="1" i="1" dirty="0" smtClean="0">
+              <a:rPr lang="en-US" b="1" i="1" dirty="0">
                 <a:solidFill>
                   <a:srgbClr val="000000"/>
                 </a:solidFill>
@@ -8523,7 +8238,7 @@
               <a:t>.println(</a:t>
             </a:r>
             <a:r>
-              <a:rPr lang="en-US" b="1" i="1" dirty="0" smtClean="0">
+              <a:rPr lang="en-US" b="1" i="1" dirty="0">
                 <a:solidFill>
                   <a:srgbClr val="6A3E3E"/>
                 </a:solidFill>
@@ -8557,7 +8272,152 @@
       </p:sp>
       <p:sp>
         <p:nvSpPr>
-          <p:cNvPr id="9" name="Rectangle 8"/>
+          <p:cNvPr id="2" name="Rectangle 1">
+            <a:extLst>
+              <a:ext uri="{FF2B5EF4-FFF2-40B4-BE49-F238E27FC236}">
+                <a16:creationId xmlns:a16="http://schemas.microsoft.com/office/drawing/2014/main" id="{836EE8BA-BC4D-4E52-8BBA-2C93DFC1CA6E}"/>
+              </a:ext>
+            </a:extLst>
+          </p:cNvPr>
+          <p:cNvSpPr/>
+          <p:nvPr/>
+        </p:nvSpPr>
+        <p:spPr>
+          <a:xfrm>
+            <a:off x="288236" y="1143000"/>
+            <a:ext cx="3542235" cy="5126712"/>
+          </a:xfrm>
+          <a:prstGeom prst="rect">
+            <a:avLst/>
+          </a:prstGeom>
+          <a:noFill/>
+          <a:ln>
+            <a:solidFill>
+              <a:schemeClr val="tx2"/>
+            </a:solidFill>
+          </a:ln>
+        </p:spPr>
+        <p:style>
+          <a:lnRef idx="2">
+            <a:schemeClr val="accent1">
+              <a:shade val="50000"/>
+            </a:schemeClr>
+          </a:lnRef>
+          <a:fillRef idx="1">
+            <a:schemeClr val="accent1"/>
+          </a:fillRef>
+          <a:effectRef idx="0">
+            <a:schemeClr val="accent1"/>
+          </a:effectRef>
+          <a:fontRef idx="minor">
+            <a:schemeClr val="lt1"/>
+          </a:fontRef>
+        </p:style>
+        <p:txBody>
+          <a:bodyPr rtlCol="0" anchor="ctr"/>
+          <a:lstStyle/>
+          <a:p>
+            <a:pPr algn="ctr"/>
+            <a:endParaRPr lang="en-US"/>
+          </a:p>
+        </p:txBody>
+      </p:sp>
+      <p:sp>
+        <p:nvSpPr>
+          <p:cNvPr id="10" name="Rectangle 9">
+            <a:extLst>
+              <a:ext uri="{FF2B5EF4-FFF2-40B4-BE49-F238E27FC236}">
+                <a16:creationId xmlns:a16="http://schemas.microsoft.com/office/drawing/2014/main" id="{41F6CB8C-2CC8-4683-9D4B-70A2FCEC9941}"/>
+              </a:ext>
+            </a:extLst>
+          </p:cNvPr>
+          <p:cNvSpPr/>
+          <p:nvPr/>
+        </p:nvSpPr>
+        <p:spPr>
+          <a:xfrm>
+            <a:off x="3906078" y="1143000"/>
+            <a:ext cx="5118652" cy="5126712"/>
+          </a:xfrm>
+          <a:prstGeom prst="rect">
+            <a:avLst/>
+          </a:prstGeom>
+          <a:noFill/>
+          <a:ln>
+            <a:solidFill>
+              <a:schemeClr val="accent6"/>
+            </a:solidFill>
+          </a:ln>
+        </p:spPr>
+        <p:style>
+          <a:lnRef idx="2">
+            <a:schemeClr val="accent1">
+              <a:shade val="50000"/>
+            </a:schemeClr>
+          </a:lnRef>
+          <a:fillRef idx="1">
+            <a:schemeClr val="accent1"/>
+          </a:fillRef>
+          <a:effectRef idx="0">
+            <a:schemeClr val="accent1"/>
+          </a:effectRef>
+          <a:fontRef idx="minor">
+            <a:schemeClr val="lt1"/>
+          </a:fontRef>
+        </p:style>
+        <p:txBody>
+          <a:bodyPr rtlCol="0" anchor="ctr"/>
+          <a:lstStyle/>
+          <a:p>
+            <a:pPr algn="ctr"/>
+            <a:endParaRPr lang="en-US"/>
+          </a:p>
+        </p:txBody>
+      </p:sp>
+      <p:sp>
+        <p:nvSpPr>
+          <p:cNvPr id="11" name="TextBox 10">
+            <a:extLst>
+              <a:ext uri="{FF2B5EF4-FFF2-40B4-BE49-F238E27FC236}">
+                <a16:creationId xmlns:a16="http://schemas.microsoft.com/office/drawing/2014/main" id="{159AE14B-96CA-4665-A463-1ECB4C81ACBA}"/>
+              </a:ext>
+            </a:extLst>
+          </p:cNvPr>
+          <p:cNvSpPr txBox="1"/>
+          <p:nvPr/>
+        </p:nvSpPr>
+        <p:spPr>
+          <a:xfrm>
+            <a:off x="4729963" y="791119"/>
+            <a:ext cx="3687418" cy="369332"/>
+          </a:xfrm>
+          <a:prstGeom prst="rect">
+            <a:avLst/>
+          </a:prstGeom>
+          <a:noFill/>
+        </p:spPr>
+        <p:txBody>
+          <a:bodyPr wrap="square" rtlCol="0">
+            <a:spAutoFit/>
+          </a:bodyPr>
+          <a:lstStyle/>
+          <a:p>
+            <a:r>
+              <a:rPr lang="en-US" dirty="0"/>
+              <a:t>Client program – of Student Class</a:t>
+            </a:r>
+          </a:p>
+        </p:txBody>
+      </p:sp>
+      <p:sp>
+        <p:nvSpPr>
+          <p:cNvPr id="12" name="Rectangle 11">
+            <a:extLst>
+              <a:ext uri="{FF2B5EF4-FFF2-40B4-BE49-F238E27FC236}">
+                <a16:creationId xmlns:a16="http://schemas.microsoft.com/office/drawing/2014/main" id="{74FBA5E6-1BF8-4A93-A843-F6EB4A27A02E}"/>
+              </a:ext>
+            </a:extLst>
+          </p:cNvPr>
           <p:cNvSpPr/>
           <p:nvPr/>
         </p:nvSpPr>
@@ -8594,20 +8454,15 @@
           <a:p>
             <a:r>
               <a:rPr lang="en-US" sz="2000" dirty="0"/>
-              <a:t>Static means there's only one instance of a field/method for every instance of a class that's created</a:t>
-            </a:r>
-            <a:r>
-              <a:rPr lang="en-US" sz="2000" dirty="0" smtClean="0"/>
-              <a:t>. So when you change a grade, they all change.</a:t>
-            </a:r>
-            <a:endParaRPr lang="en-US" sz="2000" dirty="0"/>
+              <a:t>Static means there's only one instance of a field/method for every instance of a class that's created. So when you change a grade, they all change.</a:t>
+            </a:r>
           </a:p>
         </p:txBody>
       </p:sp>
     </p:spTree>
     <p:extLst>
       <p:ext uri="{BB962C8B-B14F-4D97-AF65-F5344CB8AC3E}">
-        <p14:creationId xmlns:p14="http://schemas.microsoft.com/office/powerpoint/2010/main" val="4018636466"/>
+        <p14:creationId xmlns:p14="http://schemas.microsoft.com/office/powerpoint/2010/main" val="3862064788"/>
       </p:ext>
     </p:extLst>
   </p:cSld>
@@ -8693,7 +8548,7 @@
                                           </p:stCondLst>
                                         </p:cTn>
                                         <p:tgtEl>
-                                          <p:spTgt spid="9"/>
+                                          <p:spTgt spid="12"/>
                                         </p:tgtEl>
                                         <p:attrNameLst>
                                           <p:attrName>style.visibility</p:attrName>
@@ -8735,7 +8590,7 @@
     </p:tnLst>
     <p:bldLst>
       <p:bldP spid="8" grpId="0"/>
-      <p:bldP spid="9" grpId="0" animBg="1"/>
+      <p:bldP spid="12" grpId="0" animBg="1"/>
     </p:bldLst>
   </p:timing>
 </p:sld>
@@ -8776,10 +8631,9 @@
           <a:lstStyle/>
           <a:p>
             <a:r>
-              <a:rPr lang="en-US" dirty="0" smtClean="0"/>
+              <a:rPr lang="en-US" dirty="0"/>
               <a:t>When do we make methods static?</a:t>
             </a:r>
-            <a:endParaRPr lang="en-US" dirty="0"/>
           </a:p>
         </p:txBody>
       </p:sp>
@@ -8799,52 +8653,51 @@
           <a:lstStyle/>
           <a:p>
             <a:r>
-              <a:rPr lang="en-US" dirty="0" smtClean="0"/>
+              <a:rPr lang="en-US" dirty="0"/>
               <a:t>Utility Methods</a:t>
             </a:r>
           </a:p>
           <a:p>
             <a:pPr lvl="1"/>
             <a:r>
-              <a:rPr lang="en-US" dirty="0" smtClean="0"/>
+              <a:rPr lang="en-US" dirty="0"/>
               <a:t>Things like abs, </a:t>
             </a:r>
             <a:r>
-              <a:rPr lang="en-US" dirty="0" err="1" smtClean="0"/>
+              <a:rPr lang="en-US" dirty="0" err="1"/>
               <a:t>sqrt</a:t>
             </a:r>
             <a:r>
-              <a:rPr lang="en-US" dirty="0" smtClean="0"/>
+              <a:rPr lang="en-US" dirty="0"/>
               <a:t>, etc. </a:t>
             </a:r>
           </a:p>
           <a:p>
             <a:pPr lvl="1"/>
             <a:r>
-              <a:rPr lang="en-US" dirty="0" smtClean="0"/>
+              <a:rPr lang="en-US" dirty="0"/>
               <a:t>Don’t need an instance of a class to run them</a:t>
             </a:r>
           </a:p>
           <a:p>
             <a:r>
-              <a:rPr lang="en-US" dirty="0" smtClean="0"/>
+              <a:rPr lang="en-US" dirty="0"/>
               <a:t>How do I know?</a:t>
             </a:r>
           </a:p>
           <a:p>
             <a:pPr lvl="1"/>
             <a:r>
-              <a:rPr lang="en-US" dirty="0" smtClean="0"/>
+              <a:rPr lang="en-US" dirty="0"/>
               <a:t>No references to non-static fields/methods</a:t>
             </a:r>
           </a:p>
           <a:p>
             <a:pPr lvl="1"/>
             <a:r>
-              <a:rPr lang="en-US" dirty="0" smtClean="0"/>
+              <a:rPr lang="en-US" dirty="0"/>
               <a:t>No “this” keyword used in method</a:t>
             </a:r>
-            <a:endParaRPr lang="en-US" dirty="0"/>
           </a:p>
         </p:txBody>
       </p:sp>
@@ -8858,13 +8711,6 @@
   <p:clrMapOvr>
     <a:masterClrMapping/>
   </p:clrMapOvr>
-  <p:timing>
-    <p:tnLst>
-      <p:par>
-        <p:cTn id="1" dur="indefinite" restart="never" nodeType="tmRoot"/>
-      </p:par>
-    </p:tnLst>
-  </p:timing>
 </p:sld>
 </file>
 
@@ -9012,21 +8858,7 @@
                 </a:uFill>
                 <a:latin typeface="Calibri"/>
               </a:rPr>
-              <a:t>Seriously, this is disallowed for all the code you submit in </a:t>
-            </a:r>
-            <a:r>
-              <a:rPr lang="en-US" sz="2800" b="0" strike="noStrike" spc="-1" dirty="0" smtClean="0">
-                <a:solidFill>
-                  <a:srgbClr val="000000"/>
-                </a:solidFill>
-                <a:uFill>
-                  <a:solidFill>
-                    <a:srgbClr val="FFFFFF"/>
-                  </a:solidFill>
-                </a:uFill>
-                <a:latin typeface="Calibri"/>
-              </a:rPr>
-              <a:t>CSSE220 (exception: CONSTANTS)</a:t>
+              <a:t>Seriously, this is disallowed for all the code you submit in CSSE220 (exception: CONSTANTS)</a:t>
             </a:r>
             <a:endParaRPr lang="en-US" sz="2400" b="0" strike="noStrike" spc="-1" dirty="0">
               <a:solidFill>
@@ -9100,23 +8932,9 @@
                 </a:uFill>
                 <a:latin typeface="Calibri"/>
               </a:rPr>
-              <a:t>If it wasn’t disallowed, when would you use it</a:t>
-            </a:r>
-            <a:r>
-              <a:rPr lang="en-US" sz="3200" b="0" strike="noStrike" spc="-1" dirty="0" smtClean="0">
-                <a:solidFill>
-                  <a:srgbClr val="000000"/>
-                </a:solidFill>
-                <a:uFill>
-                  <a:solidFill>
-                    <a:srgbClr val="FFFFFF"/>
-                  </a:solidFill>
-                </a:uFill>
-                <a:latin typeface="Calibri"/>
-              </a:rPr>
-              <a:t>?</a:t>
-            </a:r>
-            <a:endParaRPr lang="en-US" sz="2800" b="0" strike="noStrike" spc="-1" dirty="0" smtClean="0">
+              <a:t>If it wasn’t disallowed, when would you use it?</a:t>
+            </a:r>
+            <a:endParaRPr lang="en-US" sz="2800" b="0" strike="noStrike" spc="-1" dirty="0">
               <a:solidFill>
                 <a:srgbClr val="000000"/>
               </a:solidFill>
@@ -9140,7 +8958,7 @@
               <a:buChar char="–"/>
             </a:pPr>
             <a:r>
-              <a:rPr lang="en-US" sz="2800" b="0" strike="noStrike" spc="-1" dirty="0" smtClean="0">
+              <a:rPr lang="en-US" sz="2800" b="0" strike="noStrike" spc="-1" dirty="0">
                 <a:solidFill>
                   <a:srgbClr val="000000"/>
                 </a:solidFill>
@@ -9151,21 +8969,7 @@
                 </a:uFill>
                 <a:latin typeface="Calibri"/>
               </a:rPr>
-              <a:t>Very </a:t>
-            </a:r>
-            <a:r>
-              <a:rPr lang="en-US" sz="2800" b="0" strike="noStrike" spc="-1" dirty="0">
-                <a:solidFill>
-                  <a:srgbClr val="000000"/>
-                </a:solidFill>
-                <a:uFill>
-                  <a:solidFill>
-                    <a:srgbClr val="FFFFFF"/>
-                  </a:solidFill>
-                </a:uFill>
-                <a:latin typeface="Calibri"/>
-              </a:rPr>
-              <a:t>rarely for memory efficiency, state that can’t be duplicated, or really meta code</a:t>
+              <a:t>Very rarely for memory efficiency, state that can’t be duplicated, or really meta code</a:t>
             </a:r>
             <a:endParaRPr lang="en-US" sz="2400" b="0" strike="noStrike" spc="-1" dirty="0">
               <a:solidFill>
@@ -9320,7 +9124,7 @@
         </p:nvSpPr>
         <p:spPr>
           <a:xfrm>
-            <a:off x="228600" y="123975"/>
+            <a:off x="188844" y="104097"/>
             <a:ext cx="9283148" cy="6740307"/>
           </a:xfrm>
           <a:prstGeom prst="rect">
@@ -9377,7 +9181,7 @@
           </a:p>
           <a:p>
             <a:r>
-              <a:rPr lang="en-US" b="1" dirty="0" smtClean="0">
+              <a:rPr lang="en-US" b="1" dirty="0">
                 <a:solidFill>
                   <a:srgbClr val="7F0055"/>
                 </a:solidFill>
@@ -9386,7 +9190,7 @@
               <a:t>    private double</a:t>
             </a:r>
             <a:r>
-              <a:rPr lang="en-US" b="1" dirty="0" smtClean="0">
+              <a:rPr lang="en-US" b="1" dirty="0">
                 <a:solidFill>
                   <a:srgbClr val="000000"/>
                 </a:solidFill>
@@ -9420,22 +9224,13 @@
           </a:p>
           <a:p>
             <a:r>
-              <a:rPr lang="en-US" dirty="0" smtClean="0">
+              <a:rPr lang="en-US" dirty="0">
                 <a:solidFill>
                   <a:srgbClr val="3F7F5F"/>
                 </a:solidFill>
                 <a:latin typeface="Consolas"/>
               </a:rPr>
-              <a:t>    //</a:t>
-            </a:r>
-            <a:r>
-              <a:rPr lang="en-US" dirty="0">
-                <a:solidFill>
-                  <a:srgbClr val="3F7F5F"/>
-                </a:solidFill>
-                <a:latin typeface="Consolas"/>
-              </a:rPr>
-              <a:t>other stuff</a:t>
+              <a:t>    //other stuff</a:t>
             </a:r>
           </a:p>
           <a:p>
@@ -9445,7 +9240,7 @@
           </a:p>
           <a:p>
             <a:r>
-              <a:rPr lang="en-US" b="1" dirty="0" smtClean="0">
+              <a:rPr lang="en-US" b="1" dirty="0">
                 <a:solidFill>
                   <a:srgbClr val="7F0055"/>
                 </a:solidFill>
@@ -9454,7 +9249,7 @@
               <a:t>    public</a:t>
             </a:r>
             <a:r>
-              <a:rPr lang="en-US" b="1" dirty="0" smtClean="0">
+              <a:rPr lang="en-US" b="1" dirty="0">
                 <a:solidFill>
                   <a:srgbClr val="000000"/>
                 </a:solidFill>
@@ -9501,7 +9296,7 @@
           </a:p>
           <a:p>
             <a:r>
-              <a:rPr lang="en-US" b="1" dirty="0" smtClean="0">
+              <a:rPr lang="en-US" b="1" dirty="0">
                 <a:solidFill>
                   <a:srgbClr val="7F0055"/>
                 </a:solidFill>
@@ -9510,7 +9305,7 @@
               <a:t>        return</a:t>
             </a:r>
             <a:r>
-              <a:rPr lang="en-US" b="1" dirty="0" smtClean="0">
+              <a:rPr lang="en-US" b="1" dirty="0">
                 <a:solidFill>
                   <a:srgbClr val="000000"/>
                 </a:solidFill>
@@ -9519,7 +9314,7 @@
               <a:t> </a:t>
             </a:r>
             <a:r>
-              <a:rPr lang="en-US" b="1" dirty="0" err="1" smtClean="0">
+              <a:rPr lang="en-US" b="1" dirty="0" err="1">
                 <a:solidFill>
                   <a:srgbClr val="000000"/>
                 </a:solidFill>
@@ -9528,7 +9323,7 @@
               <a:t>this.</a:t>
             </a:r>
             <a:r>
-              <a:rPr lang="en-US" b="1" dirty="0" err="1" smtClean="0">
+              <a:rPr lang="en-US" b="1" dirty="0" err="1">
                 <a:solidFill>
                   <a:srgbClr val="0000C0"/>
                 </a:solidFill>
@@ -9548,7 +9343,7 @@
           </a:p>
           <a:p>
             <a:r>
-              <a:rPr lang="en-US" dirty="0" smtClean="0">
+              <a:rPr lang="en-US" dirty="0">
                 <a:solidFill>
                   <a:srgbClr val="000000"/>
                 </a:solidFill>
@@ -9556,6 +9351,206 @@
               </a:rPr>
               <a:t>    }</a:t>
             </a:r>
+          </a:p>
+          <a:p>
+            <a:endParaRPr lang="en-US" dirty="0">
+              <a:latin typeface="Consolas"/>
+            </a:endParaRPr>
+          </a:p>
+          <a:p>
+            <a:r>
+              <a:rPr lang="en-US" b="1" dirty="0">
+                <a:solidFill>
+                  <a:srgbClr val="7F0055"/>
+                </a:solidFill>
+                <a:latin typeface="Consolas"/>
+              </a:rPr>
+              <a:t>    public</a:t>
+            </a:r>
+            <a:r>
+              <a:rPr lang="en-US" b="1" dirty="0">
+                <a:solidFill>
+                  <a:srgbClr val="000000"/>
+                </a:solidFill>
+                <a:latin typeface="Consolas"/>
+              </a:rPr>
+              <a:t> </a:t>
+            </a:r>
+            <a:r>
+              <a:rPr lang="en-US" b="1" dirty="0">
+                <a:solidFill>
+                  <a:srgbClr val="7F0055"/>
+                </a:solidFill>
+                <a:latin typeface="Consolas"/>
+              </a:rPr>
+              <a:t>static</a:t>
+            </a:r>
+            <a:r>
+              <a:rPr lang="en-US" b="1" dirty="0">
+                <a:solidFill>
+                  <a:srgbClr val="000000"/>
+                </a:solidFill>
+                <a:latin typeface="Consolas"/>
+              </a:rPr>
+              <a:t> </a:t>
+            </a:r>
+            <a:r>
+              <a:rPr lang="en-US" b="1" dirty="0">
+                <a:solidFill>
+                  <a:srgbClr val="7F0055"/>
+                </a:solidFill>
+                <a:latin typeface="Consolas"/>
+              </a:rPr>
+              <a:t>double</a:t>
+            </a:r>
+            <a:r>
+              <a:rPr lang="en-US" b="1" dirty="0">
+                <a:solidFill>
+                  <a:srgbClr val="000000"/>
+                </a:solidFill>
+                <a:latin typeface="Consolas"/>
+              </a:rPr>
+              <a:t> </a:t>
+            </a:r>
+            <a:r>
+              <a:rPr lang="en-US" b="1" dirty="0" err="1">
+                <a:solidFill>
+                  <a:srgbClr val="000000"/>
+                </a:solidFill>
+                <a:highlight>
+                  <a:srgbClr val="D4D4D4"/>
+                </a:highlight>
+                <a:latin typeface="Consolas"/>
+              </a:rPr>
+              <a:t>convertMilesToKm</a:t>
+            </a:r>
+            <a:r>
+              <a:rPr lang="en-US" b="1" dirty="0">
+                <a:solidFill>
+                  <a:srgbClr val="000000"/>
+                </a:solidFill>
+                <a:highlight>
+                  <a:srgbClr val="D4D4D4"/>
+                </a:highlight>
+                <a:latin typeface="Consolas"/>
+              </a:rPr>
+              <a:t>(</a:t>
+            </a:r>
+            <a:r>
+              <a:rPr lang="en-US" b="1" dirty="0">
+                <a:solidFill>
+                  <a:srgbClr val="7F0055"/>
+                </a:solidFill>
+                <a:highlight>
+                  <a:srgbClr val="D4D4D4"/>
+                </a:highlight>
+                <a:latin typeface="Consolas"/>
+              </a:rPr>
+              <a:t>double</a:t>
+            </a:r>
+            <a:r>
+              <a:rPr lang="en-US" b="1" dirty="0">
+                <a:solidFill>
+                  <a:srgbClr val="000000"/>
+                </a:solidFill>
+                <a:highlight>
+                  <a:srgbClr val="D4D4D4"/>
+                </a:highlight>
+                <a:latin typeface="Consolas"/>
+              </a:rPr>
+              <a:t> </a:t>
+            </a:r>
+            <a:r>
+              <a:rPr lang="en-US" b="1" dirty="0" err="1">
+                <a:solidFill>
+                  <a:srgbClr val="000000"/>
+                </a:solidFill>
+                <a:highlight>
+                  <a:srgbClr val="D4D4D4"/>
+                </a:highlight>
+                <a:latin typeface="Consolas"/>
+              </a:rPr>
+              <a:t>numberOfMiles</a:t>
+            </a:r>
+            <a:r>
+              <a:rPr lang="en-US" b="1" dirty="0">
+                <a:solidFill>
+                  <a:srgbClr val="000000"/>
+                </a:solidFill>
+                <a:highlight>
+                  <a:srgbClr val="D4D4D4"/>
+                </a:highlight>
+                <a:latin typeface="Consolas"/>
+              </a:rPr>
+              <a:t>) {</a:t>
+            </a:r>
+          </a:p>
+          <a:p>
+            <a:r>
+              <a:rPr lang="en-US" b="1" dirty="0">
+                <a:solidFill>
+                  <a:srgbClr val="7F0055"/>
+                </a:solidFill>
+                <a:latin typeface="Consolas"/>
+              </a:rPr>
+              <a:t>        return</a:t>
+            </a:r>
+            <a:r>
+              <a:rPr lang="en-US" b="1" dirty="0">
+                <a:solidFill>
+                  <a:srgbClr val="000000"/>
+                </a:solidFill>
+                <a:latin typeface="Consolas"/>
+              </a:rPr>
+              <a:t> </a:t>
+            </a:r>
+            <a:r>
+              <a:rPr lang="en-US" b="1" dirty="0" err="1">
+                <a:solidFill>
+                  <a:srgbClr val="000000"/>
+                </a:solidFill>
+                <a:latin typeface="Consolas"/>
+              </a:rPr>
+              <a:t>numberOfMiles</a:t>
+            </a:r>
+            <a:r>
+              <a:rPr lang="en-US" b="1" dirty="0">
+                <a:solidFill>
+                  <a:srgbClr val="000000"/>
+                </a:solidFill>
+                <a:latin typeface="Consolas"/>
+              </a:rPr>
+              <a:t> * 1.609344f;</a:t>
+            </a:r>
+          </a:p>
+          <a:p>
+            <a:r>
+              <a:rPr lang="en-US" dirty="0">
+                <a:solidFill>
+                  <a:srgbClr val="000000"/>
+                </a:solidFill>
+                <a:latin typeface="Consolas"/>
+              </a:rPr>
+              <a:t>    }</a:t>
+            </a:r>
+          </a:p>
+          <a:p>
+            <a:endParaRPr lang="en-US" dirty="0">
+              <a:latin typeface="Consolas"/>
+            </a:endParaRPr>
+          </a:p>
+          <a:p>
+            <a:r>
+              <a:rPr lang="en-US" dirty="0">
+                <a:solidFill>
+                  <a:srgbClr val="000000"/>
+                </a:solidFill>
+                <a:latin typeface="Consolas"/>
+              </a:rPr>
+              <a:t>}</a:t>
+            </a:r>
+          </a:p>
+          <a:p>
             <a:endParaRPr lang="en-US" dirty="0">
               <a:solidFill>
                 <a:srgbClr val="000000"/>
@@ -9564,185 +9559,33 @@
             </a:endParaRPr>
           </a:p>
           <a:p>
+            <a:r>
+              <a:rPr lang="en-US" dirty="0">
+                <a:solidFill>
+                  <a:srgbClr val="3F7F5F"/>
+                </a:solidFill>
+                <a:latin typeface="Consolas"/>
+              </a:rPr>
+              <a:t>//Elsewhere in a client program of Car class</a:t>
+            </a:r>
+          </a:p>
+          <a:p>
             <a:endParaRPr lang="en-US" dirty="0">
+              <a:solidFill>
+                <a:srgbClr val="3F7F5F"/>
+              </a:solidFill>
               <a:latin typeface="Consolas"/>
             </a:endParaRPr>
           </a:p>
           <a:p>
             <a:r>
-              <a:rPr lang="en-US" b="1" dirty="0" smtClean="0">
-                <a:solidFill>
-                  <a:srgbClr val="7F0055"/>
+              <a:rPr lang="en-US" dirty="0">
+                <a:solidFill>
+                  <a:srgbClr val="3F7F5F"/>
                 </a:solidFill>
                 <a:latin typeface="Consolas"/>
               </a:rPr>
-              <a:t>    public</a:t>
-            </a:r>
-            <a:r>
-              <a:rPr lang="en-US" b="1" dirty="0" smtClean="0">
-                <a:solidFill>
-                  <a:srgbClr val="000000"/>
-                </a:solidFill>
-                <a:latin typeface="Consolas"/>
-              </a:rPr>
-              <a:t> </a:t>
-            </a:r>
-            <a:r>
-              <a:rPr lang="en-US" b="1" dirty="0">
-                <a:solidFill>
-                  <a:srgbClr val="7F0055"/>
-                </a:solidFill>
-                <a:latin typeface="Consolas"/>
-              </a:rPr>
-              <a:t>static</a:t>
-            </a:r>
-            <a:r>
-              <a:rPr lang="en-US" b="1" dirty="0">
-                <a:solidFill>
-                  <a:srgbClr val="000000"/>
-                </a:solidFill>
-                <a:latin typeface="Consolas"/>
-              </a:rPr>
-              <a:t> </a:t>
-            </a:r>
-            <a:r>
-              <a:rPr lang="en-US" b="1" dirty="0">
-                <a:solidFill>
-                  <a:srgbClr val="7F0055"/>
-                </a:solidFill>
-                <a:latin typeface="Consolas"/>
-              </a:rPr>
-              <a:t>double</a:t>
-            </a:r>
-            <a:r>
-              <a:rPr lang="en-US" b="1" dirty="0">
-                <a:solidFill>
-                  <a:srgbClr val="000000"/>
-                </a:solidFill>
-                <a:latin typeface="Consolas"/>
-              </a:rPr>
-              <a:t> </a:t>
-            </a:r>
-            <a:r>
-              <a:rPr lang="en-US" b="1" dirty="0" err="1">
-                <a:solidFill>
-                  <a:srgbClr val="000000"/>
-                </a:solidFill>
-                <a:highlight>
-                  <a:srgbClr val="D4D4D4"/>
-                </a:highlight>
-                <a:latin typeface="Consolas"/>
-              </a:rPr>
-              <a:t>convertMilesToKm</a:t>
-            </a:r>
-            <a:r>
-              <a:rPr lang="en-US" b="1" dirty="0">
-                <a:solidFill>
-                  <a:srgbClr val="000000"/>
-                </a:solidFill>
-                <a:highlight>
-                  <a:srgbClr val="D4D4D4"/>
-                </a:highlight>
-                <a:latin typeface="Consolas"/>
-              </a:rPr>
-              <a:t>(</a:t>
-            </a:r>
-            <a:r>
-              <a:rPr lang="en-US" b="1" dirty="0">
-                <a:solidFill>
-                  <a:srgbClr val="7F0055"/>
-                </a:solidFill>
-                <a:highlight>
-                  <a:srgbClr val="D4D4D4"/>
-                </a:highlight>
-                <a:latin typeface="Consolas"/>
-              </a:rPr>
-              <a:t>double</a:t>
-            </a:r>
-            <a:r>
-              <a:rPr lang="en-US" b="1" dirty="0">
-                <a:solidFill>
-                  <a:srgbClr val="000000"/>
-                </a:solidFill>
-                <a:highlight>
-                  <a:srgbClr val="D4D4D4"/>
-                </a:highlight>
-                <a:latin typeface="Consolas"/>
-              </a:rPr>
-              <a:t> </a:t>
-            </a:r>
-            <a:r>
-              <a:rPr lang="en-US" b="1" dirty="0" err="1">
-                <a:solidFill>
-                  <a:srgbClr val="000000"/>
-                </a:solidFill>
-                <a:highlight>
-                  <a:srgbClr val="D4D4D4"/>
-                </a:highlight>
-                <a:latin typeface="Consolas"/>
-              </a:rPr>
-              <a:t>numberOfMiles</a:t>
-            </a:r>
-            <a:r>
-              <a:rPr lang="en-US" b="1" dirty="0">
-                <a:solidFill>
-                  <a:srgbClr val="000000"/>
-                </a:solidFill>
-                <a:highlight>
-                  <a:srgbClr val="D4D4D4"/>
-                </a:highlight>
-                <a:latin typeface="Consolas"/>
-              </a:rPr>
-              <a:t>) {</a:t>
-            </a:r>
-          </a:p>
-          <a:p>
-            <a:r>
-              <a:rPr lang="en-US" b="1" dirty="0" smtClean="0">
-                <a:solidFill>
-                  <a:srgbClr val="7F0055"/>
-                </a:solidFill>
-                <a:latin typeface="Consolas"/>
-              </a:rPr>
-              <a:t>        return</a:t>
-            </a:r>
-            <a:r>
-              <a:rPr lang="en-US" b="1" dirty="0" smtClean="0">
-                <a:solidFill>
-                  <a:srgbClr val="000000"/>
-                </a:solidFill>
-                <a:latin typeface="Consolas"/>
-              </a:rPr>
-              <a:t> </a:t>
-            </a:r>
-            <a:r>
-              <a:rPr lang="en-US" b="1" dirty="0" err="1">
-                <a:solidFill>
-                  <a:srgbClr val="000000"/>
-                </a:solidFill>
-                <a:latin typeface="Consolas"/>
-              </a:rPr>
-              <a:t>numberOfMiles</a:t>
-            </a:r>
-            <a:r>
-              <a:rPr lang="en-US" b="1" dirty="0">
-                <a:solidFill>
-                  <a:srgbClr val="000000"/>
-                </a:solidFill>
-                <a:latin typeface="Consolas"/>
-              </a:rPr>
-              <a:t> * 1.609344f;</a:t>
-            </a:r>
-          </a:p>
-          <a:p>
-            <a:r>
-              <a:rPr lang="en-US" dirty="0" smtClean="0">
-                <a:solidFill>
-                  <a:srgbClr val="000000"/>
-                </a:solidFill>
-                <a:latin typeface="Consolas"/>
-              </a:rPr>
-              <a:t>    }</a:t>
+              <a:t>//requires you to have a car object</a:t>
             </a:r>
             <a:endParaRPr lang="en-US" dirty="0">
               <a:solidFill>
@@ -9752,49 +9595,80 @@
             </a:endParaRPr>
           </a:p>
           <a:p>
-            <a:endParaRPr lang="en-US" dirty="0">
-              <a:latin typeface="Consolas"/>
-            </a:endParaRPr>
-          </a:p>
-          <a:p>
-            <a:r>
-              <a:rPr lang="en-US" dirty="0" smtClean="0">
+            <a:r>
+              <a:rPr lang="en-US" b="1" dirty="0">
                 <a:solidFill>
                   <a:srgbClr val="000000"/>
                 </a:solidFill>
                 <a:latin typeface="Consolas"/>
               </a:rPr>
-              <a:t>}</a:t>
-            </a:r>
-          </a:p>
-          <a:p>
-            <a:endParaRPr lang="en-US" dirty="0" smtClean="0">
-              <a:solidFill>
-                <a:srgbClr val="000000"/>
-              </a:solidFill>
-              <a:latin typeface="Consolas"/>
-            </a:endParaRPr>
-          </a:p>
-          <a:p>
-            <a:r>
-              <a:rPr lang="en-US" dirty="0" smtClean="0">
+              <a:t>Car</a:t>
+            </a:r>
+            <a:r>
+              <a:rPr lang="en-US" dirty="0">
+                <a:solidFill>
+                  <a:srgbClr val="000000"/>
+                </a:solidFill>
+                <a:latin typeface="Consolas"/>
+              </a:rPr>
+              <a:t> </a:t>
+            </a:r>
+            <a:r>
+              <a:rPr lang="en-US" dirty="0" err="1">
+                <a:solidFill>
+                  <a:srgbClr val="000000"/>
+                </a:solidFill>
+                <a:latin typeface="Consolas"/>
+              </a:rPr>
+              <a:t>myCar</a:t>
+            </a:r>
+            <a:r>
+              <a:rPr lang="en-US" dirty="0">
+                <a:solidFill>
+                  <a:srgbClr val="000000"/>
+                </a:solidFill>
+                <a:latin typeface="Consolas"/>
+              </a:rPr>
+              <a:t> = </a:t>
+            </a:r>
+            <a:r>
+              <a:rPr lang="en-US" b="1" dirty="0">
+                <a:solidFill>
+                  <a:srgbClr val="7F0055"/>
+                </a:solidFill>
+                <a:latin typeface="Consolas"/>
+              </a:rPr>
+              <a:t>new</a:t>
+            </a:r>
+            <a:r>
+              <a:rPr lang="en-US" b="1" dirty="0">
+                <a:solidFill>
+                  <a:srgbClr val="000000"/>
+                </a:solidFill>
+                <a:latin typeface="Consolas"/>
+              </a:rPr>
+              <a:t> Car();</a:t>
+            </a:r>
+          </a:p>
+          <a:p>
+            <a:r>
+              <a:rPr lang="en-US" dirty="0">
                 <a:solidFill>
                   <a:srgbClr val="3F7F5F"/>
                 </a:solidFill>
                 <a:latin typeface="Consolas"/>
               </a:rPr>
-              <a:t>//Elsewhere…</a:t>
-            </a:r>
-          </a:p>
-          <a:p>
-            <a:endParaRPr lang="en-US" dirty="0">
-              <a:solidFill>
-                <a:srgbClr val="3F7F5F"/>
-              </a:solidFill>
-              <a:latin typeface="Consolas"/>
-            </a:endParaRPr>
-          </a:p>
-          <a:p>
+              <a:t>// </a:t>
+            </a:r>
+            <a:r>
+              <a:rPr lang="en-US" i="1" dirty="0" err="1">
+                <a:solidFill>
+                  <a:srgbClr val="3F7F5F"/>
+                </a:solidFill>
+                <a:latin typeface="Consolas"/>
+              </a:rPr>
+              <a:t>getMilesTravelled</a:t>
+            </a:r>
             <a:r>
               <a:rPr lang="en-US" dirty="0">
                 <a:solidFill>
@@ -9802,171 +9676,92 @@
                 </a:solidFill>
                 <a:latin typeface="Consolas"/>
               </a:rPr>
-              <a:t>//requires you to have a car </a:t>
-            </a:r>
-            <a:r>
-              <a:rPr lang="en-US" dirty="0" smtClean="0">
+              <a:t> requires you to have a car object</a:t>
+            </a:r>
+          </a:p>
+          <a:p>
+            <a:r>
+              <a:rPr lang="en-US" dirty="0" err="1">
+                <a:solidFill>
+                  <a:srgbClr val="000000"/>
+                </a:solidFill>
+                <a:latin typeface="Consolas"/>
+              </a:rPr>
+              <a:t>System.</a:t>
+            </a:r>
+            <a:r>
+              <a:rPr lang="en-US" i="1" dirty="0" err="1">
+                <a:solidFill>
+                  <a:srgbClr val="0000C0"/>
+                </a:solidFill>
+                <a:latin typeface="Consolas"/>
+              </a:rPr>
+              <a:t>out</a:t>
+            </a:r>
+            <a:r>
+              <a:rPr lang="en-US" i="1" dirty="0" err="1">
+                <a:solidFill>
+                  <a:srgbClr val="000000"/>
+                </a:solidFill>
+                <a:latin typeface="Consolas"/>
+              </a:rPr>
+              <a:t>.println</a:t>
+            </a:r>
+            <a:r>
+              <a:rPr lang="en-US" i="1" dirty="0">
+                <a:solidFill>
+                  <a:srgbClr val="000000"/>
+                </a:solidFill>
+                <a:latin typeface="Consolas"/>
+              </a:rPr>
+              <a:t>(</a:t>
+            </a:r>
+            <a:r>
+              <a:rPr lang="en-US" i="1" dirty="0" err="1">
+                <a:solidFill>
+                  <a:srgbClr val="000000"/>
+                </a:solidFill>
+                <a:latin typeface="Consolas"/>
+              </a:rPr>
+              <a:t>myCar.getMilesTravelled</a:t>
+            </a:r>
+            <a:r>
+              <a:rPr lang="en-US" i="1" dirty="0">
+                <a:solidFill>
+                  <a:srgbClr val="000000"/>
+                </a:solidFill>
+                <a:latin typeface="Consolas"/>
+              </a:rPr>
+              <a:t>());//output depends on code</a:t>
+            </a:r>
+          </a:p>
+          <a:p>
+            <a:r>
+              <a:rPr lang="en-US" dirty="0">
                 <a:solidFill>
                   <a:srgbClr val="3F7F5F"/>
                 </a:solidFill>
                 <a:latin typeface="Consolas"/>
               </a:rPr>
-              <a:t>object</a:t>
-            </a:r>
-            <a:endParaRPr lang="en-US" dirty="0">
-              <a:solidFill>
-                <a:srgbClr val="000000"/>
-              </a:solidFill>
-              <a:latin typeface="Consolas"/>
-            </a:endParaRPr>
-          </a:p>
-          <a:p>
-            <a:r>
-              <a:rPr lang="en-US" b="1" dirty="0">
-                <a:solidFill>
-                  <a:srgbClr val="000000"/>
+              <a:t>//</a:t>
+            </a:r>
+            <a:r>
+              <a:rPr lang="en-US" i="1" dirty="0" err="1">
+                <a:solidFill>
+                  <a:srgbClr val="3F7F5F"/>
                 </a:solidFill>
                 <a:latin typeface="Consolas"/>
               </a:rPr>
-              <a:t>Car</a:t>
+              <a:t>convertMilesToKm</a:t>
             </a:r>
             <a:r>
               <a:rPr lang="en-US" dirty="0">
                 <a:solidFill>
-                  <a:srgbClr val="000000"/>
+                  <a:srgbClr val="3F7F5F"/>
                 </a:solidFill>
                 <a:latin typeface="Consolas"/>
               </a:rPr>
-              <a:t> </a:t>
-            </a:r>
-            <a:r>
-              <a:rPr lang="en-US" dirty="0" err="1">
-                <a:solidFill>
-                  <a:srgbClr val="000000"/>
-                </a:solidFill>
-                <a:latin typeface="Consolas"/>
-              </a:rPr>
-              <a:t>myCar</a:t>
-            </a:r>
-            <a:r>
-              <a:rPr lang="en-US" dirty="0">
-                <a:solidFill>
-                  <a:srgbClr val="000000"/>
-                </a:solidFill>
-                <a:latin typeface="Consolas"/>
-              </a:rPr>
-              <a:t> = </a:t>
-            </a:r>
-            <a:r>
-              <a:rPr lang="en-US" b="1" dirty="0">
-                <a:solidFill>
-                  <a:srgbClr val="7F0055"/>
-                </a:solidFill>
-                <a:latin typeface="Consolas"/>
-              </a:rPr>
-              <a:t>new</a:t>
-            </a:r>
-            <a:r>
-              <a:rPr lang="en-US" b="1" dirty="0">
-                <a:solidFill>
-                  <a:srgbClr val="000000"/>
-                </a:solidFill>
-                <a:latin typeface="Consolas"/>
-              </a:rPr>
-              <a:t> Car();</a:t>
-            </a:r>
-          </a:p>
-          <a:p>
-            <a:r>
-              <a:rPr lang="en-US" dirty="0">
-                <a:solidFill>
-                  <a:srgbClr val="3F7F5F"/>
-                </a:solidFill>
-                <a:latin typeface="Consolas"/>
-              </a:rPr>
-              <a:t>//requires you to have a car object</a:t>
-            </a:r>
-          </a:p>
-          <a:p>
-            <a:r>
-              <a:rPr lang="en-US" dirty="0" err="1">
-                <a:solidFill>
-                  <a:srgbClr val="000000"/>
-                </a:solidFill>
-                <a:latin typeface="Consolas"/>
-              </a:rPr>
-              <a:t>System.</a:t>
-            </a:r>
-            <a:r>
-              <a:rPr lang="en-US" i="1" dirty="0" err="1">
-                <a:solidFill>
-                  <a:srgbClr val="0000C0"/>
-                </a:solidFill>
-                <a:latin typeface="Consolas"/>
-              </a:rPr>
-              <a:t>out</a:t>
-            </a:r>
-            <a:r>
-              <a:rPr lang="en-US" i="1" dirty="0" err="1">
-                <a:solidFill>
-                  <a:srgbClr val="000000"/>
-                </a:solidFill>
-                <a:latin typeface="Consolas"/>
-              </a:rPr>
-              <a:t>.println</a:t>
-            </a:r>
-            <a:r>
-              <a:rPr lang="en-US" i="1" dirty="0">
-                <a:solidFill>
-                  <a:srgbClr val="000000"/>
-                </a:solidFill>
-                <a:latin typeface="Consolas"/>
-              </a:rPr>
-              <a:t>(</a:t>
-            </a:r>
-            <a:r>
-              <a:rPr lang="en-US" i="1" dirty="0" err="1">
-                <a:solidFill>
-                  <a:srgbClr val="000000"/>
-                </a:solidFill>
-                <a:latin typeface="Consolas"/>
-              </a:rPr>
-              <a:t>myCar.getMilesTravelled</a:t>
-            </a:r>
-            <a:r>
-              <a:rPr lang="en-US" i="1" dirty="0">
-                <a:solidFill>
-                  <a:srgbClr val="000000"/>
-                </a:solidFill>
-                <a:latin typeface="Consolas"/>
-              </a:rPr>
-              <a:t>())</a:t>
-            </a:r>
-            <a:r>
-              <a:rPr lang="en-US" i="1" dirty="0" smtClean="0">
-                <a:solidFill>
-                  <a:srgbClr val="000000"/>
-                </a:solidFill>
-                <a:latin typeface="Consolas"/>
-              </a:rPr>
-              <a:t>;//output depends on code</a:t>
-            </a:r>
-            <a:endParaRPr lang="en-US" i="1" dirty="0">
-              <a:solidFill>
-                <a:srgbClr val="000000"/>
-              </a:solidFill>
-              <a:latin typeface="Consolas"/>
-            </a:endParaRPr>
-          </a:p>
-          <a:p>
-            <a:r>
-              <a:rPr lang="en-US" dirty="0">
-                <a:solidFill>
-                  <a:srgbClr val="3F7F5F"/>
-                </a:solidFill>
-                <a:latin typeface="Consolas"/>
-              </a:rPr>
-              <a:t>//can be called on the class Car itself</a:t>
+              <a:t> can be called on the class Car itself</a:t>
             </a:r>
           </a:p>
           <a:p>
@@ -10037,10 +9832,10 @@
                 </a:highlight>
                 <a:latin typeface="Consolas"/>
               </a:rPr>
-              <a:t>(77))</a:t>
-            </a:r>
-            <a:r>
-              <a:rPr lang="en-US" i="1" dirty="0" smtClean="0">
+              <a:t>(77));//output is </a:t>
+            </a:r>
+            <a:r>
+              <a:rPr lang="en-US" sz="2000" b="1" i="1" dirty="0">
                 <a:solidFill>
                   <a:srgbClr val="000000"/>
                 </a:solidFill>
@@ -10049,21 +9844,113 @@
                 </a:highlight>
                 <a:latin typeface="Consolas"/>
               </a:rPr>
-              <a:t>;//output is </a:t>
-            </a:r>
-            <a:r>
-              <a:rPr lang="en-US" sz="2000" b="1" i="1" dirty="0" smtClean="0">
-                <a:solidFill>
-                  <a:srgbClr val="000000"/>
-                </a:solidFill>
-                <a:highlight>
-                  <a:srgbClr val="D4D4D4"/>
-                </a:highlight>
-                <a:latin typeface="Consolas"/>
-              </a:rPr>
               <a:t>123.919488</a:t>
             </a:r>
             <a:endParaRPr lang="en-US" b="1" dirty="0"/>
+          </a:p>
+        </p:txBody>
+      </p:sp>
+      <p:sp>
+        <p:nvSpPr>
+          <p:cNvPr id="3" name="Rectangle 2">
+            <a:extLst>
+              <a:ext uri="{FF2B5EF4-FFF2-40B4-BE49-F238E27FC236}">
+                <a16:creationId xmlns:a16="http://schemas.microsoft.com/office/drawing/2014/main" id="{FCF59E2A-CBC6-4970-B6BE-9C00BED1A058}"/>
+              </a:ext>
+            </a:extLst>
+          </p:cNvPr>
+          <p:cNvSpPr/>
+          <p:nvPr/>
+        </p:nvSpPr>
+        <p:spPr>
+          <a:xfrm>
+            <a:off x="248481" y="104098"/>
+            <a:ext cx="8855764" cy="4259182"/>
+          </a:xfrm>
+          <a:prstGeom prst="rect">
+            <a:avLst/>
+          </a:prstGeom>
+          <a:noFill/>
+          <a:ln>
+            <a:solidFill>
+              <a:schemeClr val="tx2"/>
+            </a:solidFill>
+          </a:ln>
+        </p:spPr>
+        <p:style>
+          <a:lnRef idx="2">
+            <a:schemeClr val="accent1">
+              <a:shade val="50000"/>
+            </a:schemeClr>
+          </a:lnRef>
+          <a:fillRef idx="1">
+            <a:schemeClr val="accent1"/>
+          </a:fillRef>
+          <a:effectRef idx="0">
+            <a:schemeClr val="accent1"/>
+          </a:effectRef>
+          <a:fontRef idx="minor">
+            <a:schemeClr val="lt1"/>
+          </a:fontRef>
+        </p:style>
+        <p:txBody>
+          <a:bodyPr rtlCol="0" anchor="ctr"/>
+          <a:lstStyle/>
+          <a:p>
+            <a:pPr algn="ctr"/>
+            <a:endParaRPr lang="en-US"/>
+          </a:p>
+        </p:txBody>
+      </p:sp>
+      <p:sp>
+        <p:nvSpPr>
+          <p:cNvPr id="5" name="Rectangle 4">
+            <a:extLst>
+              <a:ext uri="{FF2B5EF4-FFF2-40B4-BE49-F238E27FC236}">
+                <a16:creationId xmlns:a16="http://schemas.microsoft.com/office/drawing/2014/main" id="{F43470EA-C8FE-4A5D-84BC-7816000841EB}"/>
+              </a:ext>
+            </a:extLst>
+          </p:cNvPr>
+          <p:cNvSpPr/>
+          <p:nvPr/>
+        </p:nvSpPr>
+        <p:spPr>
+          <a:xfrm>
+            <a:off x="248481" y="5049948"/>
+            <a:ext cx="8855765" cy="1788173"/>
+          </a:xfrm>
+          <a:prstGeom prst="rect">
+            <a:avLst/>
+          </a:prstGeom>
+          <a:noFill/>
+          <a:ln>
+            <a:solidFill>
+              <a:schemeClr val="accent6"/>
+            </a:solidFill>
+          </a:ln>
+        </p:spPr>
+        <p:style>
+          <a:lnRef idx="2">
+            <a:schemeClr val="accent1">
+              <a:shade val="50000"/>
+            </a:schemeClr>
+          </a:lnRef>
+          <a:fillRef idx="1">
+            <a:schemeClr val="accent1"/>
+          </a:fillRef>
+          <a:effectRef idx="0">
+            <a:schemeClr val="accent1"/>
+          </a:effectRef>
+          <a:fontRef idx="minor">
+            <a:schemeClr val="lt1"/>
+          </a:fontRef>
+        </p:style>
+        <p:txBody>
+          <a:bodyPr rtlCol="0" anchor="ctr"/>
+          <a:lstStyle/>
+          <a:p>
+            <a:pPr algn="ctr"/>
+            <a:endParaRPr lang="en-US"/>
           </a:p>
         </p:txBody>
       </p:sp>
@@ -10077,13 +9964,6 @@
   <p:clrMapOvr>
     <a:masterClrMapping/>
   </p:clrMapOvr>
-  <p:timing>
-    <p:tnLst>
-      <p:par>
-        <p:cTn id="1" dur="indefinite" restart="never" nodeType="tmRoot"/>
-      </p:par>
-    </p:tnLst>
-  </p:timing>
 </p:sld>
 </file>
 
@@ -10112,8 +9992,8 @@
         </p:nvSpPr>
         <p:spPr>
           <a:xfrm>
-            <a:off x="228600" y="41492"/>
-            <a:ext cx="9283148" cy="6924974"/>
+            <a:off x="178905" y="31553"/>
+            <a:ext cx="9283148" cy="6863417"/>
           </a:xfrm>
           <a:prstGeom prst="rect">
             <a:avLst/>
@@ -10159,25 +10039,7 @@
                 </a:solidFill>
                 <a:latin typeface="Consolas"/>
               </a:rPr>
-              <a:t> </a:t>
-            </a:r>
-            <a:r>
-              <a:rPr lang="en-US" b="1" dirty="0" smtClean="0">
-                <a:solidFill>
-                  <a:srgbClr val="000000"/>
-                </a:solidFill>
-                <a:latin typeface="Consolas"/>
-              </a:rPr>
-              <a:t>Bicycle </a:t>
-            </a:r>
-            <a:r>
-              <a:rPr lang="en-US" b="1" dirty="0">
-                <a:solidFill>
-                  <a:srgbClr val="000000"/>
-                </a:solidFill>
-                <a:latin typeface="Consolas"/>
-              </a:rPr>
-              <a:t>{</a:t>
+              <a:t> Bicycle {</a:t>
             </a:r>
           </a:p>
           <a:p>
@@ -10187,7 +10049,7 @@
           </a:p>
           <a:p>
             <a:r>
-              <a:rPr lang="en-US" b="1" dirty="0" smtClean="0">
+              <a:rPr lang="en-US" b="1" dirty="0">
                 <a:solidFill>
                   <a:srgbClr val="7F0055"/>
                 </a:solidFill>
@@ -10196,7 +10058,7 @@
               <a:t>    private </a:t>
             </a:r>
             <a:r>
-              <a:rPr lang="en-US" b="1" dirty="0" err="1" smtClean="0">
+              <a:rPr lang="en-US" b="1" dirty="0" err="1">
                 <a:solidFill>
                   <a:srgbClr val="7F0055"/>
                 </a:solidFill>
@@ -10205,7 +10067,7 @@
               <a:t>int</a:t>
             </a:r>
             <a:r>
-              <a:rPr lang="en-US" b="1" dirty="0" smtClean="0">
+              <a:rPr lang="en-US" b="1" dirty="0">
                 <a:solidFill>
                   <a:srgbClr val="000000"/>
                 </a:solidFill>
@@ -10214,7 +10076,7 @@
               <a:t> </a:t>
             </a:r>
             <a:r>
-              <a:rPr lang="en-US" b="1" dirty="0" smtClean="0">
+              <a:rPr lang="en-US" b="1" dirty="0">
                 <a:solidFill>
                   <a:srgbClr val="0000C0"/>
                 </a:solidFill>
@@ -10231,12 +10093,6 @@
               </a:rPr>
               <a:t>;</a:t>
             </a:r>
-            <a:endParaRPr lang="en-US" b="1" dirty="0" smtClean="0">
-              <a:solidFill>
-                <a:srgbClr val="000000"/>
-              </a:solidFill>
-              <a:latin typeface="Consolas"/>
-            </a:endParaRPr>
           </a:p>
           <a:p>
             <a:r>
@@ -10246,55 +10102,67 @@
                 </a:solidFill>
                 <a:latin typeface="Consolas"/>
               </a:rPr>
+              <a:t>    </a:t>
+            </a:r>
+            <a:r>
+              <a:rPr lang="en-US" b="1" dirty="0">
+                <a:solidFill>
+                  <a:srgbClr val="7F0055"/>
+                </a:solidFill>
+                <a:latin typeface="Consolas"/>
+              </a:rPr>
+              <a:t>private </a:t>
+            </a:r>
+            <a:r>
+              <a:rPr lang="en-US" b="1" dirty="0">
+                <a:solidFill>
+                  <a:srgbClr val="7F0055"/>
+                </a:solidFill>
+                <a:highlight>
+                  <a:srgbClr val="FFFF00"/>
+                </a:highlight>
+                <a:latin typeface="Consolas"/>
+              </a:rPr>
+              <a:t>static</a:t>
+            </a:r>
+            <a:r>
+              <a:rPr lang="en-US" b="1" dirty="0">
+                <a:solidFill>
+                  <a:srgbClr val="7F0055"/>
+                </a:solidFill>
+                <a:latin typeface="Consolas"/>
+              </a:rPr>
               <a:t> </a:t>
             </a:r>
             <a:r>
-              <a:rPr lang="en-US" b="1" dirty="0" smtClean="0">
-                <a:solidFill>
-                  <a:srgbClr val="000000"/>
+              <a:rPr lang="en-US" b="1" dirty="0" err="1">
+                <a:solidFill>
+                  <a:srgbClr val="7F0055"/>
                 </a:solidFill>
                 <a:latin typeface="Consolas"/>
               </a:rPr>
-              <a:t>   </a:t>
-            </a:r>
-            <a:r>
-              <a:rPr lang="en-US" b="1" dirty="0" smtClean="0">
+              <a:t>int</a:t>
+            </a:r>
+            <a:r>
+              <a:rPr lang="en-US" b="1" dirty="0">
                 <a:solidFill>
                   <a:srgbClr val="7F0055"/>
                 </a:solidFill>
                 <a:latin typeface="Consolas"/>
               </a:rPr>
-              <a:t>private static </a:t>
+              <a:t> </a:t>
             </a:r>
             <a:r>
               <a:rPr lang="en-US" b="1" dirty="0" err="1">
                 <a:solidFill>
-                  <a:srgbClr val="7F0055"/>
+                  <a:srgbClr val="0000C0"/>
                 </a:solidFill>
                 <a:latin typeface="Consolas"/>
               </a:rPr>
-              <a:t>int</a:t>
-            </a:r>
-            <a:r>
-              <a:rPr lang="en-US" b="1" dirty="0" smtClean="0">
-                <a:solidFill>
-                  <a:srgbClr val="7F0055"/>
-                </a:solidFill>
-                <a:latin typeface="Consolas"/>
-              </a:rPr>
-              <a:t> </a:t>
-            </a:r>
-            <a:r>
-              <a:rPr lang="en-US" b="1" dirty="0" err="1" smtClean="0">
-                <a:solidFill>
-                  <a:srgbClr val="0000C0"/>
-                </a:solidFill>
-                <a:latin typeface="Consolas"/>
-              </a:rPr>
               <a:t>numCreated</a:t>
             </a:r>
             <a:r>
-              <a:rPr lang="en-US" b="1" dirty="0" smtClean="0">
+              <a:rPr lang="en-US" b="1" dirty="0">
                 <a:solidFill>
                   <a:srgbClr val="0000C0"/>
                 </a:solidFill>
@@ -10319,7 +10187,7 @@
           </a:p>
           <a:p>
             <a:r>
-              <a:rPr lang="en-US" dirty="0" smtClean="0">
+              <a:rPr lang="en-US" dirty="0">
                 <a:solidFill>
                   <a:srgbClr val="3F7F5F"/>
                 </a:solidFill>
@@ -10328,7 +10196,7 @@
               <a:t>    </a:t>
             </a:r>
             <a:r>
-              <a:rPr lang="en-US" b="1" dirty="0" smtClean="0">
+              <a:rPr lang="en-US" b="1" dirty="0">
                 <a:solidFill>
                   <a:srgbClr val="7F0055"/>
                 </a:solidFill>
@@ -10337,7 +10205,7 @@
               <a:t>public </a:t>
             </a:r>
             <a:r>
-              <a:rPr lang="en-US" b="1" dirty="0" smtClean="0">
+              <a:rPr lang="en-US" b="1" dirty="0">
                 <a:solidFill>
                   <a:srgbClr val="000000"/>
                 </a:solidFill>
@@ -10355,7 +10223,7 @@
               <a:t>int</a:t>
             </a:r>
             <a:r>
-              <a:rPr lang="en-US" b="1" dirty="0" smtClean="0">
+              <a:rPr lang="en-US" b="1" dirty="0">
                 <a:solidFill>
                   <a:srgbClr val="000000"/>
                 </a:solidFill>
@@ -10366,7 +10234,7 @@
           </a:p>
           <a:p>
             <a:r>
-              <a:rPr lang="en-US" b="1" dirty="0" smtClean="0">
+              <a:rPr lang="en-US" b="1" dirty="0">
                 <a:solidFill>
                   <a:srgbClr val="000000"/>
                 </a:solidFill>
@@ -10375,7 +10243,7 @@
               <a:t>        </a:t>
             </a:r>
             <a:r>
-              <a:rPr lang="en-US" b="1" dirty="0" err="1" smtClean="0">
+              <a:rPr lang="en-US" b="1" dirty="0" err="1">
                 <a:solidFill>
                   <a:srgbClr val="7F0055"/>
                 </a:solidFill>
@@ -10384,7 +10252,7 @@
               <a:t>this</a:t>
             </a:r>
             <a:r>
-              <a:rPr lang="en-US" b="1" dirty="0" err="1" smtClean="0">
+              <a:rPr lang="en-US" b="1" dirty="0" err="1">
                 <a:solidFill>
                   <a:srgbClr val="000000"/>
                 </a:solidFill>
@@ -10393,7 +10261,7 @@
               <a:t>.</a:t>
             </a:r>
             <a:r>
-              <a:rPr lang="en-US" b="1" dirty="0" err="1" smtClean="0">
+              <a:rPr lang="en-US" b="1" dirty="0" err="1">
                 <a:solidFill>
                   <a:srgbClr val="0000C0"/>
                 </a:solidFill>
@@ -10402,7 +10270,7 @@
               <a:t>speed</a:t>
             </a:r>
             <a:r>
-              <a:rPr lang="en-US" b="1" dirty="0" smtClean="0">
+              <a:rPr lang="en-US" b="1" dirty="0">
                 <a:solidFill>
                   <a:srgbClr val="000000"/>
                 </a:solidFill>
@@ -10419,66 +10287,60 @@
                 </a:solidFill>
                 <a:latin typeface="Consolas"/>
               </a:rPr>
-              <a:t> </a:t>
-            </a:r>
-            <a:r>
-              <a:rPr lang="en-US" b="1" dirty="0" smtClean="0">
-                <a:solidFill>
-                  <a:srgbClr val="000000"/>
-                </a:solidFill>
+              <a:t>        </a:t>
+            </a:r>
+            <a:r>
+              <a:rPr lang="en-US" b="1" dirty="0" err="1">
+                <a:solidFill>
+                  <a:srgbClr val="000000"/>
+                </a:solidFill>
+                <a:highlight>
+                  <a:srgbClr val="FFFF00"/>
+                </a:highlight>
                 <a:latin typeface="Consolas"/>
               </a:rPr>
-              <a:t>       </a:t>
+              <a:t>Bicycle</a:t>
             </a:r>
             <a:r>
               <a:rPr lang="en-US" b="1" dirty="0" err="1">
                 <a:solidFill>
-                  <a:srgbClr val="000000"/>
+                  <a:srgbClr val="7F0055"/>
                 </a:solidFill>
                 <a:latin typeface="Consolas"/>
               </a:rPr>
-              <a:t>Bicycle</a:t>
-            </a:r>
-            <a:r>
-              <a:rPr lang="en-US" b="1" dirty="0" err="1" smtClean="0">
-                <a:solidFill>
-                  <a:srgbClr val="7F0055"/>
+              <a:t>.</a:t>
+            </a:r>
+            <a:r>
+              <a:rPr lang="en-US" b="1" dirty="0" err="1">
+                <a:solidFill>
+                  <a:srgbClr val="0000C0"/>
                 </a:solidFill>
                 <a:latin typeface="Consolas"/>
               </a:rPr>
-              <a:t>.</a:t>
-            </a:r>
-            <a:r>
-              <a:rPr lang="en-US" b="1" dirty="0" err="1" smtClean="0">
+              <a:t>numCreated</a:t>
+            </a:r>
+            <a:r>
+              <a:rPr lang="en-US" b="1" dirty="0">
                 <a:solidFill>
                   <a:srgbClr val="0000C0"/>
                 </a:solidFill>
                 <a:latin typeface="Consolas"/>
               </a:rPr>
-              <a:t>numCreated</a:t>
-            </a:r>
-            <a:r>
-              <a:rPr lang="en-US" b="1" dirty="0" smtClean="0">
-                <a:solidFill>
-                  <a:srgbClr val="0000C0"/>
+              <a:t>++</a:t>
+            </a:r>
+            <a:r>
+              <a:rPr lang="en-US" b="1" dirty="0">
+                <a:solidFill>
+                  <a:srgbClr val="000000"/>
                 </a:solidFill>
                 <a:latin typeface="Consolas"/>
               </a:rPr>
-              <a:t>++</a:t>
-            </a:r>
-            <a:r>
-              <a:rPr lang="en-US" b="1" dirty="0">
-                <a:solidFill>
-                  <a:srgbClr val="000000"/>
-                </a:solidFill>
-                <a:latin typeface="Consolas"/>
-              </a:rPr>
               <a:t>;</a:t>
             </a:r>
           </a:p>
           <a:p>
             <a:r>
-              <a:rPr lang="en-US" b="1" dirty="0" smtClean="0">
+              <a:rPr lang="en-US" b="1" dirty="0">
                 <a:solidFill>
                   <a:srgbClr val="000000"/>
                 </a:solidFill>
@@ -10492,7 +10354,7 @@
           </a:p>
           <a:p>
             <a:r>
-              <a:rPr lang="en-US" b="1" dirty="0" smtClean="0">
+              <a:rPr lang="en-US" b="1" dirty="0">
                 <a:solidFill>
                   <a:srgbClr val="7F0055"/>
                 </a:solidFill>
@@ -10501,7 +10363,7 @@
               <a:t>    public</a:t>
             </a:r>
             <a:r>
-              <a:rPr lang="en-US" b="1" dirty="0" smtClean="0">
+              <a:rPr lang="en-US" b="1" dirty="0">
                 <a:solidFill>
                   <a:srgbClr val="000000"/>
                 </a:solidFill>
@@ -10510,7 +10372,7 @@
               <a:t> </a:t>
             </a:r>
             <a:r>
-              <a:rPr lang="en-US" b="1" dirty="0" err="1" smtClean="0">
+              <a:rPr lang="en-US" b="1" dirty="0" err="1">
                 <a:solidFill>
                   <a:srgbClr val="7F0055"/>
                 </a:solidFill>
@@ -10519,7 +10381,7 @@
               <a:t>int</a:t>
             </a:r>
             <a:r>
-              <a:rPr lang="en-US" b="1" dirty="0" smtClean="0">
+              <a:rPr lang="en-US" b="1" dirty="0">
                 <a:solidFill>
                   <a:srgbClr val="000000"/>
                 </a:solidFill>
@@ -10528,7 +10390,7 @@
               <a:t> </a:t>
             </a:r>
             <a:r>
-              <a:rPr lang="en-US" b="1" dirty="0" err="1" smtClean="0">
+              <a:rPr lang="en-US" b="1" dirty="0" err="1">
                 <a:solidFill>
                   <a:srgbClr val="000000"/>
                 </a:solidFill>
@@ -10537,83 +10399,74 @@
               <a:t>getSpeed</a:t>
             </a:r>
             <a:r>
-              <a:rPr lang="en-US" b="1" dirty="0" smtClean="0">
+              <a:rPr lang="en-US" b="1" dirty="0">
                 <a:solidFill>
                   <a:srgbClr val="000000"/>
                 </a:solidFill>
                 <a:latin typeface="Consolas"/>
               </a:rPr>
-              <a:t>(</a:t>
-            </a:r>
-            <a:r>
-              <a:rPr lang="en-US" b="1" dirty="0">
-                <a:solidFill>
-                  <a:srgbClr val="000000"/>
+              <a:t>() {</a:t>
+            </a:r>
+          </a:p>
+          <a:p>
+            <a:r>
+              <a:rPr lang="en-US" b="1" dirty="0">
+                <a:solidFill>
+                  <a:srgbClr val="7F0055"/>
                 </a:solidFill>
                 <a:latin typeface="Consolas"/>
               </a:rPr>
-              <a:t>) {</a:t>
-            </a:r>
-          </a:p>
-          <a:p>
-            <a:r>
-              <a:rPr lang="en-US" b="1" dirty="0" smtClean="0">
+              <a:t>        return</a:t>
+            </a:r>
+            <a:r>
+              <a:rPr lang="en-US" b="1" dirty="0">
+                <a:solidFill>
+                  <a:srgbClr val="000000"/>
+                </a:solidFill>
+                <a:latin typeface="Consolas"/>
+              </a:rPr>
+              <a:t> </a:t>
+            </a:r>
+            <a:r>
+              <a:rPr lang="en-US" b="1" dirty="0" err="1">
                 <a:solidFill>
                   <a:srgbClr val="7F0055"/>
                 </a:solidFill>
                 <a:latin typeface="Consolas"/>
               </a:rPr>
-              <a:t>        return</a:t>
-            </a:r>
-            <a:r>
-              <a:rPr lang="en-US" b="1" dirty="0" smtClean="0">
+              <a:t>this</a:t>
+            </a:r>
+            <a:r>
+              <a:rPr lang="en-US" b="1" dirty="0" err="1">
                 <a:solidFill>
                   <a:srgbClr val="000000"/>
                 </a:solidFill>
                 <a:latin typeface="Consolas"/>
               </a:rPr>
-              <a:t> </a:t>
-            </a:r>
-            <a:r>
-              <a:rPr lang="en-US" b="1" dirty="0" err="1" smtClean="0">
-                <a:solidFill>
-                  <a:srgbClr val="7F0055"/>
+              <a:t>.</a:t>
+            </a:r>
+            <a:r>
+              <a:rPr lang="en-US" b="1" dirty="0" err="1">
+                <a:solidFill>
+                  <a:srgbClr val="0000C0"/>
                 </a:solidFill>
                 <a:latin typeface="Consolas"/>
               </a:rPr>
-              <a:t>this</a:t>
-            </a:r>
-            <a:r>
-              <a:rPr lang="en-US" b="1" dirty="0" err="1" smtClean="0">
+              <a:t>speed</a:t>
+            </a:r>
+            <a:r>
+              <a:rPr lang="en-US" b="1" dirty="0">
                 <a:solidFill>
                   <a:srgbClr val="000000"/>
                 </a:solidFill>
                 <a:latin typeface="Consolas"/>
               </a:rPr>
-              <a:t>.</a:t>
-            </a:r>
-            <a:r>
-              <a:rPr lang="en-US" b="1" dirty="0" err="1" smtClean="0">
-                <a:solidFill>
-                  <a:srgbClr val="0000C0"/>
-                </a:solidFill>
-                <a:latin typeface="Consolas"/>
-              </a:rPr>
-              <a:t>speed</a:t>
-            </a:r>
-            <a:r>
-              <a:rPr lang="en-US" b="1" dirty="0">
-                <a:solidFill>
-                  <a:srgbClr val="000000"/>
-                </a:solidFill>
-                <a:latin typeface="Consolas"/>
-              </a:rPr>
               <a:t>;</a:t>
             </a:r>
           </a:p>
           <a:p>
             <a:r>
-              <a:rPr lang="en-US" dirty="0" smtClean="0">
+              <a:rPr lang="en-US" dirty="0">
                 <a:solidFill>
                   <a:srgbClr val="000000"/>
                 </a:solidFill>
@@ -10627,7 +10480,7 @@
           </a:p>
           <a:p>
             <a:r>
-              <a:rPr lang="en-US" b="1" dirty="0" smtClean="0">
+              <a:rPr lang="en-US" b="1" dirty="0">
                 <a:solidFill>
                   <a:srgbClr val="7F0055"/>
                 </a:solidFill>
@@ -10636,7 +10489,7 @@
               <a:t>    public</a:t>
             </a:r>
             <a:r>
-              <a:rPr lang="en-US" b="1" dirty="0" smtClean="0">
+              <a:rPr lang="en-US" b="1" dirty="0">
                 <a:solidFill>
                   <a:srgbClr val="000000"/>
                 </a:solidFill>
@@ -10645,7 +10498,7 @@
               <a:t> </a:t>
             </a:r>
             <a:r>
-              <a:rPr lang="en-US" b="1" dirty="0" smtClean="0">
+              <a:rPr lang="en-US" b="1" dirty="0">
                 <a:solidFill>
                   <a:srgbClr val="7F0055"/>
                 </a:solidFill>
@@ -10654,7 +10507,7 @@
               <a:t>static </a:t>
             </a:r>
             <a:r>
-              <a:rPr lang="en-US" b="1" dirty="0" err="1" smtClean="0">
+              <a:rPr lang="en-US" b="1" dirty="0" err="1">
                 <a:solidFill>
                   <a:srgbClr val="7F0055"/>
                 </a:solidFill>
@@ -10663,7 +10516,7 @@
               <a:t>int</a:t>
             </a:r>
             <a:r>
-              <a:rPr lang="en-US" b="1" dirty="0" smtClean="0">
+              <a:rPr lang="en-US" b="1" dirty="0">
                 <a:solidFill>
                   <a:srgbClr val="000000"/>
                 </a:solidFill>
@@ -10672,7 +10525,7 @@
               <a:t> </a:t>
             </a:r>
             <a:r>
-              <a:rPr lang="en-US" b="1" dirty="0" err="1" smtClean="0">
+              <a:rPr lang="en-US" b="1" dirty="0" err="1">
                 <a:solidFill>
                   <a:srgbClr val="000000"/>
                 </a:solidFill>
@@ -10684,7 +10537,7 @@
               <a:t>getNumCreated</a:t>
             </a:r>
             <a:r>
-              <a:rPr lang="en-US" b="1" dirty="0" smtClean="0">
+              <a:rPr lang="en-US" b="1" dirty="0">
                 <a:solidFill>
                   <a:srgbClr val="000000"/>
                 </a:solidFill>
@@ -10693,99 +10546,76 @@
                 </a:highlight>
                 <a:latin typeface="Consolas"/>
               </a:rPr>
-              <a:t>() </a:t>
-            </a:r>
-            <a:r>
-              <a:rPr lang="en-US" b="1" dirty="0">
+              <a:t>() {</a:t>
+            </a:r>
+          </a:p>
+          <a:p>
+            <a:r>
+              <a:rPr lang="en-US" b="1" dirty="0">
+                <a:solidFill>
+                  <a:srgbClr val="7F0055"/>
+                </a:solidFill>
+                <a:latin typeface="Consolas"/>
+              </a:rPr>
+              <a:t>        return </a:t>
+            </a:r>
+            <a:r>
+              <a:rPr lang="en-US" b="1" dirty="0" err="1">
                 <a:solidFill>
                   <a:srgbClr val="000000"/>
                 </a:solidFill>
                 <a:highlight>
-                  <a:srgbClr val="D4D4D4"/>
+                  <a:srgbClr val="FFFF00"/>
                 </a:highlight>
                 <a:latin typeface="Consolas"/>
               </a:rPr>
-              <a:t>{</a:t>
-            </a:r>
-          </a:p>
-          <a:p>
-            <a:r>
-              <a:rPr lang="en-US" b="1" dirty="0" smtClean="0">
+              <a:t>Bicycle</a:t>
+            </a:r>
+            <a:r>
+              <a:rPr lang="en-US" b="1" dirty="0" err="1">
                 <a:solidFill>
                   <a:srgbClr val="7F0055"/>
                 </a:solidFill>
                 <a:latin typeface="Consolas"/>
               </a:rPr>
-              <a:t>        return </a:t>
+              <a:t>.</a:t>
             </a:r>
             <a:r>
               <a:rPr lang="en-US" b="1" dirty="0" err="1">
                 <a:solidFill>
-                  <a:srgbClr val="000000"/>
+                  <a:srgbClr val="0000C0"/>
                 </a:solidFill>
                 <a:latin typeface="Consolas"/>
               </a:rPr>
-              <a:t>Bicycle</a:t>
-            </a:r>
-            <a:r>
-              <a:rPr lang="en-US" b="1" dirty="0" err="1">
-                <a:solidFill>
-                  <a:srgbClr val="7F0055"/>
+              <a:t>numCreated</a:t>
+            </a:r>
+            <a:r>
+              <a:rPr lang="en-US" b="1" dirty="0">
+                <a:solidFill>
+                  <a:srgbClr val="000000"/>
                 </a:solidFill>
                 <a:latin typeface="Consolas"/>
               </a:rPr>
-              <a:t>.</a:t>
-            </a:r>
-            <a:r>
-              <a:rPr lang="en-US" b="1" dirty="0" err="1">
-                <a:solidFill>
-                  <a:srgbClr val="0000C0"/>
+              <a:t>;</a:t>
+            </a:r>
+          </a:p>
+          <a:p>
+            <a:r>
+              <a:rPr lang="en-US" dirty="0">
+                <a:solidFill>
+                  <a:srgbClr val="000000"/>
                 </a:solidFill>
                 <a:latin typeface="Consolas"/>
               </a:rPr>
-              <a:t>numCreated</a:t>
-            </a:r>
-            <a:r>
-              <a:rPr lang="en-US" b="1" dirty="0" smtClean="0">
-                <a:solidFill>
-                  <a:srgbClr val="000000"/>
-                </a:solidFill>
-                <a:latin typeface="Consolas"/>
-              </a:rPr>
-              <a:t>;</a:t>
-            </a:r>
-            <a:endParaRPr lang="en-US" b="1" dirty="0">
-              <a:solidFill>
-                <a:srgbClr val="000000"/>
-              </a:solidFill>
-              <a:latin typeface="Consolas"/>
-            </a:endParaRPr>
-          </a:p>
-          <a:p>
-            <a:r>
-              <a:rPr lang="en-US" dirty="0" smtClean="0">
-                <a:solidFill>
-                  <a:srgbClr val="000000"/>
-                </a:solidFill>
-                <a:latin typeface="Consolas"/>
-              </a:rPr>
               <a:t>    }</a:t>
             </a:r>
-            <a:endParaRPr lang="en-US" dirty="0">
-              <a:solidFill>
-                <a:srgbClr val="000000"/>
-              </a:solidFill>
-              <a:latin typeface="Consolas"/>
-            </a:endParaRPr>
-          </a:p>
-          <a:p>
             <a:endParaRPr lang="en-US" dirty="0">
               <a:latin typeface="Consolas"/>
             </a:endParaRPr>
           </a:p>
           <a:p>
             <a:r>
-              <a:rPr lang="en-US" dirty="0" smtClean="0">
+              <a:rPr lang="en-US" dirty="0">
                 <a:solidFill>
                   <a:srgbClr val="000000"/>
                 </a:solidFill>
@@ -10793,6 +10623,8 @@
               </a:rPr>
               <a:t>}</a:t>
             </a:r>
+          </a:p>
+          <a:p>
             <a:endParaRPr lang="en-US" dirty="0">
               <a:solidFill>
                 <a:srgbClr val="3F7F5F"/>
@@ -10808,18 +10640,18 @@
                 </a:solidFill>
                 <a:latin typeface="Consolas"/>
               </a:rPr>
-              <a:t>/</a:t>
-            </a:r>
-            <a:r>
-              <a:rPr lang="en-US" dirty="0" smtClean="0">
+              <a:t>// Client does not need Bicycle object for calling </a:t>
+            </a:r>
+            <a:r>
+              <a:rPr lang="en-US" i="1" dirty="0" err="1">
                 <a:solidFill>
                   <a:srgbClr val="3F7F5F"/>
                 </a:solidFill>
                 <a:latin typeface="Consolas"/>
               </a:rPr>
-              <a:t>/No requirement to have a Bicycle yet…</a:t>
-            </a:r>
-            <a:endParaRPr lang="en-US" dirty="0">
+              <a:t>getNumCreated</a:t>
+            </a:r>
+            <a:endParaRPr lang="en-US" i="1" dirty="0">
               <a:solidFill>
                 <a:srgbClr val="000000"/>
               </a:solidFill>
@@ -10828,7 +10660,7 @@
           </a:p>
           <a:p>
             <a:r>
-              <a:rPr lang="en-US" dirty="0" err="1" smtClean="0">
+              <a:rPr lang="en-US" dirty="0" err="1">
                 <a:solidFill>
                   <a:srgbClr val="000000"/>
                 </a:solidFill>
@@ -10837,7 +10669,7 @@
               <a:t>System.</a:t>
             </a:r>
             <a:r>
-              <a:rPr lang="en-US" i="1" dirty="0" err="1" smtClean="0">
+              <a:rPr lang="en-US" i="1" dirty="0" err="1">
                 <a:solidFill>
                   <a:srgbClr val="0000C0"/>
                 </a:solidFill>
@@ -10846,7 +10678,7 @@
               <a:t>out</a:t>
             </a:r>
             <a:r>
-              <a:rPr lang="en-US" dirty="0" err="1" smtClean="0">
+              <a:rPr lang="en-US" dirty="0" err="1">
                 <a:solidFill>
                   <a:srgbClr val="000000"/>
                 </a:solidFill>
@@ -10855,7 +10687,7 @@
               <a:t>.println</a:t>
             </a:r>
             <a:r>
-              <a:rPr lang="en-US" dirty="0" smtClean="0">
+              <a:rPr lang="en-US" dirty="0">
                 <a:solidFill>
                   <a:srgbClr val="000000"/>
                 </a:solidFill>
@@ -10864,7 +10696,7 @@
               <a:t>(</a:t>
             </a:r>
             <a:r>
-              <a:rPr lang="en-US" dirty="0" err="1" smtClean="0">
+              <a:rPr lang="en-US" dirty="0" err="1">
                 <a:solidFill>
                   <a:srgbClr val="000000"/>
                 </a:solidFill>
@@ -10873,7 +10705,7 @@
               <a:t>Bicycle.getNumCreated</a:t>
             </a:r>
             <a:r>
-              <a:rPr lang="en-US" dirty="0" smtClean="0">
+              <a:rPr lang="en-US" dirty="0">
                 <a:solidFill>
                   <a:srgbClr val="000000"/>
                 </a:solidFill>
@@ -10884,13 +10716,31 @@
           </a:p>
           <a:p>
             <a:r>
-              <a:rPr lang="en-US" dirty="0" smtClean="0">
+              <a:rPr lang="en-US" dirty="0">
                 <a:solidFill>
                   <a:srgbClr val="000000"/>
                 </a:solidFill>
                 <a:latin typeface="Consolas"/>
               </a:rPr>
-              <a:t>Bicycle myBike1 </a:t>
+              <a:t>Bicycle myBike1 = </a:t>
+            </a:r>
+            <a:r>
+              <a:rPr lang="en-US" b="1" dirty="0">
+                <a:solidFill>
+                  <a:srgbClr val="7F0055"/>
+                </a:solidFill>
+                <a:latin typeface="Consolas"/>
+              </a:rPr>
+              <a:t>new</a:t>
+            </a:r>
+            <a:r>
+              <a:rPr lang="en-US" b="1" dirty="0">
+                <a:solidFill>
+                  <a:srgbClr val="000000"/>
+                </a:solidFill>
+                <a:latin typeface="Consolas"/>
+              </a:rPr>
+              <a:t> Bicycle(</a:t>
             </a:r>
             <a:r>
               <a:rPr lang="en-US" dirty="0">
@@ -10899,7 +10749,27 @@
                 </a:solidFill>
                 <a:latin typeface="Consolas"/>
               </a:rPr>
-              <a:t>= </a:t>
+              <a:t>18</a:t>
+            </a:r>
+            <a:r>
+              <a:rPr lang="en-US" b="1" dirty="0">
+                <a:solidFill>
+                  <a:srgbClr val="000000"/>
+                </a:solidFill>
+                <a:latin typeface="Consolas"/>
+              </a:rPr>
+              <a:t>);</a:t>
+            </a:r>
+          </a:p>
+          <a:p>
+            <a:r>
+              <a:rPr lang="en-US" dirty="0">
+                <a:solidFill>
+                  <a:srgbClr val="000000"/>
+                </a:solidFill>
+                <a:latin typeface="Consolas"/>
+              </a:rPr>
+              <a:t>Bicycle myBike2 = </a:t>
             </a:r>
             <a:r>
               <a:rPr lang="en-US" b="1" dirty="0">
@@ -10917,37 +10787,55 @@
                 </a:solidFill>
                 <a:latin typeface="Consolas"/>
               </a:rPr>
-              <a:t> </a:t>
-            </a:r>
-            <a:r>
-              <a:rPr lang="en-US" b="1" dirty="0" smtClean="0">
+              <a:t> Bicycle(</a:t>
+            </a:r>
+            <a:r>
+              <a:rPr lang="en-US" dirty="0">
                 <a:solidFill>
                   <a:srgbClr val="000000"/>
                 </a:solidFill>
                 <a:latin typeface="Consolas"/>
               </a:rPr>
-              <a:t>Bicycle(</a:t>
-            </a:r>
-            <a:r>
-              <a:rPr lang="en-US" dirty="0" smtClean="0">
+              <a:t>1</a:t>
+            </a:r>
+            <a:r>
+              <a:rPr lang="en-US" b="1" dirty="0">
                 <a:solidFill>
                   <a:srgbClr val="000000"/>
                 </a:solidFill>
                 <a:latin typeface="Consolas"/>
               </a:rPr>
-              <a:t>18</a:t>
-            </a:r>
-            <a:r>
-              <a:rPr lang="en-US" b="1" dirty="0" smtClean="0">
+              <a:t>);</a:t>
+            </a:r>
+          </a:p>
+          <a:p>
+            <a:r>
+              <a:rPr lang="en-US" dirty="0" err="1">
                 <a:solidFill>
                   <a:srgbClr val="000000"/>
                 </a:solidFill>
                 <a:latin typeface="Consolas"/>
               </a:rPr>
-              <a:t>);</a:t>
-            </a:r>
-          </a:p>
-          <a:p>
+              <a:t>System.</a:t>
+            </a:r>
+            <a:r>
+              <a:rPr lang="en-US" i="1" dirty="0" err="1">
+                <a:solidFill>
+                  <a:srgbClr val="0000C0"/>
+                </a:solidFill>
+                <a:latin typeface="Consolas"/>
+              </a:rPr>
+              <a:t>out</a:t>
+            </a:r>
+            <a:r>
+              <a:rPr lang="en-US" dirty="0" err="1">
+                <a:solidFill>
+                  <a:srgbClr val="000000"/>
+                </a:solidFill>
+                <a:latin typeface="Consolas"/>
+              </a:rPr>
+              <a:t>.println</a:t>
+            </a:r>
             <a:r>
               <a:rPr lang="en-US" dirty="0">
                 <a:solidFill>
@@ -10955,16 +10843,16 @@
                 </a:solidFill>
                 <a:latin typeface="Consolas"/>
               </a:rPr>
-              <a:t>Bicycle </a:t>
-            </a:r>
-            <a:r>
-              <a:rPr lang="en-US" dirty="0" smtClean="0">
+              <a:t>(</a:t>
+            </a:r>
+            <a:r>
+              <a:rPr lang="en-US" dirty="0" err="1">
                 <a:solidFill>
                   <a:srgbClr val="000000"/>
                 </a:solidFill>
                 <a:latin typeface="Consolas"/>
               </a:rPr>
-              <a:t>myBike2 </a:t>
+              <a:t>Bicycle.getNumCreated</a:t>
             </a:r>
             <a:r>
               <a:rPr lang="en-US" dirty="0">
@@ -10973,163 +10861,33 @@
                 </a:solidFill>
                 <a:latin typeface="Consolas"/>
               </a:rPr>
-              <a:t>= </a:t>
-            </a:r>
-            <a:r>
-              <a:rPr lang="en-US" b="1" dirty="0">
-                <a:solidFill>
-                  <a:srgbClr val="7F0055"/>
+              <a:t>() + </a:t>
+            </a:r>
+            <a:r>
+              <a:rPr lang="en-US" dirty="0"/>
+              <a:t>"  "</a:t>
+            </a:r>
+            <a:r>
+              <a:rPr lang="en-US" dirty="0">
+                <a:solidFill>
+                  <a:srgbClr val="000000"/>
                 </a:solidFill>
                 <a:latin typeface="Consolas"/>
               </a:rPr>
-              <a:t>new</a:t>
-            </a:r>
-            <a:r>
-              <a:rPr lang="en-US" b="1" dirty="0">
-                <a:solidFill>
-                  <a:srgbClr val="000000"/>
-                </a:solidFill>
-                <a:latin typeface="Consolas"/>
-              </a:rPr>
-              <a:t> Bicycle</a:t>
-            </a:r>
-            <a:r>
-              <a:rPr lang="en-US" b="1" dirty="0" smtClean="0">
-                <a:solidFill>
-                  <a:srgbClr val="000000"/>
-                </a:solidFill>
-                <a:latin typeface="Consolas"/>
-              </a:rPr>
-              <a:t>(</a:t>
-            </a:r>
-            <a:r>
-              <a:rPr lang="en-US" dirty="0" smtClean="0">
-                <a:solidFill>
-                  <a:srgbClr val="000000"/>
-                </a:solidFill>
-                <a:latin typeface="Consolas"/>
-              </a:rPr>
-              <a:t>1</a:t>
-            </a:r>
-            <a:r>
-              <a:rPr lang="en-US" b="1" dirty="0" smtClean="0">
-                <a:solidFill>
-                  <a:srgbClr val="000000"/>
-                </a:solidFill>
-                <a:latin typeface="Consolas"/>
-              </a:rPr>
-              <a:t>);</a:t>
-            </a:r>
-            <a:endParaRPr lang="en-US" b="1" dirty="0">
-              <a:solidFill>
-                <a:srgbClr val="000000"/>
-              </a:solidFill>
-              <a:latin typeface="Consolas"/>
-            </a:endParaRPr>
-          </a:p>
-          <a:p>
-            <a:r>
-              <a:rPr lang="en-US" dirty="0" err="1">
-                <a:solidFill>
-                  <a:srgbClr val="000000"/>
-                </a:solidFill>
-                <a:latin typeface="Consolas"/>
-              </a:rPr>
-              <a:t>System.</a:t>
-            </a:r>
-            <a:r>
-              <a:rPr lang="en-US" i="1" dirty="0" err="1">
-                <a:solidFill>
-                  <a:srgbClr val="0000C0"/>
-                </a:solidFill>
-                <a:latin typeface="Consolas"/>
-              </a:rPr>
-              <a:t>out</a:t>
-            </a:r>
-            <a:r>
-              <a:rPr lang="en-US" dirty="0" err="1">
-                <a:solidFill>
-                  <a:srgbClr val="000000"/>
-                </a:solidFill>
-                <a:latin typeface="Consolas"/>
-              </a:rPr>
-              <a:t>.println</a:t>
-            </a:r>
-            <a:r>
-              <a:rPr lang="en-US" dirty="0">
-                <a:solidFill>
-                  <a:srgbClr val="000000"/>
-                </a:solidFill>
-                <a:latin typeface="Consolas"/>
-              </a:rPr>
-              <a:t>(</a:t>
-            </a:r>
-            <a:r>
-              <a:rPr lang="en-US" dirty="0" err="1">
-                <a:solidFill>
-                  <a:srgbClr val="000000"/>
-                </a:solidFill>
-                <a:latin typeface="Consolas"/>
-              </a:rPr>
-              <a:t>Bicycle.getNumCreated</a:t>
-            </a:r>
-            <a:r>
-              <a:rPr lang="en-US" dirty="0">
-                <a:solidFill>
-                  <a:srgbClr val="000000"/>
-                </a:solidFill>
-                <a:latin typeface="Consolas"/>
-              </a:rPr>
-              <a:t>(</a:t>
-            </a:r>
-            <a:r>
-              <a:rPr lang="en-US" dirty="0" smtClean="0">
-                <a:solidFill>
-                  <a:srgbClr val="000000"/>
-                </a:solidFill>
-                <a:latin typeface="Consolas"/>
-              </a:rPr>
-              <a:t>) + </a:t>
-            </a:r>
-            <a:r>
-              <a:rPr lang="en-US" dirty="0"/>
-              <a:t>" </a:t>
-            </a:r>
-            <a:r>
-              <a:rPr lang="en-US" dirty="0" smtClean="0"/>
-              <a:t> "</a:t>
-            </a:r>
-            <a:r>
-              <a:rPr lang="en-US" dirty="0" smtClean="0">
-                <a:solidFill>
-                  <a:srgbClr val="000000"/>
-                </a:solidFill>
-                <a:latin typeface="Consolas"/>
-              </a:rPr>
-              <a:t> + myBike1.getSpeed())</a:t>
-            </a:r>
-            <a:r>
-              <a:rPr lang="en-US" dirty="0">
-                <a:solidFill>
-                  <a:srgbClr val="000000"/>
-                </a:solidFill>
-                <a:latin typeface="Consolas"/>
-              </a:rPr>
-              <a:t>;</a:t>
-            </a:r>
-          </a:p>
-          <a:p>
-            <a:r>
-              <a:rPr lang="en-US" sz="2200" b="1" dirty="0" smtClean="0"/>
+              <a:t> + myBike1.getSpeed());</a:t>
+            </a:r>
+          </a:p>
+          <a:p>
+            <a:r>
+              <a:rPr lang="en-US" sz="2200" b="1" dirty="0"/>
               <a:t>0</a:t>
             </a:r>
           </a:p>
           <a:p>
             <a:r>
-              <a:rPr lang="en-US" sz="2200" b="1" dirty="0" smtClean="0"/>
+              <a:rPr lang="en-US" sz="2200" b="1" dirty="0"/>
               <a:t>2 18</a:t>
             </a:r>
-            <a:endParaRPr lang="en-US" sz="2200" b="1" dirty="0"/>
           </a:p>
         </p:txBody>
       </p:sp>
@@ -11178,7 +10936,7 @@
               <a:defRPr/>
             </a:pPr>
             <a:r>
-              <a:rPr lang="en-US" sz="1800" dirty="0" smtClean="0">
+              <a:rPr lang="en-US" sz="1800" dirty="0">
                 <a:solidFill>
                   <a:schemeClr val="bg1"/>
                 </a:solidFill>
@@ -11187,13 +10945,110 @@
               </a:rPr>
               <a:t>Q12 - Q16</a:t>
             </a:r>
-            <a:endParaRPr lang="en-US" sz="1800" dirty="0">
-              <a:solidFill>
-                <a:schemeClr val="bg1"/>
-              </a:solidFill>
-              <a:cs typeface="Arial" pitchFamily="34" charset="0"/>
-              <a:sym typeface="Arial" pitchFamily="34" charset="0"/>
-            </a:endParaRPr>
+          </a:p>
+        </p:txBody>
+      </p:sp>
+      <p:sp>
+        <p:nvSpPr>
+          <p:cNvPr id="4" name="Rectangle 3">
+            <a:extLst>
+              <a:ext uri="{FF2B5EF4-FFF2-40B4-BE49-F238E27FC236}">
+                <a16:creationId xmlns:a16="http://schemas.microsoft.com/office/drawing/2014/main" id="{261FC12C-35E0-4F1D-AAC8-BEA6B36C28BD}"/>
+              </a:ext>
+            </a:extLst>
+          </p:cNvPr>
+          <p:cNvSpPr/>
+          <p:nvPr/>
+        </p:nvSpPr>
+        <p:spPr>
+          <a:xfrm>
+            <a:off x="238542" y="104097"/>
+            <a:ext cx="8855764" cy="4408267"/>
+          </a:xfrm>
+          <a:prstGeom prst="rect">
+            <a:avLst/>
+          </a:prstGeom>
+          <a:noFill/>
+          <a:ln>
+            <a:solidFill>
+              <a:schemeClr val="tx2"/>
+            </a:solidFill>
+          </a:ln>
+        </p:spPr>
+        <p:style>
+          <a:lnRef idx="2">
+            <a:schemeClr val="accent1">
+              <a:shade val="50000"/>
+            </a:schemeClr>
+          </a:lnRef>
+          <a:fillRef idx="1">
+            <a:schemeClr val="accent1"/>
+          </a:fillRef>
+          <a:effectRef idx="0">
+            <a:schemeClr val="accent1"/>
+          </a:effectRef>
+          <a:fontRef idx="minor">
+            <a:schemeClr val="lt1"/>
+          </a:fontRef>
+        </p:style>
+        <p:txBody>
+          <a:bodyPr rtlCol="0" anchor="ctr"/>
+          <a:lstStyle/>
+          <a:p>
+            <a:pPr algn="ctr"/>
+            <a:endParaRPr lang="en-US"/>
+          </a:p>
+        </p:txBody>
+      </p:sp>
+      <p:sp>
+        <p:nvSpPr>
+          <p:cNvPr id="5" name="Rectangle 4">
+            <a:extLst>
+              <a:ext uri="{FF2B5EF4-FFF2-40B4-BE49-F238E27FC236}">
+                <a16:creationId xmlns:a16="http://schemas.microsoft.com/office/drawing/2014/main" id="{D7944365-DE8E-49F7-B06F-273DFD243B49}"/>
+              </a:ext>
+            </a:extLst>
+          </p:cNvPr>
+          <p:cNvSpPr/>
+          <p:nvPr/>
+        </p:nvSpPr>
+        <p:spPr>
+          <a:xfrm>
+            <a:off x="238542" y="4584909"/>
+            <a:ext cx="8855765" cy="2212586"/>
+          </a:xfrm>
+          <a:prstGeom prst="rect">
+            <a:avLst/>
+          </a:prstGeom>
+          <a:noFill/>
+          <a:ln>
+            <a:solidFill>
+              <a:schemeClr val="accent6"/>
+            </a:solidFill>
+          </a:ln>
+        </p:spPr>
+        <p:style>
+          <a:lnRef idx="2">
+            <a:schemeClr val="accent1">
+              <a:shade val="50000"/>
+            </a:schemeClr>
+          </a:lnRef>
+          <a:fillRef idx="1">
+            <a:schemeClr val="accent1"/>
+          </a:fillRef>
+          <a:effectRef idx="0">
+            <a:schemeClr val="accent1"/>
+          </a:effectRef>
+          <a:fontRef idx="minor">
+            <a:schemeClr val="lt1"/>
+          </a:fontRef>
+        </p:style>
+        <p:txBody>
+          <a:bodyPr rtlCol="0" anchor="ctr"/>
+          <a:lstStyle/>
+          <a:p>
+            <a:pPr algn="ctr"/>
+            <a:endParaRPr lang="en-US"/>
           </a:p>
         </p:txBody>
       </p:sp>
@@ -11560,10 +11415,9 @@
           <a:lstStyle/>
           <a:p>
             <a:r>
-              <a:rPr lang="en-US" dirty="0" smtClean="0"/>
+              <a:rPr lang="en-US" dirty="0"/>
               <a:t>Plan for today</a:t>
             </a:r>
-            <a:endParaRPr lang="en-US" dirty="0"/>
           </a:p>
         </p:txBody>
       </p:sp>
@@ -11583,44 +11437,35 @@
           <a:lstStyle/>
           <a:p>
             <a:r>
-              <a:rPr lang="en-US" dirty="0" smtClean="0"/>
+              <a:rPr lang="en-US" dirty="0"/>
               <a:t>Talk about object references and box and pointer diagrams</a:t>
             </a:r>
           </a:p>
           <a:p>
             <a:r>
-              <a:rPr lang="en-US" dirty="0" smtClean="0"/>
+              <a:rPr lang="en-US" dirty="0"/>
               <a:t>Talk about static methods</a:t>
             </a:r>
           </a:p>
           <a:p>
             <a:r>
               <a:rPr lang="en-US" dirty="0"/>
-              <a:t>Continue </a:t>
-            </a:r>
-            <a:r>
-              <a:rPr lang="en-US" dirty="0" smtClean="0"/>
-              <a:t>working on writing </a:t>
-            </a:r>
+              <a:t>Continue working on writing your own classes</a:t>
+            </a:r>
+          </a:p>
+          <a:p>
             <a:r>
               <a:rPr lang="en-US" dirty="0"/>
-              <a:t>your own classes</a:t>
-            </a:r>
-          </a:p>
-          <a:p>
-            <a:r>
-              <a:rPr lang="en-US" dirty="0" smtClean="0"/>
               <a:t>Get started on </a:t>
             </a:r>
             <a:r>
-              <a:rPr lang="en-US" dirty="0" err="1" smtClean="0"/>
+              <a:rPr lang="en-US" dirty="0" err="1"/>
               <a:t>TeamGradebook</a:t>
             </a:r>
             <a:r>
-              <a:rPr lang="en-US" dirty="0" smtClean="0"/>
+              <a:rPr lang="en-US" dirty="0"/>
               <a:t>, your new assignment</a:t>
             </a:r>
-            <a:endParaRPr lang="en-US" dirty="0"/>
           </a:p>
         </p:txBody>
       </p:sp>
@@ -11634,13 +11479,6 @@
   <p:clrMapOvr>
     <a:masterClrMapping/>
   </p:clrMapOvr>
-  <p:timing>
-    <p:tnLst>
-      <p:par>
-        <p:cTn id="1" dur="indefinite" restart="never" nodeType="tmRoot"/>
-      </p:par>
-    </p:tnLst>
-  </p:timing>
 </p:sld>
 </file>
 
@@ -11677,7 +11515,7 @@
           <a:lstStyle/>
           <a:p>
             <a:r>
-              <a:rPr lang="en-US" dirty="0" err="1" smtClean="0"/>
+              <a:rPr lang="en-US" dirty="0" err="1"/>
               <a:t>TeamGradebook</a:t>
             </a:r>
             <a:endParaRPr lang="en-US" dirty="0"/>
@@ -11700,10 +11538,9 @@
           <a:lstStyle/>
           <a:p>
             <a:r>
-              <a:rPr lang="en-US" dirty="0" smtClean="0"/>
+              <a:rPr lang="en-US" dirty="0"/>
               <a:t>Just a quick demo</a:t>
             </a:r>
-            <a:endParaRPr lang="en-US" dirty="0"/>
           </a:p>
         </p:txBody>
       </p:sp>
@@ -11717,13 +11554,6 @@
   <p:clrMapOvr>
     <a:masterClrMapping/>
   </p:clrMapOvr>
-  <p:timing>
-    <p:tnLst>
-      <p:par>
-        <p:cTn id="1" dur="indefinite" restart="never" nodeType="tmRoot"/>
-      </p:par>
-    </p:tnLst>
-  </p:timing>
 </p:sld>
 </file>
 
@@ -11926,10 +11756,9 @@
               <a:defRPr/>
             </a:pPr>
             <a:r>
-              <a:rPr lang="en-US" dirty="0" smtClean="0"/>
+              <a:rPr lang="en-US" dirty="0"/>
               <a:t>Object References</a:t>
             </a:r>
-            <a:endParaRPr lang="en-US" dirty="0"/>
           </a:p>
         </p:txBody>
       </p:sp>
@@ -11949,7 +11778,7 @@
           <a:lstStyle/>
           <a:p>
             <a:r>
-              <a:rPr lang="en-US" dirty="0" smtClean="0"/>
+              <a:rPr lang="en-US" dirty="0"/>
               <a:t>Differences between primitive types and object types in Java</a:t>
             </a:r>
           </a:p>
@@ -11965,13 +11794,6 @@
   <p:clrMapOvr>
     <a:masterClrMapping/>
   </p:clrMapOvr>
-  <p:timing>
-    <p:tnLst>
-      <p:par>
-        <p:cTn id="1" dur="indefinite" restart="never" nodeType="tmRoot"/>
-      </p:par>
-    </p:tnLst>
-  </p:timing>
 </p:sld>
 </file>
 
@@ -12011,10 +11833,9 @@
               <a:defRPr/>
             </a:pPr>
             <a:r>
-              <a:rPr lang="en-US" dirty="0" smtClean="0"/>
+              <a:rPr lang="en-US" dirty="0"/>
               <a:t>What Do Variables Really Store?</a:t>
             </a:r>
-            <a:endParaRPr lang="en-US" dirty="0"/>
           </a:p>
         </p:txBody>
       </p:sp>
@@ -12037,11 +11858,11 @@
               <a:defRPr/>
             </a:pPr>
             <a:r>
-              <a:rPr lang="en-US" dirty="0" smtClean="0"/>
+              <a:rPr lang="en-US" dirty="0"/>
               <a:t>Variables of </a:t>
             </a:r>
             <a:r>
-              <a:rPr lang="en-US" dirty="0" smtClean="0">
+              <a:rPr lang="en-US" dirty="0">
                 <a:solidFill>
                   <a:srgbClr val="0070C0"/>
                 </a:solidFill>
@@ -12049,11 +11870,11 @@
               <a:t>primitive type </a:t>
             </a:r>
             <a:r>
-              <a:rPr lang="en-US" dirty="0" smtClean="0"/>
+              <a:rPr lang="en-US" dirty="0"/>
               <a:t>store </a:t>
             </a:r>
             <a:r>
-              <a:rPr lang="en-US" i="1" dirty="0" smtClean="0">
+              <a:rPr lang="en-US" i="1" dirty="0">
                 <a:solidFill>
                   <a:srgbClr val="0070C0"/>
                 </a:solidFill>
@@ -12066,11 +11887,11 @@
               <a:defRPr/>
             </a:pPr>
             <a:r>
-              <a:rPr lang="en-US" dirty="0" smtClean="0"/>
+              <a:rPr lang="en-US" dirty="0"/>
               <a:t>Variables of </a:t>
             </a:r>
             <a:r>
-              <a:rPr lang="en-US" dirty="0" smtClean="0">
+              <a:rPr lang="en-US" dirty="0">
                 <a:solidFill>
                   <a:schemeClr val="accent3"/>
                 </a:solidFill>
@@ -12078,11 +11899,11 @@
               <a:t>class type </a:t>
             </a:r>
             <a:r>
-              <a:rPr lang="en-US" dirty="0" smtClean="0"/>
+              <a:rPr lang="en-US" dirty="0"/>
               <a:t>store </a:t>
             </a:r>
             <a:r>
-              <a:rPr lang="en-US" i="1" dirty="0" smtClean="0">
+              <a:rPr lang="en-US" i="1" dirty="0">
                 <a:solidFill>
                   <a:schemeClr val="accent3"/>
                 </a:solidFill>
@@ -12176,25 +11997,7 @@
                 </a:solidFill>
                 <a:latin typeface="Lucida Sans Typewriter" pitchFamily="49" charset="0"/>
               </a:rPr>
-              <a:t>Rectangle box = new Rectangle(x</a:t>
-            </a:r>
-            <a:r>
-              <a:rPr lang="en-US" sz="2400" dirty="0" smtClean="0">
-                <a:solidFill>
-                  <a:schemeClr val="accent3"/>
-                </a:solidFill>
-                <a:latin typeface="Lucida Sans Typewriter" pitchFamily="49" charset="0"/>
-              </a:rPr>
-              <a:t>, y, 5, 5</a:t>
-            </a:r>
-            <a:r>
-              <a:rPr lang="en-US" sz="2400" dirty="0">
-                <a:solidFill>
-                  <a:schemeClr val="accent3"/>
-                </a:solidFill>
-                <a:latin typeface="Lucida Sans Typewriter" pitchFamily="49" charset="0"/>
-              </a:rPr>
-              <a:t>);</a:t>
+              <a:t>Rectangle box = new Rectangle(x, y, 5, 5);</a:t>
             </a:r>
           </a:p>
         </p:txBody>
@@ -12253,10 +12056,9 @@
             <a:p>
               <a:pPr algn="ctr"/>
               <a:r>
-                <a:rPr lang="en-US" dirty="0" smtClean="0"/>
+                <a:rPr lang="en-US" dirty="0"/>
                 <a:t>10</a:t>
               </a:r>
-              <a:endParaRPr lang="en-US" dirty="0"/>
             </a:p>
           </p:txBody>
         </p:sp>
@@ -12301,18 +12103,13 @@
             <a:p>
               <a:pPr algn="ctr"/>
               <a:r>
-                <a:rPr lang="en-US" sz="2000" dirty="0" smtClean="0">
+                <a:rPr lang="en-US" sz="2000" dirty="0">
                   <a:solidFill>
                     <a:srgbClr val="FF0000"/>
                   </a:solidFill>
                 </a:rPr>
                 <a:t>x</a:t>
               </a:r>
-              <a:endParaRPr lang="en-US" sz="2000" dirty="0">
-                <a:solidFill>
-                  <a:srgbClr val="FF0000"/>
-                </a:solidFill>
-              </a:endParaRPr>
             </a:p>
           </p:txBody>
         </p:sp>
@@ -12371,10 +12168,9 @@
             <a:p>
               <a:pPr algn="ctr"/>
               <a:r>
-                <a:rPr lang="en-US" dirty="0" smtClean="0"/>
+                <a:rPr lang="en-US" dirty="0"/>
                 <a:t>20</a:t>
               </a:r>
-              <a:endParaRPr lang="en-US" dirty="0"/>
             </a:p>
           </p:txBody>
         </p:sp>
@@ -12419,18 +12215,13 @@
             <a:p>
               <a:pPr algn="ctr"/>
               <a:r>
-                <a:rPr lang="en-US" sz="2000" dirty="0" smtClean="0">
+                <a:rPr lang="en-US" sz="2000" dirty="0">
                   <a:solidFill>
                     <a:srgbClr val="FF0000"/>
                   </a:solidFill>
                 </a:rPr>
                 <a:t>y</a:t>
               </a:r>
-              <a:endParaRPr lang="en-US" sz="2000" dirty="0">
-                <a:solidFill>
-                  <a:srgbClr val="FF0000"/>
-                </a:solidFill>
-              </a:endParaRPr>
             </a:p>
           </p:txBody>
         </p:sp>
@@ -12489,10 +12280,9 @@
             <a:p>
               <a:pPr algn="ctr"/>
               <a:r>
-                <a:rPr lang="en-US" dirty="0" smtClean="0"/>
+                <a:rPr lang="en-US" dirty="0"/>
                 <a:t>5</a:t>
               </a:r>
-              <a:endParaRPr lang="en-US" dirty="0"/>
             </a:p>
           </p:txBody>
         </p:sp>
@@ -12550,10 +12340,9 @@
               <a:p>
                 <a:pPr algn="ctr"/>
                 <a:r>
-                  <a:rPr lang="en-US" dirty="0" smtClean="0"/>
+                  <a:rPr lang="en-US" dirty="0"/>
                   <a:t>10</a:t>
                 </a:r>
-                <a:endParaRPr lang="en-US" dirty="0"/>
               </a:p>
             </p:txBody>
           </p:sp>
@@ -12597,10 +12386,9 @@
               <a:p>
                 <a:pPr algn="ctr"/>
                 <a:r>
-                  <a:rPr lang="en-US" dirty="0" smtClean="0"/>
+                  <a:rPr lang="en-US" dirty="0"/>
                   <a:t>20</a:t>
                 </a:r>
-                <a:endParaRPr lang="en-US" dirty="0"/>
               </a:p>
             </p:txBody>
           </p:sp>
@@ -12644,10 +12432,9 @@
               <a:p>
                 <a:pPr algn="ctr"/>
                 <a:r>
-                  <a:rPr lang="en-US" dirty="0" smtClean="0"/>
+                  <a:rPr lang="en-US" dirty="0"/>
                   <a:t>5</a:t>
                 </a:r>
-                <a:endParaRPr lang="en-US" dirty="0"/>
               </a:p>
             </p:txBody>
           </p:sp>
@@ -12807,18 +12594,13 @@
               <a:p>
                 <a:pPr algn="ctr"/>
                 <a:r>
-                  <a:rPr lang="en-US" sz="2000" dirty="0" smtClean="0">
+                  <a:rPr lang="en-US" sz="2000" dirty="0">
                     <a:solidFill>
                       <a:srgbClr val="FF0000"/>
                     </a:solidFill>
                   </a:rPr>
                   <a:t>box</a:t>
                 </a:r>
-                <a:endParaRPr lang="en-US" sz="2000" dirty="0">
-                  <a:solidFill>
-                    <a:srgbClr val="FF0000"/>
-                  </a:solidFill>
-                </a:endParaRPr>
               </a:p>
             </p:txBody>
           </p:sp>
@@ -13151,22 +12933,17 @@
               <a:defRPr/>
             </a:pPr>
             <a:r>
-              <a:rPr lang="en-US" dirty="0" smtClean="0"/>
+              <a:rPr lang="en-US" dirty="0"/>
               <a:t>Assignment Copies </a:t>
             </a:r>
             <a:r>
-              <a:rPr lang="en-US" dirty="0" smtClean="0">
+              <a:rPr lang="en-US" dirty="0">
                 <a:solidFill>
                   <a:schemeClr val="accent3"/>
                 </a:solidFill>
               </a:rPr>
               <a:t>Values</a:t>
             </a:r>
-            <a:endParaRPr lang="en-US" dirty="0">
-              <a:solidFill>
-                <a:schemeClr val="accent3"/>
-              </a:solidFill>
-            </a:endParaRPr>
           </a:p>
         </p:txBody>
       </p:sp>
@@ -13194,7 +12971,7 @@
               <a:defRPr/>
             </a:pPr>
             <a:r>
-              <a:rPr lang="en-US" dirty="0" smtClean="0">
+              <a:rPr lang="en-US" dirty="0">
                 <a:solidFill>
                   <a:srgbClr val="0070C0"/>
                 </a:solidFill>
@@ -13202,7 +12979,7 @@
               <a:t>Actual</a:t>
             </a:r>
             <a:r>
-              <a:rPr lang="en-US" dirty="0" smtClean="0"/>
+              <a:rPr lang="en-US" dirty="0"/>
               <a:t> value for number types</a:t>
             </a:r>
           </a:p>
@@ -13211,7 +12988,7 @@
               <a:defRPr/>
             </a:pPr>
             <a:r>
-              <a:rPr lang="en-US" b="1" dirty="0" smtClean="0">
+              <a:rPr lang="en-US" b="1" dirty="0">
                 <a:solidFill>
                   <a:schemeClr val="accent3"/>
                 </a:solidFill>
@@ -13219,7 +12996,7 @@
               <a:t>Reference</a:t>
             </a:r>
             <a:r>
-              <a:rPr lang="en-US" dirty="0" smtClean="0"/>
+              <a:rPr lang="en-US" dirty="0"/>
               <a:t> value for object types</a:t>
             </a:r>
           </a:p>
@@ -13228,11 +13005,11 @@
               <a:defRPr/>
             </a:pPr>
             <a:r>
-              <a:rPr lang="en-US" dirty="0" smtClean="0"/>
+              <a:rPr lang="en-US" dirty="0"/>
               <a:t>The actual </a:t>
             </a:r>
             <a:r>
-              <a:rPr lang="en-US" b="1" dirty="0" smtClean="0">
+              <a:rPr lang="en-US" b="1" dirty="0">
                 <a:solidFill>
                   <a:schemeClr val="accent3"/>
                 </a:solidFill>
@@ -13245,11 +13022,11 @@
               <a:defRPr/>
             </a:pPr>
             <a:r>
-              <a:rPr lang="en-US" dirty="0" smtClean="0"/>
+              <a:rPr lang="en-US" dirty="0"/>
               <a:t>The </a:t>
             </a:r>
             <a:r>
-              <a:rPr lang="en-US" b="1" dirty="0" smtClean="0">
+              <a:rPr lang="en-US" b="1" dirty="0">
                 <a:solidFill>
                   <a:schemeClr val="accent3"/>
                 </a:solidFill>
@@ -13257,11 +13034,11 @@
               <a:t>reference value </a:t>
             </a:r>
             <a:r>
-              <a:rPr lang="en-US" dirty="0" smtClean="0"/>
+              <a:rPr lang="en-US" dirty="0"/>
               <a:t>(“the pointer”) </a:t>
             </a:r>
             <a:r>
-              <a:rPr lang="en-US" b="1" dirty="0" smtClean="0">
+              <a:rPr lang="en-US" b="1" dirty="0">
                 <a:solidFill>
                   <a:schemeClr val="accent3"/>
                 </a:solidFill>
@@ -13274,7 +13051,7 @@
               <a:defRPr/>
             </a:pPr>
             <a:r>
-              <a:rPr lang="en-US" dirty="0" smtClean="0"/>
+              <a:rPr lang="en-US" dirty="0"/>
               <a:t>Consider:</a:t>
             </a:r>
           </a:p>
@@ -13376,15 +13153,6 @@
               </a:rPr>
               <a:t>y = 20;</a:t>
             </a:r>
-            <a:r>
-              <a:rPr lang="en-US" sz="2400" dirty="0">
-                <a:solidFill>
-                  <a:schemeClr val="accent3"/>
-                </a:solidFill>
-                <a:latin typeface="Lucida Sans Typewriter" pitchFamily="49" charset="0"/>
-              </a:rPr>
-              <a:t/>
-            </a:r>
             <a:br>
               <a:rPr lang="en-US" sz="2400" dirty="0">
                 <a:solidFill>
@@ -13413,25 +13181,7 @@
                 </a:solidFill>
                 <a:latin typeface="Lucida Sans Typewriter" pitchFamily="49" charset="0"/>
               </a:rPr>
-              <a:t>Rectangle box = new </a:t>
-            </a:r>
-            <a:r>
-              <a:rPr lang="en-US" sz="2400" dirty="0" smtClean="0">
-                <a:solidFill>
-                  <a:schemeClr val="accent3"/>
-                </a:solidFill>
-                <a:latin typeface="Lucida Sans Typewriter" pitchFamily="49" charset="0"/>
-              </a:rPr>
-              <a:t>Rectangle(5, 6, 7, 8</a:t>
-            </a:r>
-            <a:r>
-              <a:rPr lang="en-US" sz="2400" dirty="0">
-                <a:solidFill>
-                  <a:schemeClr val="accent3"/>
-                </a:solidFill>
-                <a:latin typeface="Lucida Sans Typewriter" pitchFamily="49" charset="0"/>
-              </a:rPr>
-              <a:t>);</a:t>
+              <a:t>Rectangle box = new Rectangle(5, 6, 7, 8);</a:t>
             </a:r>
           </a:p>
           <a:p>
@@ -13463,25 +13213,7 @@
                 </a:solidFill>
                 <a:latin typeface="Lucida Sans Typewriter" pitchFamily="49" charset="0"/>
               </a:rPr>
-              <a:t>box2.translate(4</a:t>
-            </a:r>
-            <a:r>
-              <a:rPr lang="en-US" sz="2400" dirty="0" smtClean="0">
-                <a:solidFill>
-                  <a:schemeClr val="accent3"/>
-                </a:solidFill>
-                <a:latin typeface="Lucida Sans Typewriter" pitchFamily="49" charset="0"/>
-              </a:rPr>
-              <a:t>, 4</a:t>
-            </a:r>
-            <a:r>
-              <a:rPr lang="en-US" sz="2400" dirty="0">
-                <a:solidFill>
-                  <a:schemeClr val="accent3"/>
-                </a:solidFill>
-                <a:latin typeface="Lucida Sans Typewriter" pitchFamily="49" charset="0"/>
-              </a:rPr>
-              <a:t>);</a:t>
+              <a:t>box2.translate(4, 4);</a:t>
             </a:r>
           </a:p>
         </p:txBody>
@@ -13540,10 +13272,9 @@
             <a:p>
               <a:pPr algn="ctr"/>
               <a:r>
-                <a:rPr lang="en-US" dirty="0" smtClean="0"/>
+                <a:rPr lang="en-US" dirty="0"/>
                 <a:t>10</a:t>
               </a:r>
-              <a:endParaRPr lang="en-US" dirty="0"/>
             </a:p>
           </p:txBody>
         </p:sp>
@@ -13588,18 +13319,13 @@
             <a:p>
               <a:pPr algn="ctr"/>
               <a:r>
-                <a:rPr lang="en-US" sz="2000" dirty="0" smtClean="0">
+                <a:rPr lang="en-US" sz="2000" dirty="0">
                   <a:solidFill>
                     <a:srgbClr val="FF0000"/>
                   </a:solidFill>
                 </a:rPr>
                 <a:t>x</a:t>
               </a:r>
-              <a:endParaRPr lang="en-US" sz="2000" dirty="0">
-                <a:solidFill>
-                  <a:srgbClr val="FF0000"/>
-                </a:solidFill>
-              </a:endParaRPr>
             </a:p>
           </p:txBody>
         </p:sp>
@@ -13658,10 +13384,9 @@
             <a:p>
               <a:pPr algn="ctr"/>
               <a:r>
-                <a:rPr lang="en-US" dirty="0" smtClean="0"/>
+                <a:rPr lang="en-US" dirty="0"/>
                 <a:t>10</a:t>
               </a:r>
-              <a:endParaRPr lang="en-US" dirty="0"/>
             </a:p>
           </p:txBody>
         </p:sp>
@@ -13706,18 +13431,13 @@
             <a:p>
               <a:pPr algn="ctr"/>
               <a:r>
-                <a:rPr lang="en-US" sz="2000" dirty="0" smtClean="0">
+                <a:rPr lang="en-US" sz="2000" dirty="0">
                   <a:solidFill>
                     <a:srgbClr val="FF0000"/>
                   </a:solidFill>
                 </a:rPr>
                 <a:t>y</a:t>
               </a:r>
-              <a:endParaRPr lang="en-US" sz="2000" dirty="0">
-                <a:solidFill>
-                  <a:srgbClr val="FF0000"/>
-                </a:solidFill>
-              </a:endParaRPr>
             </a:p>
           </p:txBody>
         </p:sp>
@@ -13776,10 +13496,9 @@
             <a:p>
               <a:pPr algn="ctr"/>
               <a:r>
-                <a:rPr lang="en-US" dirty="0" smtClean="0"/>
+                <a:rPr lang="en-US" dirty="0"/>
                 <a:t>8</a:t>
               </a:r>
-              <a:endParaRPr lang="en-US" dirty="0"/>
             </a:p>
           </p:txBody>
         </p:sp>
@@ -13837,10 +13556,9 @@
               <a:p>
                 <a:pPr algn="ctr"/>
                 <a:r>
-                  <a:rPr lang="en-US" dirty="0" smtClean="0"/>
+                  <a:rPr lang="en-US" dirty="0"/>
                   <a:t>5</a:t>
                 </a:r>
-                <a:endParaRPr lang="en-US" dirty="0"/>
               </a:p>
             </p:txBody>
           </p:sp>
@@ -13884,10 +13602,9 @@
               <a:p>
                 <a:pPr algn="ctr"/>
                 <a:r>
-                  <a:rPr lang="en-US" dirty="0" smtClean="0"/>
+                  <a:rPr lang="en-US" dirty="0"/>
                   <a:t>6</a:t>
                 </a:r>
-                <a:endParaRPr lang="en-US" dirty="0"/>
               </a:p>
             </p:txBody>
           </p:sp>
@@ -13931,10 +13648,9 @@
               <a:p>
                 <a:pPr algn="ctr"/>
                 <a:r>
-                  <a:rPr lang="en-US" dirty="0" smtClean="0"/>
+                  <a:rPr lang="en-US" dirty="0"/>
                   <a:t>7</a:t>
                 </a:r>
-                <a:endParaRPr lang="en-US" dirty="0"/>
               </a:p>
             </p:txBody>
           </p:sp>
@@ -14094,18 +13810,13 @@
               <a:p>
                 <a:pPr algn="ctr"/>
                 <a:r>
-                  <a:rPr lang="en-US" sz="2000" dirty="0" smtClean="0">
+                  <a:rPr lang="en-US" sz="2000" dirty="0">
                     <a:solidFill>
                       <a:srgbClr val="FF0000"/>
                     </a:solidFill>
                   </a:rPr>
                   <a:t>box</a:t>
                 </a:r>
-                <a:endParaRPr lang="en-US" sz="2000" dirty="0">
-                  <a:solidFill>
-                    <a:srgbClr val="FF0000"/>
-                  </a:solidFill>
-                </a:endParaRPr>
               </a:p>
             </p:txBody>
           </p:sp>
@@ -14170,7 +13881,7 @@
           <a:lstStyle/>
           <a:p>
             <a:r>
-              <a:rPr lang="en-US" sz="4800" b="1" dirty="0" smtClean="0">
+              <a:rPr lang="en-US" sz="4800" b="1" dirty="0">
                 <a:solidFill>
                   <a:srgbClr val="FF0000"/>
                 </a:solidFill>
@@ -14178,18 +13889,13 @@
               <a:t>× </a:t>
             </a:r>
             <a:r>
-              <a:rPr lang="en-US" sz="2400" b="1" dirty="0" smtClean="0">
+              <a:rPr lang="en-US" sz="2400" b="1" dirty="0">
                 <a:solidFill>
                   <a:srgbClr val="FF0000"/>
                 </a:solidFill>
               </a:rPr>
               <a:t>20</a:t>
             </a:r>
-            <a:endParaRPr lang="en-US" sz="2400" b="1" dirty="0">
-              <a:solidFill>
-                <a:srgbClr val="FF0000"/>
-              </a:solidFill>
-            </a:endParaRPr>
           </a:p>
         </p:txBody>
       </p:sp>
@@ -14305,18 +14011,13 @@
               <a:p>
                 <a:pPr algn="ctr"/>
                 <a:r>
-                  <a:rPr lang="en-US" sz="2000" dirty="0" smtClean="0">
+                  <a:rPr lang="en-US" sz="2000" dirty="0">
                     <a:solidFill>
                       <a:srgbClr val="FF0000"/>
                     </a:solidFill>
                   </a:rPr>
                   <a:t>box2  </a:t>
                 </a:r>
-                <a:endParaRPr lang="en-US" sz="2000" dirty="0">
-                  <a:solidFill>
-                    <a:srgbClr val="FF0000"/>
-                  </a:solidFill>
-                </a:endParaRPr>
               </a:p>
             </p:txBody>
           </p:sp>
@@ -14383,7 +14084,7 @@
           <a:lstStyle/>
           <a:p>
             <a:r>
-              <a:rPr lang="en-US" sz="4800" b="1" dirty="0" smtClean="0">
+              <a:rPr lang="en-US" sz="4800" b="1" dirty="0">
                 <a:solidFill>
                   <a:srgbClr val="FF0000"/>
                 </a:solidFill>
@@ -14391,18 +14092,13 @@
               <a:t>× </a:t>
             </a:r>
             <a:r>
-              <a:rPr lang="en-US" sz="2400" b="1" dirty="0" smtClean="0">
+              <a:rPr lang="en-US" sz="2400" b="1" dirty="0">
                 <a:solidFill>
                   <a:srgbClr val="FF0000"/>
                 </a:solidFill>
               </a:rPr>
               <a:t>9</a:t>
             </a:r>
-            <a:endParaRPr lang="en-US" sz="2400" b="1" dirty="0">
-              <a:solidFill>
-                <a:srgbClr val="FF0000"/>
-              </a:solidFill>
-            </a:endParaRPr>
           </a:p>
         </p:txBody>
       </p:sp>
@@ -14429,7 +14125,7 @@
           <a:lstStyle/>
           <a:p>
             <a:r>
-              <a:rPr lang="en-US" sz="4800" b="1" dirty="0" smtClean="0">
+              <a:rPr lang="en-US" sz="4800" b="1" dirty="0">
                 <a:solidFill>
                   <a:srgbClr val="FF0000"/>
                 </a:solidFill>
@@ -14437,18 +14133,13 @@
               <a:t>× </a:t>
             </a:r>
             <a:r>
-              <a:rPr lang="en-US" sz="2400" b="1" dirty="0" smtClean="0">
+              <a:rPr lang="en-US" sz="2400" b="1" dirty="0">
                 <a:solidFill>
                   <a:srgbClr val="FF0000"/>
                 </a:solidFill>
               </a:rPr>
               <a:t>10</a:t>
             </a:r>
-            <a:endParaRPr lang="en-US" sz="2400" b="1" dirty="0">
-              <a:solidFill>
-                <a:srgbClr val="FF0000"/>
-              </a:solidFill>
-            </a:endParaRPr>
           </a:p>
         </p:txBody>
       </p:sp>
@@ -19388,10 +19079,9 @@
           <a:lstStyle/>
           <a:p>
             <a:r>
-              <a:rPr lang="en-US" dirty="0" smtClean="0"/>
+              <a:rPr lang="en-US" dirty="0"/>
               <a:t>Boxes and lines exercise</a:t>
             </a:r>
-            <a:endParaRPr lang="en-US" dirty="0"/>
           </a:p>
         </p:txBody>
       </p:sp>
@@ -19459,7 +19149,7 @@
               <a:defRPr/>
             </a:pPr>
             <a:r>
-              <a:rPr lang="en-US" sz="1800" dirty="0" smtClean="0">
+              <a:rPr lang="en-US" sz="1800" dirty="0">
                 <a:solidFill>
                   <a:schemeClr val="bg1"/>
                 </a:solidFill>
@@ -19468,13 +19158,6 @@
               </a:rPr>
               <a:t>Q1 – Q11</a:t>
             </a:r>
-            <a:endParaRPr lang="en-US" sz="1800" dirty="0">
-              <a:solidFill>
-                <a:schemeClr val="bg1"/>
-              </a:solidFill>
-              <a:cs typeface="Arial" pitchFamily="34" charset="0"/>
-              <a:sym typeface="Arial" pitchFamily="34" charset="0"/>
-            </a:endParaRPr>
           </a:p>
         </p:txBody>
       </p:sp>
@@ -19488,13 +19171,6 @@
   <p:clrMapOvr>
     <a:masterClrMapping/>
   </p:clrMapOvr>
-  <p:timing>
-    <p:tnLst>
-      <p:par>
-        <p:cTn id="1" dur="indefinite" restart="never" nodeType="tmRoot"/>
-      </p:par>
-    </p:tnLst>
-  </p:timing>
 </p:sld>
 </file>
 

--- a/ClassMaterials/SimpleObjects/Slides/Classes and References.pptx
+++ b/ClassMaterials/SimpleObjects/Slides/Classes and References.pptx
@@ -5,7 +5,7 @@
     <p:sldMasterId id="2147483661" r:id="rId1"/>
   </p:sldMasterIdLst>
   <p:notesMasterIdLst>
-    <p:notesMasterId r:id="rId19"/>
+    <p:notesMasterId r:id="rId21"/>
   </p:notesMasterIdLst>
   <p:sldIdLst>
     <p:sldId id="256" r:id="rId2"/>
@@ -16,7 +16,7 @@
     <p:sldId id="261" r:id="rId7"/>
     <p:sldId id="262" r:id="rId8"/>
     <p:sldId id="263" r:id="rId9"/>
-    <p:sldId id="264" r:id="rId10"/>
+    <p:sldId id="274" r:id="rId10"/>
     <p:sldId id="265" r:id="rId11"/>
     <p:sldId id="266" r:id="rId12"/>
     <p:sldId id="273" r:id="rId13"/>
@@ -24,7 +24,9 @@
     <p:sldId id="269" r:id="rId15"/>
     <p:sldId id="270" r:id="rId16"/>
     <p:sldId id="271" r:id="rId17"/>
-    <p:sldId id="272" r:id="rId18"/>
+    <p:sldId id="275" r:id="rId18"/>
+    <p:sldId id="276" r:id="rId19"/>
+    <p:sldId id="272" r:id="rId20"/>
   </p:sldIdLst>
   <p:sldSz cx="9144000" cy="6858000" type="screen4x3"/>
   <p:notesSz cx="7315200" cy="9601200"/>
@@ -979,6 +981,176 @@
       </p:grpSpPr>
       <p:sp>
         <p:nvSpPr>
+          <p:cNvPr id="2" name="Slide Image Placeholder 1"/>
+          <p:cNvSpPr>
+            <a:spLocks noGrp="1" noRot="1" noChangeAspect="1"/>
+          </p:cNvSpPr>
+          <p:nvPr>
+            <p:ph type="sldImg"/>
+          </p:nvPr>
+        </p:nvSpPr>
+        <p:spPr>
+          <a:xfrm>
+            <a:off x="1497013" y="1200150"/>
+            <a:ext cx="4321175" cy="3240088"/>
+          </a:xfrm>
+          <a:prstGeom prst="rect">
+            <a:avLst/>
+          </a:prstGeom>
+          <a:noFill/>
+          <a:ln w="12700">
+            <a:solidFill>
+              <a:prstClr val="black"/>
+            </a:solidFill>
+          </a:ln>
+        </p:spPr>
+      </p:sp>
+      <p:sp>
+        <p:nvSpPr>
+          <p:cNvPr id="3" name="Notes Placeholder 2"/>
+          <p:cNvSpPr>
+            <a:spLocks noGrp="1"/>
+          </p:cNvSpPr>
+          <p:nvPr>
+            <p:ph type="body" idx="1"/>
+          </p:nvPr>
+        </p:nvSpPr>
+        <p:spPr/>
+        <p:txBody>
+          <a:bodyPr/>
+          <a:lstStyle/>
+          <a:p>
+            <a:r>
+              <a:rPr lang="en-US" dirty="0"/>
+              <a:t>Prompt</a:t>
+            </a:r>
+            <a:r>
+              <a:rPr lang="en-US" baseline="0" dirty="0"/>
+              <a:t> the students, which is static? Which is non-static/instance?</a:t>
+            </a:r>
+          </a:p>
+          <a:p>
+            <a:r>
+              <a:rPr lang="en-US" baseline="0" dirty="0"/>
+              <a:t>Might consider asking the students to role play as point A and point B and point C, ask a random student how far apart A and B are? </a:t>
+            </a:r>
+          </a:p>
+          <a:p>
+            <a:r>
+              <a:rPr lang="en-US" baseline="0" dirty="0"/>
+              <a:t>Then ask A how far away he/she is from B? Then ask C how far away they are from B?</a:t>
+            </a:r>
+          </a:p>
+          <a:p>
+            <a:r>
+              <a:rPr lang="en-US" baseline="0" dirty="0"/>
+              <a:t>It DEPENDS upon who you ask with and instance call, but it does matter who you ask with a static call.</a:t>
+            </a:r>
+          </a:p>
+          <a:p>
+            <a:endParaRPr lang="en-US" baseline="0" dirty="0"/>
+          </a:p>
+          <a:p>
+            <a:r>
+              <a:rPr lang="en-US" baseline="0" dirty="0"/>
+              <a:t>Then live code the </a:t>
+            </a:r>
+            <a:r>
+              <a:rPr lang="en-US" baseline="0" dirty="0" smtClean="0"/>
+              <a:t>class </a:t>
+            </a:r>
+            <a:r>
+              <a:rPr lang="en-US" baseline="0" dirty="0"/>
+              <a:t>methods with them.  </a:t>
+            </a:r>
+            <a:r>
+              <a:rPr lang="en-US" baseline="0" dirty="0" err="1"/>
+              <a:t>distanceFormulaCalc</a:t>
+            </a:r>
+            <a:r>
+              <a:rPr lang="en-US" baseline="0" dirty="0"/>
+              <a:t> is provided to make this as quick as possible.</a:t>
+            </a:r>
+            <a:endParaRPr lang="en-US" dirty="0"/>
+          </a:p>
+        </p:txBody>
+      </p:sp>
+      <p:sp>
+        <p:nvSpPr>
+          <p:cNvPr id="4" name="Slide Number Placeholder 3"/>
+          <p:cNvSpPr>
+            <a:spLocks noGrp="1"/>
+          </p:cNvSpPr>
+          <p:nvPr>
+            <p:ph type="sldNum" idx="10"/>
+          </p:nvPr>
+        </p:nvSpPr>
+        <p:spPr/>
+        <p:txBody>
+          <a:bodyPr/>
+          <a:lstStyle/>
+          <a:p>
+            <a:pPr algn="r"/>
+            <a:fld id="{18E27A71-88A0-42AC-8446-7577892AB166}" type="slidenum">
+              <a:rPr lang="en-US" sz="1400" b="0" strike="noStrike" spc="-1" smtClean="0">
+                <a:solidFill>
+                  <a:srgbClr val="000000"/>
+                </a:solidFill>
+                <a:uFill>
+                  <a:solidFill>
+                    <a:srgbClr val="FFFFFF"/>
+                  </a:solidFill>
+                </a:uFill>
+                <a:latin typeface="Times New Roman"/>
+              </a:rPr>
+              <a:t>17</a:t>
+            </a:fld>
+            <a:endParaRPr lang="en-US" sz="1400" b="0" strike="noStrike" spc="-1">
+              <a:solidFill>
+                <a:srgbClr val="000000"/>
+              </a:solidFill>
+              <a:uFill>
+                <a:solidFill>
+                  <a:srgbClr val="FFFFFF"/>
+                </a:solidFill>
+              </a:uFill>
+              <a:latin typeface="Times New Roman"/>
+            </a:endParaRPr>
+          </a:p>
+        </p:txBody>
+      </p:sp>
+    </p:spTree>
+    <p:extLst>
+      <p:ext uri="{BB962C8B-B14F-4D97-AF65-F5344CB8AC3E}">
+        <p14:creationId xmlns:p14="http://schemas.microsoft.com/office/powerpoint/2010/main" val="3558536368"/>
+      </p:ext>
+    </p:extLst>
+  </p:cSld>
+  <p:clrMapOvr>
+    <a:masterClrMapping/>
+  </p:clrMapOvr>
+</p:notes>
+</file>
+
+<file path=ppt/notesSlides/notesSlide14.xml><?xml version="1.0" encoding="utf-8"?>
+<p:notes xmlns:a="http://schemas.openxmlformats.org/drawingml/2006/main" xmlns:r="http://schemas.openxmlformats.org/officeDocument/2006/relationships" xmlns:p="http://schemas.openxmlformats.org/presentationml/2006/main">
+  <p:cSld>
+    <p:spTree>
+      <p:nvGrpSpPr>
+        <p:cNvPr id="1" name=""/>
+        <p:cNvGrpSpPr/>
+        <p:nvPr/>
+      </p:nvGrpSpPr>
+      <p:grpSpPr>
+        <a:xfrm>
+          <a:off x="0" y="0"/>
+          <a:ext cx="0" cy="0"/>
+          <a:chOff x="0" y="0"/>
+          <a:chExt cx="0" cy="0"/>
+        </a:xfrm>
+      </p:grpSpPr>
+      <p:sp>
+        <p:nvSpPr>
           <p:cNvPr id="248" name="PlaceHolder 1"/>
           <p:cNvSpPr>
             <a:spLocks noGrp="1"/>
@@ -1055,7 +1227,7 @@
                 <a:latin typeface="Calibri"/>
                 <a:ea typeface="+mn-ea"/>
               </a:rPr>
-              <a:t>17</a:t>
+              <a:t>19</a:t>
             </a:fld>
             <a:endParaRPr lang="en-US" sz="1400" b="0" strike="noStrike" spc="-1">
               <a:solidFill>
@@ -2351,7 +2523,7 @@
     </p:spTree>
     <p:extLst>
       <p:ext uri="{BB962C8B-B14F-4D97-AF65-F5344CB8AC3E}">
-        <p14:creationId xmlns:p14="http://schemas.microsoft.com/office/powerpoint/2010/main" val="1274638015"/>
+        <p14:creationId xmlns:p14="http://schemas.microsoft.com/office/powerpoint/2010/main" val="2835313470"/>
       </p:ext>
     </p:extLst>
   </p:cSld>
@@ -3099,7 +3271,7 @@
               <a:pPr>
                 <a:defRPr/>
               </a:pPr>
-              <a:t>Sunday, September 9, 2018</a:t>
+              <a:t>Saturday, February 29, 2020</a:t>
             </a:fld>
             <a:endParaRPr lang="en-US" dirty="0"/>
           </a:p>
@@ -3282,7 +3454,7 @@
               <a:pPr>
                 <a:defRPr/>
               </a:pPr>
-              <a:t>Sunday, September 9, 2018</a:t>
+              <a:t>Saturday, February 29, 2020</a:t>
             </a:fld>
             <a:endParaRPr lang="en-US" dirty="0"/>
           </a:p>
@@ -3542,7 +3714,7 @@
               <a:pPr>
                 <a:defRPr/>
               </a:pPr>
-              <a:t>Sunday, September 9, 2018</a:t>
+              <a:t>Saturday, February 29, 2020</a:t>
             </a:fld>
             <a:endParaRPr lang="en-US"/>
           </a:p>
@@ -11194,6 +11366,254 @@
 </file>
 
 <file path=ppt/slides/slide17.xml><?xml version="1.0" encoding="utf-8"?>
+<p:sld xmlns:a="http://schemas.openxmlformats.org/drawingml/2006/main" xmlns:r="http://schemas.openxmlformats.org/officeDocument/2006/relationships" xmlns:p="http://schemas.openxmlformats.org/presentationml/2006/main">
+  <p:cSld>
+    <p:spTree>
+      <p:nvGrpSpPr>
+        <p:cNvPr id="1" name=""/>
+        <p:cNvGrpSpPr/>
+        <p:nvPr/>
+      </p:nvGrpSpPr>
+      <p:grpSpPr>
+        <a:xfrm>
+          <a:off x="0" y="0"/>
+          <a:ext cx="0" cy="0"/>
+          <a:chOff x="0" y="0"/>
+          <a:chExt cx="0" cy="0"/>
+        </a:xfrm>
+      </p:grpSpPr>
+      <p:sp>
+        <p:nvSpPr>
+          <p:cNvPr id="2" name="Title 1"/>
+          <p:cNvSpPr>
+            <a:spLocks noGrp="1"/>
+          </p:cNvSpPr>
+          <p:nvPr>
+            <p:ph type="title"/>
+          </p:nvPr>
+        </p:nvSpPr>
+        <p:spPr/>
+        <p:txBody>
+          <a:bodyPr/>
+          <a:lstStyle/>
+          <a:p>
+            <a:r>
+              <a:rPr lang="en-US" dirty="0"/>
+              <a:t>Two ways to do one thing:</a:t>
+            </a:r>
+            <a:br>
+              <a:rPr lang="en-US" dirty="0"/>
+            </a:br>
+            <a:r>
+              <a:rPr lang="en-US" dirty="0"/>
+              <a:t>Static and Instance</a:t>
+            </a:r>
+          </a:p>
+        </p:txBody>
+      </p:sp>
+      <p:sp>
+        <p:nvSpPr>
+          <p:cNvPr id="3" name="Content Placeholder 2"/>
+          <p:cNvSpPr>
+            <a:spLocks noGrp="1"/>
+          </p:cNvSpPr>
+          <p:nvPr>
+            <p:ph idx="1"/>
+          </p:nvPr>
+        </p:nvSpPr>
+        <p:spPr/>
+        <p:txBody>
+          <a:bodyPr/>
+          <a:lstStyle/>
+          <a:p>
+            <a:r>
+              <a:rPr lang="en-US" dirty="0"/>
+              <a:t>Consider the Point class we used as a Quiz</a:t>
+            </a:r>
+          </a:p>
+          <a:p>
+            <a:r>
+              <a:rPr lang="en-US" dirty="0"/>
+              <a:t>Let’s write code to enable the </a:t>
+            </a:r>
+            <a:r>
+              <a:rPr lang="en-US" dirty="0" smtClean="0"/>
+              <a:t>following </a:t>
+            </a:r>
+            <a:r>
+              <a:rPr lang="en-US" dirty="0"/>
+              <a:t>to run</a:t>
+            </a:r>
+          </a:p>
+          <a:p>
+            <a:endParaRPr lang="en-US" dirty="0"/>
+          </a:p>
+          <a:p>
+            <a:pPr marL="0" indent="0">
+              <a:buNone/>
+            </a:pPr>
+            <a:r>
+              <a:rPr lang="en-US" dirty="0"/>
+              <a:t>Point a = new Point( 0</a:t>
+            </a:r>
+            <a:r>
+              <a:rPr lang="en-US" dirty="0" smtClean="0"/>
+              <a:t>, 0 </a:t>
+            </a:r>
+            <a:r>
+              <a:rPr lang="en-US" dirty="0"/>
+              <a:t>);</a:t>
+            </a:r>
+          </a:p>
+          <a:p>
+            <a:pPr marL="0" indent="0">
+              <a:buNone/>
+            </a:pPr>
+            <a:r>
+              <a:rPr lang="en-US" dirty="0"/>
+              <a:t>Point b = new Point( 3, 4);</a:t>
+            </a:r>
+          </a:p>
+          <a:p>
+            <a:pPr marL="0" indent="0">
+              <a:buNone/>
+            </a:pPr>
+            <a:r>
+              <a:rPr lang="en-US" dirty="0" err="1"/>
+              <a:t>System.out.println</a:t>
+            </a:r>
+            <a:r>
+              <a:rPr lang="en-US" dirty="0"/>
+              <a:t>(   </a:t>
+            </a:r>
+            <a:r>
+              <a:rPr lang="en-US" dirty="0" err="1"/>
+              <a:t>Point.distanceBetween</a:t>
+            </a:r>
+            <a:r>
+              <a:rPr lang="en-US" dirty="0"/>
+              <a:t>(</a:t>
+            </a:r>
+            <a:r>
+              <a:rPr lang="en-US" dirty="0" err="1"/>
+              <a:t>a,b</a:t>
+            </a:r>
+            <a:r>
+              <a:rPr lang="en-US" dirty="0"/>
+              <a:t>) );</a:t>
+            </a:r>
+          </a:p>
+          <a:p>
+            <a:pPr marL="0" indent="0">
+              <a:buNone/>
+            </a:pPr>
+            <a:r>
+              <a:rPr lang="en-US" dirty="0" err="1"/>
+              <a:t>System.out.println</a:t>
+            </a:r>
+            <a:r>
+              <a:rPr lang="en-US" dirty="0"/>
+              <a:t>(  </a:t>
+            </a:r>
+            <a:r>
+              <a:rPr lang="en-US" dirty="0" err="1"/>
+              <a:t>a.distanceTo</a:t>
+            </a:r>
+            <a:r>
+              <a:rPr lang="en-US" dirty="0"/>
+              <a:t>( b ) );</a:t>
+            </a:r>
+          </a:p>
+          <a:p>
+            <a:endParaRPr lang="en-US" dirty="0"/>
+          </a:p>
+        </p:txBody>
+      </p:sp>
+    </p:spTree>
+    <p:extLst>
+      <p:ext uri="{BB962C8B-B14F-4D97-AF65-F5344CB8AC3E}">
+        <p14:creationId xmlns:p14="http://schemas.microsoft.com/office/powerpoint/2010/main" val="377410102"/>
+      </p:ext>
+    </p:extLst>
+  </p:cSld>
+  <p:clrMapOvr>
+    <a:masterClrMapping/>
+  </p:clrMapOvr>
+</p:sld>
+</file>
+
+<file path=ppt/slides/slide18.xml><?xml version="1.0" encoding="utf-8"?>
+<p:sld xmlns:a="http://schemas.openxmlformats.org/drawingml/2006/main" xmlns:r="http://schemas.openxmlformats.org/officeDocument/2006/relationships" xmlns:p="http://schemas.openxmlformats.org/presentationml/2006/main">
+  <p:cSld>
+    <p:spTree>
+      <p:nvGrpSpPr>
+        <p:cNvPr id="1" name=""/>
+        <p:cNvGrpSpPr/>
+        <p:nvPr/>
+      </p:nvGrpSpPr>
+      <p:grpSpPr>
+        <a:xfrm>
+          <a:off x="0" y="0"/>
+          <a:ext cx="0" cy="0"/>
+          <a:chOff x="0" y="0"/>
+          <a:chExt cx="0" cy="0"/>
+        </a:xfrm>
+      </p:grpSpPr>
+      <p:sp>
+        <p:nvSpPr>
+          <p:cNvPr id="2" name="Title 1"/>
+          <p:cNvSpPr>
+            <a:spLocks noGrp="1"/>
+          </p:cNvSpPr>
+          <p:nvPr>
+            <p:ph type="title"/>
+          </p:nvPr>
+        </p:nvSpPr>
+        <p:spPr/>
+        <p:txBody>
+          <a:bodyPr/>
+          <a:lstStyle/>
+          <a:p>
+            <a:r>
+              <a:rPr lang="en-US" dirty="0"/>
+              <a:t>Live code</a:t>
+            </a:r>
+          </a:p>
+        </p:txBody>
+      </p:sp>
+      <p:sp>
+        <p:nvSpPr>
+          <p:cNvPr id="3" name="Content Placeholder 2"/>
+          <p:cNvSpPr>
+            <a:spLocks noGrp="1"/>
+          </p:cNvSpPr>
+          <p:nvPr>
+            <p:ph idx="1"/>
+          </p:nvPr>
+        </p:nvSpPr>
+        <p:spPr/>
+        <p:txBody>
+          <a:bodyPr/>
+          <a:lstStyle/>
+          <a:p>
+            <a:endParaRPr lang="en-US"/>
+          </a:p>
+        </p:txBody>
+      </p:sp>
+    </p:spTree>
+    <p:extLst>
+      <p:ext uri="{BB962C8B-B14F-4D97-AF65-F5344CB8AC3E}">
+        <p14:creationId xmlns:p14="http://schemas.microsoft.com/office/powerpoint/2010/main" val="614844681"/>
+      </p:ext>
+    </p:extLst>
+  </p:cSld>
+  <p:clrMapOvr>
+    <a:masterClrMapping/>
+  </p:clrMapOvr>
+</p:sld>
+</file>
+
+<file path=ppt/slides/slide19.xml><?xml version="1.0" encoding="utf-8"?>
 <p:sld xmlns:a="http://schemas.openxmlformats.org/drawingml/2006/main" xmlns:r="http://schemas.openxmlformats.org/officeDocument/2006/relationships" xmlns:p="http://schemas.openxmlformats.org/presentationml/2006/main">
   <p:cSld>
     <p:spTree>
@@ -13152,6 +13572,15 @@
                 <a:latin typeface="Lucida Sans Typewriter" pitchFamily="49" charset="0"/>
               </a:rPr>
               <a:t>y = 20;</a:t>
+            </a:r>
+            <a:r>
+              <a:rPr lang="en-US" sz="2400" dirty="0">
+                <a:solidFill>
+                  <a:schemeClr val="accent3"/>
+                </a:solidFill>
+                <a:latin typeface="Lucida Sans Typewriter" pitchFamily="49" charset="0"/>
+              </a:rPr>
+              <a:t/>
             </a:r>
             <a:br>
               <a:rPr lang="en-US" sz="2400" dirty="0">
@@ -19100,7 +19529,92 @@
           <a:bodyPr/>
           <a:lstStyle/>
           <a:p>
-            <a:endParaRPr lang="en-US"/>
+            <a:r>
+              <a:rPr lang="en-US" spc="-1" dirty="0">
+                <a:solidFill>
+                  <a:srgbClr val="000000"/>
+                </a:solidFill>
+                <a:uFill>
+                  <a:solidFill>
+                    <a:srgbClr val="FFFFFF"/>
+                  </a:solidFill>
+                </a:uFill>
+              </a:rPr>
+              <a:t>NO ARROWS FOR PRIMITIVES!</a:t>
+            </a:r>
+          </a:p>
+          <a:p>
+            <a:r>
+              <a:rPr lang="en-US" spc="-1" dirty="0">
+                <a:solidFill>
+                  <a:srgbClr val="000000"/>
+                </a:solidFill>
+                <a:uFill>
+                  <a:solidFill>
+                    <a:srgbClr val="FFFFFF"/>
+                  </a:solidFill>
+                </a:uFill>
+              </a:rPr>
+              <a:t>Key word new is a clue… draw a box</a:t>
+            </a:r>
+          </a:p>
+          <a:p>
+            <a:r>
+              <a:rPr lang="en-US" spc="-1" dirty="0">
+                <a:solidFill>
+                  <a:srgbClr val="000000"/>
+                </a:solidFill>
+                <a:uFill>
+                  <a:solidFill>
+                    <a:srgbClr val="FFFFFF"/>
+                  </a:solidFill>
+                </a:uFill>
+              </a:rPr>
+              <a:t>When you pass an Object into a method YOU PASS THE REFERENCE, so if you change it, it changes elsewhere!</a:t>
+            </a:r>
+          </a:p>
+          <a:p>
+            <a:r>
+              <a:rPr lang="en-US" spc="-1" dirty="0">
+                <a:solidFill>
+                  <a:srgbClr val="000000"/>
+                </a:solidFill>
+                <a:uFill>
+                  <a:solidFill>
+                    <a:srgbClr val="FFFFFF"/>
+                  </a:solidFill>
+                </a:uFill>
+                <a:sym typeface="Wingdings" panose="05000000000000000000" pitchFamily="2" charset="2"/>
+              </a:rPr>
+              <a:t>Notice arrow pointing to null,  null is not in a </a:t>
+            </a:r>
+            <a:r>
+              <a:rPr lang="en-US" spc="-1" dirty="0" smtClean="0">
+                <a:solidFill>
+                  <a:srgbClr val="000000"/>
+                </a:solidFill>
+                <a:uFill>
+                  <a:solidFill>
+                    <a:srgbClr val="FFFFFF"/>
+                  </a:solidFill>
+                </a:uFill>
+                <a:sym typeface="Wingdings" panose="05000000000000000000" pitchFamily="2" charset="2"/>
+              </a:rPr>
+              <a:t>box!</a:t>
+            </a:r>
+          </a:p>
+          <a:p>
+            <a:r>
+              <a:rPr lang="en-US" dirty="0" smtClean="0"/>
+              <a:t>SMALL </a:t>
+            </a:r>
+            <a:r>
+              <a:rPr lang="en-US" dirty="0"/>
+              <a:t>BOXES MUST NOT POINT TO OTHER  SMALL BOXES</a:t>
+            </a:r>
+          </a:p>
+          <a:p>
+            <a:endParaRPr lang="en-US" dirty="0"/>
           </a:p>
         </p:txBody>
       </p:sp>
@@ -19164,7 +19678,7 @@
     </p:spTree>
     <p:extLst>
       <p:ext uri="{BB962C8B-B14F-4D97-AF65-F5344CB8AC3E}">
-        <p14:creationId xmlns:p14="http://schemas.microsoft.com/office/powerpoint/2010/main" val="3295021768"/>
+        <p14:creationId xmlns:p14="http://schemas.microsoft.com/office/powerpoint/2010/main" val="792907088"/>
       </p:ext>
     </p:extLst>
   </p:cSld>

--- a/ClassMaterials/SimpleObjects/Slides/Classes and References.pptx
+++ b/ClassMaterials/SimpleObjects/Slides/Classes and References.pptx
@@ -1053,15 +1053,7 @@
           <a:p>
             <a:r>
               <a:rPr lang="en-US" baseline="0" dirty="0"/>
-              <a:t>Then live code the </a:t>
-            </a:r>
-            <a:r>
-              <a:rPr lang="en-US" baseline="0" dirty="0" smtClean="0"/>
-              <a:t>class </a:t>
-            </a:r>
-            <a:r>
-              <a:rPr lang="en-US" baseline="0" dirty="0"/>
-              <a:t>methods with them.  </a:t>
+              <a:t>Then live code the class methods with them.  </a:t>
             </a:r>
             <a:r>
               <a:rPr lang="en-US" baseline="0" dirty="0" err="1"/>
@@ -3271,7 +3263,7 @@
               <a:pPr>
                 <a:defRPr/>
               </a:pPr>
-              <a:t>Saturday, February 29, 2020</a:t>
+              <a:t>Thursday, February 24, 2022</a:t>
             </a:fld>
             <a:endParaRPr lang="en-US" dirty="0"/>
           </a:p>
@@ -3454,7 +3446,7 @@
               <a:pPr>
                 <a:defRPr/>
               </a:pPr>
-              <a:t>Saturday, February 29, 2020</a:t>
+              <a:t>Thursday, February 24, 2022</a:t>
             </a:fld>
             <a:endParaRPr lang="en-US" dirty="0"/>
           </a:p>
@@ -3714,7 +3706,7 @@
               <a:pPr>
                 <a:defRPr/>
               </a:pPr>
-              <a:t>Saturday, February 29, 2020</a:t>
+              <a:t>Thursday, February 24, 2022</a:t>
             </a:fld>
             <a:endParaRPr lang="en-US"/>
           </a:p>
@@ -5720,14 +5712,20 @@
       </p:sp>
       <p:sp>
         <p:nvSpPr>
-          <p:cNvPr id="4" name="TextBox 3"/>
-          <p:cNvSpPr txBox="1"/>
+          <p:cNvPr id="5" name="Rectangle 4">
+            <a:extLst>
+              <a:ext uri="{FF2B5EF4-FFF2-40B4-BE49-F238E27FC236}">
+                <a16:creationId xmlns:a16="http://schemas.microsoft.com/office/drawing/2014/main" id="{087EAB85-341F-9043-914D-264E2BF7A246}"/>
+              </a:ext>
+            </a:extLst>
+          </p:cNvPr>
+          <p:cNvSpPr/>
           <p:nvPr/>
         </p:nvSpPr>
         <p:spPr>
           <a:xfrm>
-            <a:off x="0" y="5279936"/>
-            <a:ext cx="9144000" cy="954107"/>
+            <a:off x="304800" y="4762500"/>
+            <a:ext cx="8534400" cy="1565186"/>
           </a:xfrm>
           <a:prstGeom prst="rect">
             <a:avLst/>
@@ -5750,51 +5748,66 @@
           </a:fontRef>
         </p:style>
         <p:txBody>
-          <a:bodyPr wrap="square">
-            <a:spAutoFit/>
-          </a:bodyPr>
+          <a:bodyPr rtlCol="0" anchor="ctr"/>
           <a:lstStyle/>
           <a:p>
-            <a:pPr>
-              <a:defRPr/>
+            <a:r>
+              <a:rPr lang="en-US" sz="2400" dirty="0">
+                <a:solidFill>
+                  <a:srgbClr val="FFFFFF"/>
+                </a:solidFill>
+              </a:rPr>
+              <a:t>The </a:t>
+            </a:r>
+            <a:r>
+              <a:rPr lang="en-US" sz="2400" i="1" dirty="0">
+                <a:solidFill>
+                  <a:srgbClr val="FFFFFF"/>
+                </a:solidFill>
+              </a:rPr>
+              <a:t>git</a:t>
+            </a:r>
+            <a:r>
+              <a:rPr lang="en-US" sz="2400" dirty="0">
+                <a:solidFill>
+                  <a:srgbClr val="FFFFFF"/>
+                </a:solidFill>
+              </a:rPr>
+              <a:t> projects for today are:</a:t>
+            </a:r>
+          </a:p>
+          <a:p>
+            <a:pPr marL="342900" indent="-342900">
+              <a:buFont typeface="Arial" panose="020B0604020202020204" pitchFamily="34" charset="0"/>
+              <a:buChar char="•"/>
             </a:pPr>
             <a:r>
-              <a:rPr lang="en-US" sz="2800" dirty="0"/>
-              <a:t>Import </a:t>
-            </a:r>
-            <a:r>
-              <a:rPr lang="en-US" sz="2800" i="1" dirty="0" err="1"/>
-              <a:t>SuperSimpleObjects</a:t>
-            </a:r>
-            <a:r>
-              <a:rPr lang="en-US" sz="2800" dirty="0"/>
-              <a:t> from repo</a:t>
-            </a:r>
-          </a:p>
-          <a:p>
-            <a:pPr>
-              <a:defRPr/>
+              <a:rPr lang="en-US" sz="2400" i="1" dirty="0" err="1"/>
+              <a:t>PracticeSuperSimpleObjects</a:t>
+            </a:r>
+            <a:endParaRPr lang="en-US" sz="2400" i="1" dirty="0"/>
+          </a:p>
+          <a:p>
+            <a:pPr marL="342900" indent="-342900">
+              <a:buFont typeface="Arial" panose="020B0604020202020204" pitchFamily="34" charset="0"/>
+              <a:buChar char="•"/>
             </a:pPr>
             <a:r>
-              <a:rPr lang="en-US" sz="2800" dirty="0"/>
-              <a:t>Import</a:t>
-            </a:r>
-            <a:r>
-              <a:rPr lang="en-US" sz="2800" i="1" dirty="0"/>
-              <a:t> </a:t>
-            </a:r>
-            <a:r>
-              <a:rPr lang="en-US" sz="2800" i="1" dirty="0" err="1"/>
-              <a:t>TeamGradebook</a:t>
-            </a:r>
-            <a:r>
-              <a:rPr lang="en-US" sz="2800" i="1" dirty="0"/>
-              <a:t> </a:t>
-            </a:r>
-            <a:r>
-              <a:rPr lang="en-US" sz="2800" dirty="0"/>
-              <a:t>from repo</a:t>
-            </a:r>
+              <a:rPr lang="en-US" sz="2400" i="1" dirty="0" err="1"/>
+              <a:t>PracticeSuperSimpleObjectsSolution</a:t>
+            </a:r>
+            <a:endParaRPr lang="en-US" sz="2400" i="1" dirty="0"/>
+          </a:p>
+          <a:p>
+            <a:pPr marL="342900" indent="-342900">
+              <a:buFont typeface="Arial" panose="020B0604020202020204" pitchFamily="34" charset="0"/>
+              <a:buChar char="•"/>
+            </a:pPr>
+            <a:r>
+              <a:rPr lang="en-US" sz="2400" i="1" dirty="0" err="1"/>
+              <a:t>PracticeSuperSimpleObjectsBoxAndPointers</a:t>
+            </a:r>
+            <a:endParaRPr lang="en-US" sz="2400" i="1" dirty="0"/>
           </a:p>
         </p:txBody>
       </p:sp>
@@ -11434,15 +11447,7 @@
           <a:p>
             <a:r>
               <a:rPr lang="en-US" dirty="0"/>
-              <a:t>Let’s write code to enable the </a:t>
-            </a:r>
-            <a:r>
-              <a:rPr lang="en-US" dirty="0" smtClean="0"/>
-              <a:t>following </a:t>
-            </a:r>
-            <a:r>
-              <a:rPr lang="en-US" dirty="0"/>
-              <a:t>to run</a:t>
+              <a:t>Let’s write code to enable the following to run</a:t>
             </a:r>
           </a:p>
           <a:p>
@@ -11454,15 +11459,7 @@
             </a:pPr>
             <a:r>
               <a:rPr lang="en-US" dirty="0"/>
-              <a:t>Point a = new Point( 0</a:t>
-            </a:r>
-            <a:r>
-              <a:rPr lang="en-US" dirty="0" smtClean="0"/>
-              <a:t>, 0 </a:t>
-            </a:r>
-            <a:r>
-              <a:rPr lang="en-US" dirty="0"/>
-              <a:t>);</a:t>
+              <a:t>Point a = new Point( 0, 0 );</a:t>
             </a:r>
           </a:p>
           <a:p>
@@ -13572,15 +13569,6 @@
                 <a:latin typeface="Lucida Sans Typewriter" pitchFamily="49" charset="0"/>
               </a:rPr>
               <a:t>y = 20;</a:t>
-            </a:r>
-            <a:r>
-              <a:rPr lang="en-US" sz="2400" dirty="0">
-                <a:solidFill>
-                  <a:schemeClr val="accent3"/>
-                </a:solidFill>
-                <a:latin typeface="Lucida Sans Typewriter" pitchFamily="49" charset="0"/>
-              </a:rPr>
-              <a:t/>
             </a:r>
             <a:br>
               <a:rPr lang="en-US" sz="2400" dirty="0">
@@ -19586,31 +19574,13 @@
                 </a:uFill>
                 <a:sym typeface="Wingdings" panose="05000000000000000000" pitchFamily="2" charset="2"/>
               </a:rPr>
-              <a:t>Notice arrow pointing to null,  null is not in a </a:t>
-            </a:r>
-            <a:r>
-              <a:rPr lang="en-US" spc="-1" dirty="0" smtClean="0">
-                <a:solidFill>
-                  <a:srgbClr val="000000"/>
-                </a:solidFill>
-                <a:uFill>
-                  <a:solidFill>
-                    <a:srgbClr val="FFFFFF"/>
-                  </a:solidFill>
-                </a:uFill>
-                <a:sym typeface="Wingdings" panose="05000000000000000000" pitchFamily="2" charset="2"/>
-              </a:rPr>
-              <a:t>box!</a:t>
-            </a:r>
-          </a:p>
-          <a:p>
-            <a:r>
-              <a:rPr lang="en-US" dirty="0" smtClean="0"/>
-              <a:t>SMALL </a:t>
-            </a:r>
+              <a:t>Notice arrow pointing to null,  null is not in a box!</a:t>
+            </a:r>
+          </a:p>
+          <a:p>
             <a:r>
               <a:rPr lang="en-US" dirty="0"/>
-              <a:t>BOXES MUST NOT POINT TO OTHER  SMALL BOXES</a:t>
+              <a:t>SMALL BOXES MUST NOT POINT TO OTHER  SMALL BOXES</a:t>
             </a:r>
           </a:p>
           <a:p>

--- a/ClassMaterials/SimpleObjects/Slides/Classes and References.pptx
+++ b/ClassMaterials/SimpleObjects/Slides/Classes and References.pptx
@@ -5,7 +5,7 @@
     <p:sldMasterId id="2147483661" r:id="rId1"/>
   </p:sldMasterIdLst>
   <p:notesMasterIdLst>
-    <p:notesMasterId r:id="rId21"/>
+    <p:notesMasterId r:id="rId23"/>
   </p:notesMasterIdLst>
   <p:sldIdLst>
     <p:sldId id="256" r:id="rId2"/>
@@ -13,20 +13,22 @@
     <p:sldId id="258" r:id="rId4"/>
     <p:sldId id="259" r:id="rId5"/>
     <p:sldId id="260" r:id="rId6"/>
-    <p:sldId id="261" r:id="rId7"/>
-    <p:sldId id="262" r:id="rId8"/>
+    <p:sldId id="277" r:id="rId7"/>
+    <p:sldId id="278" r:id="rId8"/>
     <p:sldId id="263" r:id="rId9"/>
-    <p:sldId id="274" r:id="rId10"/>
+    <p:sldId id="279" r:id="rId10"/>
     <p:sldId id="265" r:id="rId11"/>
-    <p:sldId id="266" r:id="rId12"/>
-    <p:sldId id="273" r:id="rId13"/>
-    <p:sldId id="268" r:id="rId14"/>
-    <p:sldId id="269" r:id="rId15"/>
-    <p:sldId id="270" r:id="rId16"/>
-    <p:sldId id="271" r:id="rId17"/>
-    <p:sldId id="275" r:id="rId18"/>
-    <p:sldId id="276" r:id="rId19"/>
-    <p:sldId id="272" r:id="rId20"/>
+    <p:sldId id="280" r:id="rId12"/>
+    <p:sldId id="281" r:id="rId13"/>
+    <p:sldId id="282" r:id="rId14"/>
+    <p:sldId id="283" r:id="rId15"/>
+    <p:sldId id="269" r:id="rId16"/>
+    <p:sldId id="284" r:id="rId17"/>
+    <p:sldId id="270" r:id="rId18"/>
+    <p:sldId id="271" r:id="rId19"/>
+    <p:sldId id="275" r:id="rId20"/>
+    <p:sldId id="276" r:id="rId21"/>
+    <p:sldId id="285" r:id="rId22"/>
   </p:sldIdLst>
   <p:sldSz cx="9144000" cy="6858000" type="screen4x3"/>
   <p:notesSz cx="7315200" cy="9601200"/>
@@ -788,34 +790,6 @@
           <a:bodyPr/>
           <a:lstStyle/>
           <a:p>
-            <a:r>
-              <a:rPr lang="en-US" dirty="0" err="1"/>
-              <a:t>Math.pow</a:t>
-            </a:r>
-            <a:r>
-              <a:rPr lang="en-US" dirty="0"/>
-              <a:t>( )</a:t>
-            </a:r>
-          </a:p>
-          <a:p>
-            <a:r>
-              <a:rPr lang="en-US" dirty="0" err="1"/>
-              <a:t>Math.sqrt</a:t>
-            </a:r>
-            <a:r>
-              <a:rPr lang="en-US" dirty="0"/>
-              <a:t>( )</a:t>
-            </a:r>
-          </a:p>
-          <a:p>
-            <a:r>
-              <a:rPr lang="en-US" dirty="0"/>
-              <a:t>Utilities,</a:t>
-            </a:r>
-            <a:r>
-              <a:rPr lang="en-US" baseline="0" dirty="0"/>
-              <a:t> nothing specific to an instance</a:t>
-            </a:r>
             <a:endParaRPr lang="en-US" dirty="0"/>
           </a:p>
         </p:txBody>
@@ -907,14 +881,32 @@
           <a:lstStyle/>
           <a:p>
             <a:r>
+              <a:rPr lang="en-US" dirty="0" err="1"/>
+              <a:t>Math.pow</a:t>
+            </a:r>
+            <a:r>
               <a:rPr lang="en-US" dirty="0"/>
-              <a:t>NOT allowed to write code like this </a:t>
-            </a:r>
-            <a:r>
-              <a:rPr lang="en-US" dirty="0">
-                <a:sym typeface="Wingdings" panose="05000000000000000000" pitchFamily="2" charset="2"/>
-              </a:rPr>
-              <a:t></a:t>
+              <a:t>( )</a:t>
+            </a:r>
+          </a:p>
+          <a:p>
+            <a:r>
+              <a:rPr lang="en-US" dirty="0" err="1"/>
+              <a:t>Math.sqrt</a:t>
+            </a:r>
+            <a:r>
+              <a:rPr lang="en-US" dirty="0"/>
+              <a:t>( )</a:t>
+            </a:r>
+          </a:p>
+          <a:p>
+            <a:r>
+              <a:rPr lang="en-US" dirty="0"/>
+              <a:t>Utilities,</a:t>
+            </a:r>
+            <a:r>
+              <a:rPr lang="en-US" baseline="0" dirty="0"/>
+              <a:t> nothing specific to an instance</a:t>
             </a:r>
             <a:endParaRPr lang="en-US" dirty="0"/>
           </a:p>
@@ -943,7 +935,107 @@
               <a:pPr>
                 <a:defRPr/>
               </a:pPr>
-              <a:t>16</a:t>
+              <a:t>14</a:t>
+            </a:fld>
+            <a:endParaRPr lang="en-US"/>
+          </a:p>
+        </p:txBody>
+      </p:sp>
+    </p:spTree>
+    <p:extLst>
+      <p:ext uri="{BB962C8B-B14F-4D97-AF65-F5344CB8AC3E}">
+        <p14:creationId xmlns:p14="http://schemas.microsoft.com/office/powerpoint/2010/main" val="478556958"/>
+      </p:ext>
+    </p:extLst>
+  </p:cSld>
+  <p:clrMapOvr>
+    <a:masterClrMapping/>
+  </p:clrMapOvr>
+</p:notes>
+</file>
+
+<file path=ppt/notesSlides/notesSlide13.xml><?xml version="1.0" encoding="utf-8"?>
+<p:notes xmlns:a="http://schemas.openxmlformats.org/drawingml/2006/main" xmlns:r="http://schemas.openxmlformats.org/officeDocument/2006/relationships" xmlns:p="http://schemas.openxmlformats.org/presentationml/2006/main">
+  <p:cSld>
+    <p:spTree>
+      <p:nvGrpSpPr>
+        <p:cNvPr id="1" name=""/>
+        <p:cNvGrpSpPr/>
+        <p:nvPr/>
+      </p:nvGrpSpPr>
+      <p:grpSpPr>
+        <a:xfrm>
+          <a:off x="0" y="0"/>
+          <a:ext cx="0" cy="0"/>
+          <a:chOff x="0" y="0"/>
+          <a:chExt cx="0" cy="0"/>
+        </a:xfrm>
+      </p:grpSpPr>
+      <p:sp>
+        <p:nvSpPr>
+          <p:cNvPr id="2" name="Slide Image Placeholder 1"/>
+          <p:cNvSpPr>
+            <a:spLocks noGrp="1" noRot="1" noChangeAspect="1"/>
+          </p:cNvSpPr>
+          <p:nvPr>
+            <p:ph type="sldImg"/>
+          </p:nvPr>
+        </p:nvSpPr>
+        <p:spPr/>
+      </p:sp>
+      <p:sp>
+        <p:nvSpPr>
+          <p:cNvPr id="3" name="Notes Placeholder 2"/>
+          <p:cNvSpPr>
+            <a:spLocks noGrp="1"/>
+          </p:cNvSpPr>
+          <p:nvPr>
+            <p:ph type="body" idx="1"/>
+          </p:nvPr>
+        </p:nvSpPr>
+        <p:spPr/>
+        <p:txBody>
+          <a:bodyPr/>
+          <a:lstStyle/>
+          <a:p>
+            <a:r>
+              <a:rPr lang="en-US" dirty="0"/>
+              <a:t>NOT allowed to write code like this </a:t>
+            </a:r>
+            <a:r>
+              <a:rPr lang="en-US" dirty="0">
+                <a:sym typeface="Wingdings" panose="05000000000000000000" pitchFamily="2" charset="2"/>
+              </a:rPr>
+              <a:t></a:t>
+            </a:r>
+            <a:endParaRPr lang="en-US" dirty="0"/>
+          </a:p>
+        </p:txBody>
+      </p:sp>
+      <p:sp>
+        <p:nvSpPr>
+          <p:cNvPr id="4" name="Slide Number Placeholder 3"/>
+          <p:cNvSpPr>
+            <a:spLocks noGrp="1"/>
+          </p:cNvSpPr>
+          <p:nvPr>
+            <p:ph type="sldNum" sz="quarter" idx="10"/>
+          </p:nvPr>
+        </p:nvSpPr>
+        <p:spPr/>
+        <p:txBody>
+          <a:bodyPr/>
+          <a:lstStyle/>
+          <a:p>
+            <a:pPr>
+              <a:defRPr/>
+            </a:pPr>
+            <a:fld id="{F3BF035C-C190-4FBE-9474-8535FCFBFED8}" type="slidenum">
+              <a:rPr lang="en-US" smtClean="0"/>
+              <a:pPr>
+                <a:defRPr/>
+              </a:pPr>
+              <a:t>18</a:t>
             </a:fld>
             <a:endParaRPr lang="en-US"/>
           </a:p>
@@ -962,7 +1054,7 @@
 </p:notes>
 </file>
 
-<file path=ppt/notesSlides/notesSlide13.xml><?xml version="1.0" encoding="utf-8"?>
+<file path=ppt/notesSlides/notesSlide14.xml><?xml version="1.0" encoding="utf-8"?>
 <p:notes xmlns:a="http://schemas.openxmlformats.org/drawingml/2006/main" xmlns:r="http://schemas.openxmlformats.org/officeDocument/2006/relationships" xmlns:p="http://schemas.openxmlformats.org/presentationml/2006/main">
   <p:cSld>
     <p:spTree>
@@ -1095,7 +1187,7 @@
                 </a:uFill>
                 <a:latin typeface="Times New Roman"/>
               </a:rPr>
-              <a:t>17</a:t>
+              <a:t>19</a:t>
             </a:fld>
             <a:endParaRPr lang="en-US" sz="1400" b="0" strike="noStrike" spc="-1">
               <a:solidFill>
@@ -1124,7 +1216,7 @@
 </p:notes>
 </file>
 
-<file path=ppt/notesSlides/notesSlide14.xml><?xml version="1.0" encoding="utf-8"?>
+<file path=ppt/notesSlides/notesSlide15.xml><?xml version="1.0" encoding="utf-8"?>
 <p:notes xmlns:a="http://schemas.openxmlformats.org/drawingml/2006/main" xmlns:r="http://schemas.openxmlformats.org/officeDocument/2006/relationships" xmlns:p="http://schemas.openxmlformats.org/presentationml/2006/main">
   <p:cSld>
     <p:spTree>
@@ -1219,7 +1311,7 @@
                 <a:latin typeface="Calibri"/>
                 <a:ea typeface="+mn-ea"/>
               </a:rPr>
-              <a:t>19</a:t>
+              <a:t>21</a:t>
             </a:fld>
             <a:endParaRPr lang="en-US" sz="1400" b="0" strike="noStrike" spc="-1">
               <a:solidFill>
@@ -1382,30 +1474,7 @@
           <a:bodyPr/>
           <a:lstStyle/>
           <a:p>
-            <a:pPr marL="0" marR="0" lvl="0" indent="0" algn="l" defTabSz="914400" rtl="0" eaLnBrk="0" fontAlgn="base" latinLnBrk="0" hangingPunct="0">
-              <a:lnSpc>
-                <a:spcPct val="100000"/>
-              </a:lnSpc>
-              <a:spcBef>
-                <a:spcPct val="30000"/>
-              </a:spcBef>
-              <a:spcAft>
-                <a:spcPct val="0"/>
-              </a:spcAft>
-              <a:buClrTx/>
-              <a:buSzTx/>
-              <a:buFontTx/>
-              <a:buNone/>
-              <a:tabLst/>
-              <a:defRPr/>
-            </a:pPr>
-            <a:r>
-              <a:rPr lang="en-US" dirty="0"/>
-              <a:t>Teams too, not just single students and assignments</a:t>
-            </a:r>
-          </a:p>
-          <a:p>
-            <a:endParaRPr lang="en-US" dirty="0"/>
+            <a:endParaRPr lang="en-US"/>
           </a:p>
         </p:txBody>
       </p:sp>
@@ -3263,7 +3332,7 @@
               <a:pPr>
                 <a:defRPr/>
               </a:pPr>
-              <a:t>Thursday, February 24, 2022</a:t>
+              <a:t>Tuesday, March 1, 2022</a:t>
             </a:fld>
             <a:endParaRPr lang="en-US" dirty="0"/>
           </a:p>
@@ -3446,7 +3515,7 @@
               <a:pPr>
                 <a:defRPr/>
               </a:pPr>
-              <a:t>Thursday, February 24, 2022</a:t>
+              <a:t>Tuesday, March 1, 2022</a:t>
             </a:fld>
             <a:endParaRPr lang="en-US" dirty="0"/>
           </a:p>
@@ -3706,7 +3775,7 @@
               <a:pPr>
                 <a:defRPr/>
               </a:pPr>
-              <a:t>Thursday, February 24, 2022</a:t>
+              <a:t>Tuesday, March 1, 2022</a:t>
             </a:fld>
             <a:endParaRPr lang="en-US"/>
           </a:p>
@@ -5976,7 +6045,7 @@
                 </a:solidFill>
                 <a:latin typeface="Consolas" panose="020B0609020204030204" pitchFamily="49" charset="0"/>
               </a:rPr>
-              <a:t> Student {</a:t>
+              <a:t> StudentV1 {</a:t>
             </a:r>
           </a:p>
           <a:p>
@@ -6077,7 +6146,7 @@
                 </a:solidFill>
                 <a:latin typeface="Consolas" panose="020B0609020204030204" pitchFamily="49" charset="0"/>
               </a:rPr>
-              <a:t> Student(</a:t>
+              <a:t> StudentV1(</a:t>
             </a:r>
           </a:p>
           <a:p>
@@ -6548,8 +6617,8 @@
         </p:nvSpPr>
         <p:spPr>
           <a:xfrm>
-            <a:off x="3830472" y="1143000"/>
-            <a:ext cx="5486400" cy="2308324"/>
+            <a:off x="3708400" y="1143000"/>
+            <a:ext cx="5608472" cy="2585323"/>
           </a:xfrm>
           <a:prstGeom prst="rect">
             <a:avLst/>
@@ -6568,6 +6637,17 @@
                 </a:solidFill>
                 <a:latin typeface="Consolas" panose="020B0609020204030204" pitchFamily="49" charset="0"/>
               </a:rPr>
+              <a:t>// StudentV1Driver</a:t>
+            </a:r>
+          </a:p>
+          <a:p>
+            <a:r>
+              <a:rPr lang="en-US" b="1" dirty="0">
+                <a:solidFill>
+                  <a:srgbClr val="7F0055"/>
+                </a:solidFill>
+                <a:latin typeface="Consolas" panose="020B0609020204030204" pitchFamily="49" charset="0"/>
+              </a:rPr>
               <a:t>public</a:t>
             </a:r>
             <a:r>
@@ -6678,7 +6758,7 @@
                 </a:solidFill>
                 <a:latin typeface="Consolas" panose="020B0609020204030204" pitchFamily="49" charset="0"/>
               </a:rPr>
-              <a:t> Student(</a:t>
+              <a:t> StudentV1(</a:t>
             </a:r>
             <a:r>
               <a:rPr lang="en-US" b="1" dirty="0">
@@ -6761,7 +6841,7 @@
                 </a:solidFill>
                 <a:latin typeface="Consolas" panose="020B0609020204030204" pitchFamily="49" charset="0"/>
               </a:rPr>
-              <a:t> Student(</a:t>
+              <a:t> StudentV1(</a:t>
             </a:r>
             <a:r>
               <a:rPr lang="en-US" b="1" dirty="0">
@@ -6844,7 +6924,7 @@
                 </a:solidFill>
                 <a:latin typeface="Consolas" panose="020B0609020204030204" pitchFamily="49" charset="0"/>
               </a:rPr>
-              <a:t> Student(</a:t>
+              <a:t> StudentV1(</a:t>
             </a:r>
             <a:r>
               <a:rPr lang="en-US" b="1" dirty="0">
@@ -7053,7 +7133,7 @@
         <p:spPr>
           <a:xfrm>
             <a:off x="288237" y="1143000"/>
-            <a:ext cx="3538728" cy="5126712"/>
+            <a:ext cx="3356663" cy="5126712"/>
           </a:xfrm>
           <a:prstGeom prst="rect">
             <a:avLst/>
@@ -7104,8 +7184,8 @@
         </p:nvSpPr>
         <p:spPr>
           <a:xfrm>
-            <a:off x="3904488" y="1143000"/>
-            <a:ext cx="5120640" cy="5126712"/>
+            <a:off x="3695700" y="1143000"/>
+            <a:ext cx="5448300" cy="5126712"/>
           </a:xfrm>
           <a:prstGeom prst="rect">
             <a:avLst/>
@@ -7156,8 +7236,8 @@
         </p:nvSpPr>
         <p:spPr>
           <a:xfrm>
-            <a:off x="4729963" y="791119"/>
-            <a:ext cx="3687418" cy="369332"/>
+            <a:off x="4495800" y="778419"/>
+            <a:ext cx="3997781" cy="369332"/>
           </a:xfrm>
           <a:prstGeom prst="rect">
             <a:avLst/>
@@ -7172,7 +7252,7 @@
           <a:p>
             <a:r>
               <a:rPr lang="en-US" dirty="0"/>
-              <a:t>Client program – of Student Class</a:t>
+              <a:t>Client program – of StudentV1 Class</a:t>
             </a:r>
           </a:p>
         </p:txBody>
@@ -7180,7 +7260,7 @@
     </p:spTree>
     <p:extLst>
       <p:ext uri="{BB962C8B-B14F-4D97-AF65-F5344CB8AC3E}">
-        <p14:creationId xmlns:p14="http://schemas.microsoft.com/office/powerpoint/2010/main" val="645318043"/>
+        <p14:creationId xmlns:p14="http://schemas.microsoft.com/office/powerpoint/2010/main" val="1257599439"/>
       </p:ext>
     </p:extLst>
   </p:cSld>
@@ -7293,8 +7373,8 @@
         </p:nvSpPr>
         <p:spPr>
           <a:xfrm>
-            <a:off x="288237" y="914400"/>
-            <a:ext cx="3915770" cy="5355312"/>
+            <a:off x="173937" y="914400"/>
+            <a:ext cx="3572563" cy="5355312"/>
           </a:xfrm>
           <a:prstGeom prst="rect">
             <a:avLst/>
@@ -7345,67 +7425,88 @@
                 </a:solidFill>
                 <a:latin typeface="Consolas" panose="020B0609020204030204" pitchFamily="49" charset="0"/>
               </a:rPr>
-              <a:t> Student {</a:t>
-            </a:r>
-          </a:p>
-          <a:p>
-            <a:r>
-              <a:rPr lang="en-US" b="1" dirty="0">
-                <a:solidFill>
-                  <a:srgbClr val="7F0055"/>
-                </a:solidFill>
-                <a:latin typeface="Consolas" panose="020B0609020204030204" pitchFamily="49" charset="0"/>
-              </a:rPr>
-              <a:t> private</a:t>
-            </a:r>
-            <a:r>
-              <a:rPr lang="en-US" b="1" dirty="0">
-                <a:solidFill>
-                  <a:srgbClr val="000000"/>
-                </a:solidFill>
-                <a:latin typeface="Consolas" panose="020B0609020204030204" pitchFamily="49" charset="0"/>
-              </a:rPr>
-              <a:t> String </a:t>
-            </a:r>
-            <a:r>
-              <a:rPr lang="en-US" b="1" dirty="0">
-                <a:solidFill>
-                  <a:srgbClr val="0000C0"/>
-                </a:solidFill>
-                <a:latin typeface="Consolas" panose="020B0609020204030204" pitchFamily="49" charset="0"/>
-              </a:rPr>
-              <a:t>name</a:t>
-            </a:r>
-            <a:r>
-              <a:rPr lang="en-US" b="1" dirty="0">
-                <a:solidFill>
-                  <a:srgbClr val="000000"/>
-                </a:solidFill>
-                <a:latin typeface="Consolas" panose="020B0609020204030204" pitchFamily="49" charset="0"/>
-              </a:rPr>
-              <a:t>;</a:t>
-            </a:r>
-          </a:p>
-          <a:p>
-            <a:r>
-              <a:rPr lang="en-US" b="1" dirty="0">
-                <a:solidFill>
-                  <a:srgbClr val="7F0055"/>
-                </a:solidFill>
-                <a:latin typeface="Consolas" panose="020B0609020204030204" pitchFamily="49" charset="0"/>
-              </a:rPr>
-              <a:t> private </a:t>
-            </a:r>
-            <a:r>
-              <a:rPr lang="en-US" b="1" dirty="0">
-                <a:solidFill>
-                  <a:srgbClr val="7F0055"/>
+              <a:t> Student</a:t>
+            </a:r>
+            <a:r>
+              <a:rPr lang="en-US" b="1" dirty="0">
+                <a:solidFill>
+                  <a:srgbClr val="000000"/>
                 </a:solidFill>
                 <a:highlight>
                   <a:srgbClr val="FFFF00"/>
                 </a:highlight>
                 <a:latin typeface="Consolas" panose="020B0609020204030204" pitchFamily="49" charset="0"/>
               </a:rPr>
+              <a:t>V2</a:t>
+            </a:r>
+            <a:r>
+              <a:rPr lang="en-US" b="1" dirty="0">
+                <a:solidFill>
+                  <a:srgbClr val="000000"/>
+                </a:solidFill>
+                <a:latin typeface="Consolas" panose="020B0609020204030204" pitchFamily="49" charset="0"/>
+              </a:rPr>
+              <a:t> {</a:t>
+            </a:r>
+          </a:p>
+          <a:p>
+            <a:r>
+              <a:rPr lang="en-US" b="1" dirty="0">
+                <a:solidFill>
+                  <a:srgbClr val="7F0055"/>
+                </a:solidFill>
+                <a:latin typeface="Consolas" panose="020B0609020204030204" pitchFamily="49" charset="0"/>
+              </a:rPr>
+              <a:t> private</a:t>
+            </a:r>
+            <a:r>
+              <a:rPr lang="en-US" b="1" dirty="0">
+                <a:solidFill>
+                  <a:srgbClr val="000000"/>
+                </a:solidFill>
+                <a:latin typeface="Consolas" panose="020B0609020204030204" pitchFamily="49" charset="0"/>
+              </a:rPr>
+              <a:t> String </a:t>
+            </a:r>
+            <a:r>
+              <a:rPr lang="en-US" b="1" dirty="0">
+                <a:solidFill>
+                  <a:srgbClr val="0000C0"/>
+                </a:solidFill>
+                <a:latin typeface="Consolas" panose="020B0609020204030204" pitchFamily="49" charset="0"/>
+              </a:rPr>
+              <a:t>name</a:t>
+            </a:r>
+            <a:r>
+              <a:rPr lang="en-US" b="1" dirty="0">
+                <a:solidFill>
+                  <a:srgbClr val="000000"/>
+                </a:solidFill>
+                <a:latin typeface="Consolas" panose="020B0609020204030204" pitchFamily="49" charset="0"/>
+              </a:rPr>
+              <a:t>;</a:t>
+            </a:r>
+          </a:p>
+          <a:p>
+            <a:r>
+              <a:rPr lang="en-US" b="1" dirty="0">
+                <a:solidFill>
+                  <a:srgbClr val="7F0055"/>
+                </a:solidFill>
+                <a:latin typeface="Consolas" panose="020B0609020204030204" pitchFamily="49" charset="0"/>
+              </a:rPr>
+              <a:t> private </a:t>
+            </a:r>
+            <a:r>
+              <a:rPr lang="en-US" b="1" dirty="0">
+                <a:solidFill>
+                  <a:srgbClr val="7F0055"/>
+                </a:solidFill>
+                <a:highlight>
+                  <a:srgbClr val="FFFF00"/>
+                </a:highlight>
+                <a:latin typeface="Consolas" panose="020B0609020204030204" pitchFamily="49" charset="0"/>
+              </a:rPr>
               <a:t>static</a:t>
             </a:r>
             <a:r>
@@ -7467,7 +7568,7 @@
                 </a:solidFill>
                 <a:latin typeface="Consolas" panose="020B0609020204030204" pitchFamily="49" charset="0"/>
               </a:rPr>
-              <a:t> Student(</a:t>
+              <a:t> StudentV2(</a:t>
             </a:r>
           </a:p>
           <a:p>
@@ -7604,7 +7705,7 @@
               <a:t>   </a:t>
             </a:r>
             <a:r>
-              <a:rPr lang="en-US" b="1" dirty="0" err="1">
+              <a:rPr lang="en-US" b="1" dirty="0">
                 <a:solidFill>
                   <a:srgbClr val="7F0055"/>
                 </a:solidFill>
@@ -7613,10 +7714,10 @@
                 </a:highlight>
                 <a:latin typeface="Consolas" panose="020B0609020204030204" pitchFamily="49" charset="0"/>
               </a:rPr>
-              <a:t>Student</a:t>
-            </a:r>
-            <a:r>
-              <a:rPr lang="en-US" b="1" dirty="0" err="1">
+              <a:t>StudentV2</a:t>
+            </a:r>
+            <a:r>
+              <a:rPr lang="en-US" b="1" dirty="0">
                 <a:solidFill>
                   <a:srgbClr val="000000"/>
                 </a:solidFill>
@@ -7625,7 +7726,7 @@
               <a:t>.</a:t>
             </a:r>
             <a:r>
-              <a:rPr lang="en-US" b="1" dirty="0" err="1">
+              <a:rPr lang="en-US" b="1" dirty="0">
                 <a:solidFill>
                   <a:srgbClr val="0000C0"/>
                 </a:solidFill>
@@ -7965,8 +8066,8 @@
         </p:nvSpPr>
         <p:spPr>
           <a:xfrm>
-            <a:off x="3830472" y="1143000"/>
-            <a:ext cx="5486400" cy="2308324"/>
+            <a:off x="3848100" y="1143000"/>
+            <a:ext cx="5468772" cy="2585323"/>
           </a:xfrm>
           <a:prstGeom prst="rect">
             <a:avLst/>
@@ -7985,6 +8086,17 @@
                 </a:solidFill>
                 <a:latin typeface="Consolas" panose="020B0609020204030204" pitchFamily="49" charset="0"/>
               </a:rPr>
+              <a:t>// StudentV2Driver</a:t>
+            </a:r>
+          </a:p>
+          <a:p>
+            <a:r>
+              <a:rPr lang="en-US" b="1" dirty="0">
+                <a:solidFill>
+                  <a:srgbClr val="7F0055"/>
+                </a:solidFill>
+                <a:latin typeface="Consolas" panose="020B0609020204030204" pitchFamily="49" charset="0"/>
+              </a:rPr>
               <a:t>public</a:t>
             </a:r>
             <a:r>
@@ -8095,7 +8207,7 @@
                 </a:solidFill>
                 <a:latin typeface="Consolas" panose="020B0609020204030204" pitchFamily="49" charset="0"/>
               </a:rPr>
-              <a:t> Student(</a:t>
+              <a:t> StudentV2(</a:t>
             </a:r>
             <a:r>
               <a:rPr lang="en-US" b="1" dirty="0">
@@ -8178,7 +8290,7 @@
                 </a:solidFill>
                 <a:latin typeface="Consolas" panose="020B0609020204030204" pitchFamily="49" charset="0"/>
               </a:rPr>
-              <a:t> Student(</a:t>
+              <a:t> StudentV2(</a:t>
             </a:r>
             <a:r>
               <a:rPr lang="en-US" b="1" dirty="0">
@@ -8261,7 +8373,7 @@
                 </a:solidFill>
                 <a:latin typeface="Consolas" panose="020B0609020204030204" pitchFamily="49" charset="0"/>
               </a:rPr>
-              <a:t> Student(</a:t>
+              <a:t> StudentV2(</a:t>
             </a:r>
             <a:r>
               <a:rPr lang="en-US" b="1" dirty="0">
@@ -8469,7 +8581,7 @@
         </p:nvSpPr>
         <p:spPr>
           <a:xfrm>
-            <a:off x="288236" y="1143000"/>
+            <a:off x="212036" y="1143000"/>
             <a:ext cx="3542235" cy="5126712"/>
           </a:xfrm>
           <a:prstGeom prst="rect">
@@ -8521,8 +8633,8 @@
         </p:nvSpPr>
         <p:spPr>
           <a:xfrm>
-            <a:off x="3906078" y="1143000"/>
-            <a:ext cx="5118652" cy="5126712"/>
+            <a:off x="3810000" y="1155700"/>
+            <a:ext cx="5334000" cy="5126712"/>
           </a:xfrm>
           <a:prstGeom prst="rect">
             <a:avLst/>
@@ -8573,8 +8685,8 @@
         </p:nvSpPr>
         <p:spPr>
           <a:xfrm>
-            <a:off x="4729963" y="791119"/>
-            <a:ext cx="3687418" cy="369332"/>
+            <a:off x="4343400" y="740319"/>
+            <a:ext cx="4429581" cy="369332"/>
           </a:xfrm>
           <a:prstGeom prst="rect">
             <a:avLst/>
@@ -8589,7 +8701,7 @@
           <a:p>
             <a:r>
               <a:rPr lang="en-US" dirty="0"/>
-              <a:t>Client program – of Student Class</a:t>
+              <a:t>Client program – of StudentV2 Class</a:t>
             </a:r>
           </a:p>
         </p:txBody>
@@ -8647,7 +8759,7 @@
     </p:spTree>
     <p:extLst>
       <p:ext uri="{BB962C8B-B14F-4D97-AF65-F5344CB8AC3E}">
-        <p14:creationId xmlns:p14="http://schemas.microsoft.com/office/powerpoint/2010/main" val="3862064788"/>
+        <p14:creationId xmlns:p14="http://schemas.microsoft.com/office/powerpoint/2010/main" val="3745152590"/>
       </p:ext>
     </p:extLst>
   </p:cSld>
@@ -8811,13 +8923,13 @@
         <p:spPr/>
         <p:txBody>
           <a:bodyPr>
-            <a:normAutofit fontScale="90000"/>
+            <a:normAutofit/>
           </a:bodyPr>
           <a:lstStyle/>
           <a:p>
             <a:r>
               <a:rPr lang="en-US" dirty="0"/>
-              <a:t>When do we make methods static?</a:t>
+              <a:t>In Eclipse</a:t>
             </a:r>
           </a:p>
         </p:txBody>
@@ -8839,49 +8951,46 @@
           <a:p>
             <a:r>
               <a:rPr lang="en-US" dirty="0"/>
-              <a:t>Utility Methods</a:t>
-            </a:r>
-          </a:p>
-          <a:p>
-            <a:pPr lvl="1"/>
+              <a:t>In </a:t>
+            </a:r>
+            <a:r>
+              <a:rPr lang="en-US" dirty="0" err="1"/>
+              <a:t>PracticeSuperSimpleObjects</a:t>
+            </a:r>
+            <a:endParaRPr lang="en-US" dirty="0"/>
+          </a:p>
+          <a:p>
             <a:r>
               <a:rPr lang="en-US" dirty="0"/>
-              <a:t>Things like abs, </a:t>
+              <a:t>Right now – draw Box &amp; Pointer diagram of </a:t>
+            </a:r>
+            <a:r>
+              <a:rPr lang="en-US" i="1" dirty="0"/>
+              <a:t>StudentV1Driver</a:t>
+            </a:r>
+          </a:p>
+          <a:p>
+            <a:r>
+              <a:rPr lang="en-US" dirty="0"/>
+              <a:t>Work in pairs</a:t>
+            </a:r>
+          </a:p>
+          <a:p>
+            <a:r>
+              <a:rPr lang="en-US" dirty="0"/>
+              <a:t>After you all finish I’ll do Box &amp; </a:t>
             </a:r>
             <a:r>
               <a:rPr lang="en-US" dirty="0" err="1"/>
-              <a:t>sqrt</a:t>
+              <a:t>Ptr</a:t>
             </a:r>
             <a:r>
               <a:rPr lang="en-US" dirty="0"/>
-              <a:t>, etc. </a:t>
-            </a:r>
-          </a:p>
-          <a:p>
-            <a:pPr lvl="1"/>
-            <a:r>
-              <a:rPr lang="en-US" dirty="0"/>
-              <a:t>Don’t need an instance of a class to run them</a:t>
-            </a:r>
-          </a:p>
-          <a:p>
-            <a:r>
-              <a:rPr lang="en-US" dirty="0"/>
-              <a:t>How do I know?</a:t>
-            </a:r>
-          </a:p>
-          <a:p>
-            <a:pPr lvl="1"/>
-            <a:r>
-              <a:rPr lang="en-US" dirty="0"/>
-              <a:t>No references to non-static fields/methods</a:t>
-            </a:r>
-          </a:p>
-          <a:p>
-            <a:pPr lvl="1"/>
-            <a:r>
-              <a:rPr lang="en-US" dirty="0"/>
-              <a:t>No “this” keyword used in method</a:t>
+              <a:t> of </a:t>
+            </a:r>
+            <a:r>
+              <a:rPr lang="en-US" i="1" dirty="0"/>
+              <a:t>StudentV2Driver</a:t>
             </a:r>
           </a:p>
         </p:txBody>
@@ -8889,7 +8998,7 @@
     </p:spTree>
     <p:extLst>
       <p:ext uri="{BB962C8B-B14F-4D97-AF65-F5344CB8AC3E}">
-        <p14:creationId xmlns:p14="http://schemas.microsoft.com/office/powerpoint/2010/main" val="1678625283"/>
+        <p14:creationId xmlns:p14="http://schemas.microsoft.com/office/powerpoint/2010/main" val="853263074"/>
       </p:ext>
     </p:extLst>
   </p:cSld>
@@ -8900,6 +9009,259 @@
 </file>
 
 <file path=ppt/slides/slide14.xml><?xml version="1.0" encoding="utf-8"?>
+<p:sld xmlns:a="http://schemas.openxmlformats.org/drawingml/2006/main" xmlns:r="http://schemas.openxmlformats.org/officeDocument/2006/relationships" xmlns:p="http://schemas.openxmlformats.org/presentationml/2006/main">
+  <p:cSld>
+    <p:spTree>
+      <p:nvGrpSpPr>
+        <p:cNvPr id="1" name=""/>
+        <p:cNvGrpSpPr/>
+        <p:nvPr/>
+      </p:nvGrpSpPr>
+      <p:grpSpPr>
+        <a:xfrm>
+          <a:off x="0" y="0"/>
+          <a:ext cx="0" cy="0"/>
+          <a:chOff x="0" y="0"/>
+          <a:chExt cx="0" cy="0"/>
+        </a:xfrm>
+      </p:grpSpPr>
+      <p:sp>
+        <p:nvSpPr>
+          <p:cNvPr id="2" name="Title 1"/>
+          <p:cNvSpPr>
+            <a:spLocks noGrp="1"/>
+          </p:cNvSpPr>
+          <p:nvPr>
+            <p:ph type="title"/>
+          </p:nvPr>
+        </p:nvSpPr>
+        <p:spPr/>
+        <p:txBody>
+          <a:bodyPr>
+            <a:normAutofit fontScale="90000"/>
+          </a:bodyPr>
+          <a:lstStyle/>
+          <a:p>
+            <a:r>
+              <a:rPr lang="en-US" dirty="0"/>
+              <a:t>When do we make methods static?</a:t>
+            </a:r>
+          </a:p>
+        </p:txBody>
+      </p:sp>
+      <p:sp>
+        <p:nvSpPr>
+          <p:cNvPr id="3" name="Content Placeholder 2"/>
+          <p:cNvSpPr>
+            <a:spLocks noGrp="1"/>
+          </p:cNvSpPr>
+          <p:nvPr>
+            <p:ph idx="1"/>
+          </p:nvPr>
+        </p:nvSpPr>
+        <p:spPr/>
+        <p:txBody>
+          <a:bodyPr/>
+          <a:lstStyle/>
+          <a:p>
+            <a:r>
+              <a:rPr lang="en-US" dirty="0"/>
+              <a:t>Utility Methods</a:t>
+            </a:r>
+          </a:p>
+          <a:p>
+            <a:pPr lvl="1"/>
+            <a:r>
+              <a:rPr lang="en-US" dirty="0"/>
+              <a:t>Things like Math class's abs, sqrt, etc. </a:t>
+            </a:r>
+          </a:p>
+          <a:p>
+            <a:pPr lvl="1"/>
+            <a:r>
+              <a:rPr lang="en-US" dirty="0"/>
+              <a:t>Don’t need an instance of a class to run them</a:t>
+            </a:r>
+          </a:p>
+          <a:p>
+            <a:pPr lvl="1">
+              <a:tabLst>
+                <a:tab pos="1193800" algn="l"/>
+              </a:tabLst>
+            </a:pPr>
+            <a:r>
+              <a:rPr lang="en-US" dirty="0"/>
+              <a:t>Examples</a:t>
+            </a:r>
+            <a:br>
+              <a:rPr lang="en-US" dirty="0"/>
+            </a:br>
+            <a:r>
+              <a:rPr lang="en-US" sz="1800" dirty="0">
+                <a:latin typeface="Courier New" panose="02070309020205020404" pitchFamily="49" charset="0"/>
+                <a:cs typeface="Courier New" panose="02070309020205020404" pitchFamily="49" charset="0"/>
+              </a:rPr>
+              <a:t>{</a:t>
+            </a:r>
+            <a:br>
+              <a:rPr lang="en-US" sz="1800" dirty="0">
+                <a:latin typeface="Courier New" panose="02070309020205020404" pitchFamily="49" charset="0"/>
+                <a:cs typeface="Courier New" panose="02070309020205020404" pitchFamily="49" charset="0"/>
+              </a:rPr>
+            </a:br>
+            <a:r>
+              <a:rPr lang="en-US" sz="1800" dirty="0">
+                <a:latin typeface="Courier New" panose="02070309020205020404" pitchFamily="49" charset="0"/>
+                <a:cs typeface="Courier New" panose="02070309020205020404" pitchFamily="49" charset="0"/>
+              </a:rPr>
+              <a:t>	double y = -3.3;</a:t>
+            </a:r>
+            <a:br>
+              <a:rPr lang="en-US" sz="1800" dirty="0">
+                <a:latin typeface="Courier New" panose="02070309020205020404" pitchFamily="49" charset="0"/>
+                <a:cs typeface="Courier New" panose="02070309020205020404" pitchFamily="49" charset="0"/>
+              </a:rPr>
+            </a:br>
+            <a:r>
+              <a:rPr lang="en-US" sz="1800" dirty="0">
+                <a:latin typeface="Courier New" panose="02070309020205020404" pitchFamily="49" charset="0"/>
+                <a:cs typeface="Courier New" panose="02070309020205020404" pitchFamily="49" charset="0"/>
+              </a:rPr>
+              <a:t>	double </a:t>
+            </a:r>
+            <a:r>
+              <a:rPr lang="en-US" sz="1800" dirty="0" err="1">
+                <a:latin typeface="Courier New" panose="02070309020205020404" pitchFamily="49" charset="0"/>
+                <a:cs typeface="Courier New" panose="02070309020205020404" pitchFamily="49" charset="0"/>
+              </a:rPr>
+              <a:t>absY</a:t>
+            </a:r>
+            <a:r>
+              <a:rPr lang="en-US" sz="1800" dirty="0">
+                <a:latin typeface="Courier New" panose="02070309020205020404" pitchFamily="49" charset="0"/>
+                <a:cs typeface="Courier New" panose="02070309020205020404" pitchFamily="49" charset="0"/>
+              </a:rPr>
+              <a:t> = </a:t>
+            </a:r>
+            <a:r>
+              <a:rPr lang="en-US" sz="1800" dirty="0" err="1">
+                <a:latin typeface="Courier New" panose="02070309020205020404" pitchFamily="49" charset="0"/>
+                <a:cs typeface="Courier New" panose="02070309020205020404" pitchFamily="49" charset="0"/>
+              </a:rPr>
+              <a:t>Math.abs</a:t>
+            </a:r>
+            <a:r>
+              <a:rPr lang="en-US" sz="1800" dirty="0">
+                <a:latin typeface="Courier New" panose="02070309020205020404" pitchFamily="49" charset="0"/>
+                <a:cs typeface="Courier New" panose="02070309020205020404" pitchFamily="49" charset="0"/>
+              </a:rPr>
+              <a:t>(y);</a:t>
+            </a:r>
+            <a:br>
+              <a:rPr lang="en-US" sz="1800" dirty="0">
+                <a:latin typeface="Courier New" panose="02070309020205020404" pitchFamily="49" charset="0"/>
+                <a:cs typeface="Courier New" panose="02070309020205020404" pitchFamily="49" charset="0"/>
+              </a:rPr>
+            </a:br>
+            <a:r>
+              <a:rPr lang="en-US" sz="1800" dirty="0">
+                <a:latin typeface="Courier New" panose="02070309020205020404" pitchFamily="49" charset="0"/>
+                <a:cs typeface="Courier New" panose="02070309020205020404" pitchFamily="49" charset="0"/>
+              </a:rPr>
+              <a:t>	double </a:t>
+            </a:r>
+            <a:r>
+              <a:rPr lang="en-US" sz="1800" dirty="0" err="1">
+                <a:latin typeface="Courier New" panose="02070309020205020404" pitchFamily="49" charset="0"/>
+                <a:cs typeface="Courier New" panose="02070309020205020404" pitchFamily="49" charset="0"/>
+              </a:rPr>
+              <a:t>ySqR</a:t>
+            </a:r>
+            <a:r>
+              <a:rPr lang="en-US" sz="1800" dirty="0">
+                <a:latin typeface="Courier New" panose="02070309020205020404" pitchFamily="49" charset="0"/>
+                <a:cs typeface="Courier New" panose="02070309020205020404" pitchFamily="49" charset="0"/>
+              </a:rPr>
+              <a:t> = </a:t>
+            </a:r>
+            <a:r>
+              <a:rPr lang="en-US" sz="1800" dirty="0" err="1">
+                <a:latin typeface="Courier New" panose="02070309020205020404" pitchFamily="49" charset="0"/>
+                <a:cs typeface="Courier New" panose="02070309020205020404" pitchFamily="49" charset="0"/>
+              </a:rPr>
+              <a:t>Math.sqrt</a:t>
+            </a:r>
+            <a:r>
+              <a:rPr lang="en-US" sz="1800" dirty="0">
+                <a:latin typeface="Courier New" panose="02070309020205020404" pitchFamily="49" charset="0"/>
+                <a:cs typeface="Courier New" panose="02070309020205020404" pitchFamily="49" charset="0"/>
+              </a:rPr>
+              <a:t>(</a:t>
+            </a:r>
+            <a:r>
+              <a:rPr lang="en-US" sz="1800" dirty="0" err="1">
+                <a:latin typeface="Courier New" panose="02070309020205020404" pitchFamily="49" charset="0"/>
+                <a:cs typeface="Courier New" panose="02070309020205020404" pitchFamily="49" charset="0"/>
+              </a:rPr>
+              <a:t>absY</a:t>
+            </a:r>
+            <a:r>
+              <a:rPr lang="en-US" sz="1800" dirty="0">
+                <a:latin typeface="Courier New" panose="02070309020205020404" pitchFamily="49" charset="0"/>
+                <a:cs typeface="Courier New" panose="02070309020205020404" pitchFamily="49" charset="0"/>
+              </a:rPr>
+              <a:t>);</a:t>
+            </a:r>
+            <a:br>
+              <a:rPr lang="en-US" sz="1800" dirty="0">
+                <a:latin typeface="Courier New" panose="02070309020205020404" pitchFamily="49" charset="0"/>
+                <a:cs typeface="Courier New" panose="02070309020205020404" pitchFamily="49" charset="0"/>
+              </a:rPr>
+            </a:br>
+            <a:r>
+              <a:rPr lang="en-US" sz="1800" dirty="0">
+                <a:latin typeface="Courier New" panose="02070309020205020404" pitchFamily="49" charset="0"/>
+                <a:cs typeface="Courier New" panose="02070309020205020404" pitchFamily="49" charset="0"/>
+              </a:rPr>
+              <a:t>}</a:t>
+            </a:r>
+          </a:p>
+          <a:p>
+            <a:r>
+              <a:rPr lang="en-US" dirty="0"/>
+              <a:t>How do I know if it is static?</a:t>
+            </a:r>
+          </a:p>
+          <a:p>
+            <a:pPr lvl="1"/>
+            <a:r>
+              <a:rPr lang="en-US" dirty="0"/>
+              <a:t>No references to non-static fields/methods</a:t>
+            </a:r>
+          </a:p>
+          <a:p>
+            <a:pPr lvl="1"/>
+            <a:r>
+              <a:rPr lang="en-US" dirty="0"/>
+              <a:t>No “this” keyword used in method</a:t>
+            </a:r>
+          </a:p>
+        </p:txBody>
+      </p:sp>
+    </p:spTree>
+    <p:extLst>
+      <p:ext uri="{BB962C8B-B14F-4D97-AF65-F5344CB8AC3E}">
+        <p14:creationId xmlns:p14="http://schemas.microsoft.com/office/powerpoint/2010/main" val="590300243"/>
+      </p:ext>
+    </p:extLst>
+  </p:cSld>
+  <p:clrMapOvr>
+    <a:masterClrMapping/>
+  </p:clrMapOvr>
+</p:sld>
+</file>
+
+<file path=ppt/slides/slide15.xml><?xml version="1.0" encoding="utf-8"?>
 <p:sld xmlns:a="http://schemas.openxmlformats.org/drawingml/2006/main" xmlns:r="http://schemas.openxmlformats.org/officeDocument/2006/relationships" xmlns:p="http://schemas.openxmlformats.org/presentationml/2006/main">
   <p:cSld>
     <p:spTree>
@@ -9284,7 +9646,235 @@
 </p:sld>
 </file>
 
-<file path=ppt/slides/slide15.xml><?xml version="1.0" encoding="utf-8"?>
+<file path=ppt/slides/slide16.xml><?xml version="1.0" encoding="utf-8"?>
+<p:sld xmlns:a="http://schemas.openxmlformats.org/drawingml/2006/main" xmlns:r="http://schemas.openxmlformats.org/officeDocument/2006/relationships" xmlns:p="http://schemas.openxmlformats.org/presentationml/2006/main">
+  <p:cSld>
+    <p:spTree>
+      <p:nvGrpSpPr>
+        <p:cNvPr id="1" name=""/>
+        <p:cNvGrpSpPr/>
+        <p:nvPr/>
+      </p:nvGrpSpPr>
+      <p:grpSpPr>
+        <a:xfrm>
+          <a:off x="0" y="0"/>
+          <a:ext cx="0" cy="0"/>
+          <a:chOff x="0" y="0"/>
+          <a:chExt cx="0" cy="0"/>
+        </a:xfrm>
+      </p:grpSpPr>
+      <p:sp>
+        <p:nvSpPr>
+          <p:cNvPr id="223" name="TextShape 1"/>
+          <p:cNvSpPr txBox="1"/>
+          <p:nvPr/>
+        </p:nvSpPr>
+        <p:spPr>
+          <a:xfrm>
+            <a:off x="457200" y="274680"/>
+            <a:ext cx="8229240" cy="1142640"/>
+          </a:xfrm>
+          <a:prstGeom prst="rect">
+            <a:avLst/>
+          </a:prstGeom>
+          <a:noFill/>
+          <a:ln>
+            <a:noFill/>
+          </a:ln>
+        </p:spPr>
+        <p:txBody>
+          <a:bodyPr anchor="ctr"/>
+          <a:lstStyle/>
+          <a:p>
+            <a:pPr algn="ctr">
+              <a:lnSpc>
+                <a:spcPct val="100000"/>
+              </a:lnSpc>
+            </a:pPr>
+            <a:r>
+              <a:rPr lang="en-US" sz="4400" b="0" strike="noStrike" spc="-1" dirty="0">
+                <a:solidFill>
+                  <a:srgbClr val="000000"/>
+                </a:solidFill>
+                <a:uFill>
+                  <a:solidFill>
+                    <a:srgbClr val="FFFFFF"/>
+                  </a:solidFill>
+                </a:uFill>
+                <a:latin typeface="Calibri"/>
+              </a:rPr>
+              <a:t>Two Example Classes </a:t>
+            </a:r>
+            <a:r>
+              <a:rPr lang="en-US" sz="4400" spc="-1" dirty="0">
+                <a:solidFill>
+                  <a:srgbClr val="000000"/>
+                </a:solidFill>
+                <a:uFill>
+                  <a:solidFill>
+                    <a:srgbClr val="FFFFFF"/>
+                  </a:solidFill>
+                </a:uFill>
+                <a:latin typeface="Calibri"/>
+              </a:rPr>
+              <a:t>W</a:t>
+            </a:r>
+            <a:r>
+              <a:rPr lang="en-US" sz="4400" b="0" strike="noStrike" spc="-1" dirty="0">
+                <a:solidFill>
+                  <a:srgbClr val="000000"/>
+                </a:solidFill>
+                <a:uFill>
+                  <a:solidFill>
+                    <a:srgbClr val="FFFFFF"/>
+                  </a:solidFill>
+                </a:uFill>
+                <a:latin typeface="Calibri"/>
+              </a:rPr>
+              <a:t>ith Static</a:t>
+            </a:r>
+            <a:endParaRPr lang="en-US" sz="4400" b="0" strike="noStrike" spc="-1" dirty="0">
+              <a:solidFill>
+                <a:srgbClr val="000000"/>
+              </a:solidFill>
+              <a:uFill>
+                <a:solidFill>
+                  <a:srgbClr val="FFFFFF"/>
+                </a:solidFill>
+              </a:uFill>
+              <a:latin typeface="Arial"/>
+            </a:endParaRPr>
+          </a:p>
+        </p:txBody>
+      </p:sp>
+      <p:sp>
+        <p:nvSpPr>
+          <p:cNvPr id="224" name="TextShape 2"/>
+          <p:cNvSpPr txBox="1"/>
+          <p:nvPr/>
+        </p:nvSpPr>
+        <p:spPr>
+          <a:xfrm>
+            <a:off x="457200" y="1600200"/>
+            <a:ext cx="8229240" cy="4525560"/>
+          </a:xfrm>
+          <a:prstGeom prst="rect">
+            <a:avLst/>
+          </a:prstGeom>
+          <a:noFill/>
+          <a:ln>
+            <a:noFill/>
+          </a:ln>
+        </p:spPr>
+        <p:txBody>
+          <a:bodyPr/>
+          <a:lstStyle/>
+          <a:p>
+            <a:pPr marL="343080" indent="-342720">
+              <a:lnSpc>
+                <a:spcPct val="100000"/>
+              </a:lnSpc>
+              <a:buClr>
+                <a:srgbClr val="000000"/>
+              </a:buClr>
+              <a:buFont typeface="Arial"/>
+              <a:buChar char="•"/>
+            </a:pPr>
+            <a:r>
+              <a:rPr lang="en-US" sz="3200" b="0" strike="noStrike" spc="-1" dirty="0">
+                <a:solidFill>
+                  <a:srgbClr val="000000"/>
+                </a:solidFill>
+                <a:uFill>
+                  <a:solidFill>
+                    <a:srgbClr val="FFFFFF"/>
+                  </a:solidFill>
+                </a:uFill>
+                <a:latin typeface="Calibri"/>
+              </a:rPr>
+              <a:t>Car</a:t>
+            </a:r>
+          </a:p>
+          <a:p>
+            <a:pPr marL="343080" indent="-342720">
+              <a:lnSpc>
+                <a:spcPct val="100000"/>
+              </a:lnSpc>
+              <a:buClr>
+                <a:srgbClr val="000000"/>
+              </a:buClr>
+              <a:buFont typeface="Arial"/>
+              <a:buChar char="•"/>
+            </a:pPr>
+            <a:r>
+              <a:rPr lang="en-US" sz="3200" spc="-1" dirty="0">
+                <a:solidFill>
+                  <a:srgbClr val="000000"/>
+                </a:solidFill>
+                <a:uFill>
+                  <a:solidFill>
+                    <a:srgbClr val="FFFFFF"/>
+                  </a:solidFill>
+                </a:uFill>
+                <a:latin typeface="Calibri"/>
+              </a:rPr>
+              <a:t>Bicycle</a:t>
+            </a:r>
+            <a:endParaRPr lang="en-US" sz="2400" b="0" strike="noStrike" spc="-1" dirty="0">
+              <a:solidFill>
+                <a:srgbClr val="000000"/>
+              </a:solidFill>
+              <a:uFill>
+                <a:solidFill>
+                  <a:srgbClr val="FFFFFF"/>
+                </a:solidFill>
+              </a:uFill>
+              <a:latin typeface="Calibri"/>
+            </a:endParaRPr>
+          </a:p>
+        </p:txBody>
+      </p:sp>
+    </p:spTree>
+    <p:extLst>
+      <p:ext uri="{BB962C8B-B14F-4D97-AF65-F5344CB8AC3E}">
+        <p14:creationId xmlns:p14="http://schemas.microsoft.com/office/powerpoint/2010/main" val="978545204"/>
+      </p:ext>
+    </p:extLst>
+  </p:cSld>
+  <p:clrMapOvr>
+    <a:masterClrMapping/>
+  </p:clrMapOvr>
+  <p:timing>
+    <p:tnLst>
+      <p:par>
+        <p:cTn id="1" dur="indefinite" restart="never" nodeType="tmRoot">
+          <p:childTnLst>
+            <p:seq>
+              <p:cTn id="2" nodeType="mainSeq"/>
+              <p:prevCondLst>
+                <p:cond evt="onPrev" delay="0">
+                  <p:tgtEl>
+                    <p:sldTgt/>
+                  </p:tgtEl>
+                </p:cond>
+              </p:prevCondLst>
+              <p:nextCondLst>
+                <p:cond evt="onNext" delay="0">
+                  <p:tgtEl>
+                    <p:sldTgt/>
+                  </p:tgtEl>
+                </p:cond>
+              </p:nextCondLst>
+            </p:seq>
+          </p:childTnLst>
+        </p:cTn>
+      </p:par>
+    </p:tnLst>
+  </p:timing>
+</p:sld>
+</file>
+
+<file path=ppt/slides/slide17.xml><?xml version="1.0" encoding="utf-8"?>
 <p:sld xmlns:a="http://schemas.openxmlformats.org/drawingml/2006/main" xmlns:r="http://schemas.openxmlformats.org/officeDocument/2006/relationships" xmlns:p="http://schemas.openxmlformats.org/presentationml/2006/main">
   <p:cSld>
     <p:spTree>
@@ -10152,7 +10742,7 @@
 </p:sld>
 </file>
 
-<file path=ppt/slides/slide16.xml><?xml version="1.0" encoding="utf-8"?>
+<file path=ppt/slides/slide18.xml><?xml version="1.0" encoding="utf-8"?>
 <p:sld xmlns:a="http://schemas.openxmlformats.org/drawingml/2006/main" xmlns:r="http://schemas.openxmlformats.org/officeDocument/2006/relationships" xmlns:p="http://schemas.openxmlformats.org/presentationml/2006/main">
   <p:cSld>
     <p:spTree>
@@ -11378,7 +11968,7 @@
 </p:sld>
 </file>
 
-<file path=ppt/slides/slide17.xml><?xml version="1.0" encoding="utf-8"?>
+<file path=ppt/slides/slide19.xml><?xml version="1.0" encoding="utf-8"?>
 <p:sld xmlns:a="http://schemas.openxmlformats.org/drawingml/2006/main" xmlns:r="http://schemas.openxmlformats.org/officeDocument/2006/relationships" xmlns:p="http://schemas.openxmlformats.org/presentationml/2006/main">
   <p:cSld>
     <p:spTree>
@@ -11539,7 +12129,7 @@
 </p:sld>
 </file>
 
-<file path=ppt/slides/slide18.xml><?xml version="1.0" encoding="utf-8"?>
+<file path=ppt/slides/slide2.xml><?xml version="1.0" encoding="utf-8"?>
 <p:sld xmlns:a="http://schemas.openxmlformats.org/drawingml/2006/main" xmlns:r="http://schemas.openxmlformats.org/officeDocument/2006/relationships" xmlns:p="http://schemas.openxmlformats.org/presentationml/2006/main">
   <p:cSld>
     <p:spTree>
@@ -11573,7 +12163,7 @@
           <a:p>
             <a:r>
               <a:rPr lang="en-US" dirty="0"/>
-              <a:t>Live code</a:t>
+              <a:t>Plan for today</a:t>
             </a:r>
           </a:p>
         </p:txBody>
@@ -11593,6 +12183,98 @@
           <a:bodyPr/>
           <a:lstStyle/>
           <a:p>
+            <a:r>
+              <a:rPr lang="en-US" dirty="0"/>
+              <a:t>Talk about object references and box and pointer diagrams</a:t>
+            </a:r>
+          </a:p>
+          <a:p>
+            <a:r>
+              <a:rPr lang="en-US" dirty="0"/>
+              <a:t>Talk about static methods</a:t>
+            </a:r>
+          </a:p>
+          <a:p>
+            <a:r>
+              <a:rPr lang="en-US" dirty="0"/>
+              <a:t>Continue working on writing your own classes</a:t>
+            </a:r>
+          </a:p>
+          <a:p>
+            <a:r>
+              <a:rPr lang="en-US" dirty="0"/>
+              <a:t>Get started on your next assignment</a:t>
+            </a:r>
+          </a:p>
+        </p:txBody>
+      </p:sp>
+    </p:spTree>
+    <p:extLst>
+      <p:ext uri="{BB962C8B-B14F-4D97-AF65-F5344CB8AC3E}">
+        <p14:creationId xmlns:p14="http://schemas.microsoft.com/office/powerpoint/2010/main" val="2719131964"/>
+      </p:ext>
+    </p:extLst>
+  </p:cSld>
+  <p:clrMapOvr>
+    <a:masterClrMapping/>
+  </p:clrMapOvr>
+</p:sld>
+</file>
+
+<file path=ppt/slides/slide20.xml><?xml version="1.0" encoding="utf-8"?>
+<p:sld xmlns:a="http://schemas.openxmlformats.org/drawingml/2006/main" xmlns:r="http://schemas.openxmlformats.org/officeDocument/2006/relationships" xmlns:p="http://schemas.openxmlformats.org/presentationml/2006/main">
+  <p:cSld>
+    <p:spTree>
+      <p:nvGrpSpPr>
+        <p:cNvPr id="1" name=""/>
+        <p:cNvGrpSpPr/>
+        <p:nvPr/>
+      </p:nvGrpSpPr>
+      <p:grpSpPr>
+        <a:xfrm>
+          <a:off x="0" y="0"/>
+          <a:ext cx="0" cy="0"/>
+          <a:chOff x="0" y="0"/>
+          <a:chExt cx="0" cy="0"/>
+        </a:xfrm>
+      </p:grpSpPr>
+      <p:sp>
+        <p:nvSpPr>
+          <p:cNvPr id="2" name="Title 1"/>
+          <p:cNvSpPr>
+            <a:spLocks noGrp="1"/>
+          </p:cNvSpPr>
+          <p:nvPr>
+            <p:ph type="title"/>
+          </p:nvPr>
+        </p:nvSpPr>
+        <p:spPr/>
+        <p:txBody>
+          <a:bodyPr/>
+          <a:lstStyle/>
+          <a:p>
+            <a:r>
+              <a:rPr lang="en-US" dirty="0"/>
+              <a:t>Live code</a:t>
+            </a:r>
+          </a:p>
+        </p:txBody>
+      </p:sp>
+      <p:sp>
+        <p:nvSpPr>
+          <p:cNvPr id="3" name="Content Placeholder 2"/>
+          <p:cNvSpPr>
+            <a:spLocks noGrp="1"/>
+          </p:cNvSpPr>
+          <p:nvPr>
+            <p:ph idx="1"/>
+          </p:nvPr>
+        </p:nvSpPr>
+        <p:spPr/>
+        <p:txBody>
+          <a:bodyPr/>
+          <a:lstStyle/>
+          <a:p>
             <a:endParaRPr lang="en-US"/>
           </a:p>
         </p:txBody>
@@ -11610,7 +12292,7 @@
 </p:sld>
 </file>
 
-<file path=ppt/slides/slide19.xml><?xml version="1.0" encoding="utf-8"?>
+<file path=ppt/slides/slide21.xml><?xml version="1.0" encoding="utf-8"?>
 <p:sld xmlns:a="http://schemas.openxmlformats.org/drawingml/2006/main" xmlns:r="http://schemas.openxmlformats.org/officeDocument/2006/relationships" xmlns:p="http://schemas.openxmlformats.org/presentationml/2006/main">
   <p:cSld>
     <p:spTree>
@@ -11717,7 +12399,7 @@
               <a:buChar char="•"/>
             </a:pPr>
             <a:r>
-              <a:rPr lang="en-US" sz="3200" b="0" strike="noStrike" spc="-1">
+              <a:rPr lang="en-US" sz="3200" b="0" strike="noStrike" spc="-1" dirty="0">
                 <a:solidFill>
                   <a:srgbClr val="000000"/>
                 </a:solidFill>
@@ -11728,7 +12410,62 @@
                 </a:uFill>
                 <a:latin typeface="Calibri"/>
               </a:rPr>
-              <a:t>Start working on the TeamGradeBook homework. Try to finish the code for both add-student, add-absence and get-absences today</a:t>
+              <a:t>Start working on the </a:t>
+            </a:r>
+            <a:r>
+              <a:rPr lang="en-US" sz="3200" b="0" strike="noStrike" spc="-1" dirty="0" err="1">
+                <a:solidFill>
+                  <a:srgbClr val="000000"/>
+                </a:solidFill>
+                <a:uFill>
+                  <a:solidFill>
+                    <a:srgbClr val="FFFFFF"/>
+                  </a:solidFill>
+                </a:uFill>
+                <a:latin typeface="Calibri"/>
+              </a:rPr>
+              <a:t>MapsHW</a:t>
+            </a:r>
+            <a:r>
+              <a:rPr lang="en-US" sz="3200" b="0" strike="noStrike" spc="-1" dirty="0">
+                <a:solidFill>
+                  <a:srgbClr val="000000"/>
+                </a:solidFill>
+                <a:uFill>
+                  <a:solidFill>
+                    <a:srgbClr val="FFFFFF"/>
+                  </a:solidFill>
+                </a:uFill>
+                <a:latin typeface="Calibri"/>
+              </a:rPr>
+              <a:t> homework. </a:t>
+            </a:r>
+            <a:br>
+              <a:rPr lang="en-US" sz="3200" b="0" strike="noStrike" spc="-1" dirty="0">
+                <a:solidFill>
+                  <a:srgbClr val="000000"/>
+                </a:solidFill>
+                <a:uFill>
+                  <a:solidFill>
+                    <a:srgbClr val="FFFFFF"/>
+                  </a:solidFill>
+                </a:uFill>
+                <a:latin typeface="Calibri"/>
+              </a:rPr>
+            </a:br>
+            <a:r>
+              <a:rPr lang="en-US" sz="3200" b="0" strike="noStrike" spc="-1" dirty="0">
+                <a:solidFill>
+                  <a:srgbClr val="000000"/>
+                </a:solidFill>
+                <a:uFill>
+                  <a:solidFill>
+                    <a:srgbClr val="FFFFFF"/>
+                  </a:solidFill>
+                </a:uFill>
+                <a:latin typeface="Calibri"/>
+              </a:rPr>
+              <a:t>Work with a partner on 1 of the operations</a:t>
             </a:r>
           </a:p>
           <a:p>
@@ -11742,8 +12479,31 @@
               <a:buFont typeface="Arial"/>
               <a:buChar char="•"/>
             </a:pPr>
-            <a:r>
-              <a:rPr lang="en-US" sz="3200" b="0" strike="noStrike" spc="-1">
+            <a:endParaRPr lang="en-US" sz="3200" b="0" strike="noStrike" spc="-1" dirty="0">
+              <a:solidFill>
+                <a:srgbClr val="000000"/>
+              </a:solidFill>
+              <a:uFill>
+                <a:solidFill>
+                  <a:srgbClr val="FFFFFF"/>
+                </a:solidFill>
+              </a:uFill>
+              <a:latin typeface="Calibri"/>
+            </a:endParaRPr>
+          </a:p>
+          <a:p>
+            <a:pPr marL="343080" indent="-342720">
+              <a:lnSpc>
+                <a:spcPct val="100000"/>
+              </a:lnSpc>
+              <a:buClr>
+                <a:srgbClr val="000000"/>
+              </a:buClr>
+              <a:buFont typeface="Arial"/>
+              <a:buChar char="•"/>
+            </a:pPr>
+            <a:r>
+              <a:rPr lang="en-US" sz="3200" b="0" strike="noStrike" spc="-1" dirty="0">
                 <a:solidFill>
                   <a:srgbClr val="000000"/>
                 </a:solidFill>
@@ -11757,12 +12517,88 @@
               <a:t>If you are confused about what to do, get help!</a:t>
             </a:r>
           </a:p>
+          <a:p>
+            <a:pPr marL="343080" indent="-342720">
+              <a:lnSpc>
+                <a:spcPct val="100000"/>
+              </a:lnSpc>
+              <a:buClr>
+                <a:srgbClr val="000000"/>
+              </a:buClr>
+              <a:buFont typeface="Arial"/>
+              <a:buChar char="•"/>
+            </a:pPr>
+            <a:endParaRPr lang="en-US" sz="3200" spc="-1" dirty="0">
+              <a:solidFill>
+                <a:srgbClr val="000000"/>
+              </a:solidFill>
+              <a:uFill>
+                <a:solidFill>
+                  <a:srgbClr val="FFFFFF"/>
+                </a:solidFill>
+              </a:uFill>
+              <a:latin typeface="Calibri"/>
+            </a:endParaRPr>
+          </a:p>
+          <a:p>
+            <a:pPr marL="343080" indent="-342720">
+              <a:lnSpc>
+                <a:spcPct val="100000"/>
+              </a:lnSpc>
+              <a:buClr>
+                <a:srgbClr val="000000"/>
+              </a:buClr>
+              <a:buFont typeface="Arial"/>
+              <a:buChar char="•"/>
+            </a:pPr>
+            <a:r>
+              <a:rPr lang="en-US" sz="3200" b="0" strike="noStrike" spc="-1" dirty="0">
+                <a:solidFill>
+                  <a:srgbClr val="000000"/>
+                </a:solidFill>
+                <a:uFill>
+                  <a:solidFill>
+                    <a:srgbClr val="FFFFFF"/>
+                  </a:solidFill>
+                </a:uFill>
+                <a:latin typeface="Calibri"/>
+              </a:rPr>
+              <a:t>Fail in front of the Instructor or TA</a:t>
+            </a:r>
+            <a:br>
+              <a:rPr lang="en-US" sz="3200" b="0" strike="noStrike" spc="-1" dirty="0">
+                <a:solidFill>
+                  <a:srgbClr val="000000"/>
+                </a:solidFill>
+                <a:uFill>
+                  <a:solidFill>
+                    <a:srgbClr val="FFFFFF"/>
+                  </a:solidFill>
+                </a:uFill>
+                <a:latin typeface="Calibri"/>
+              </a:rPr>
+            </a:br>
+            <a:r>
+              <a:rPr lang="en-US" sz="3200" b="0" strike="noStrike" spc="-1" dirty="0">
+                <a:solidFill>
+                  <a:srgbClr val="000000"/>
+                </a:solidFill>
+                <a:uFill>
+                  <a:solidFill>
+                    <a:srgbClr val="FFFFFF"/>
+                  </a:solidFill>
+                </a:uFill>
+                <a:latin typeface="Calibri"/>
+              </a:rPr>
+              <a:t>Now is the time to fail, not at 23:45 the night it is due</a:t>
+            </a:r>
+          </a:p>
         </p:txBody>
       </p:sp>
     </p:spTree>
     <p:extLst>
       <p:ext uri="{BB962C8B-B14F-4D97-AF65-F5344CB8AC3E}">
-        <p14:creationId xmlns:p14="http://schemas.microsoft.com/office/powerpoint/2010/main" val="3831615343"/>
+        <p14:creationId xmlns:p14="http://schemas.microsoft.com/office/powerpoint/2010/main" val="2240881966"/>
       </p:ext>
     </p:extLst>
   </p:cSld>
@@ -11799,106 +12635,6 @@
 </p:sld>
 </file>
 
-<file path=ppt/slides/slide2.xml><?xml version="1.0" encoding="utf-8"?>
-<p:sld xmlns:a="http://schemas.openxmlformats.org/drawingml/2006/main" xmlns:r="http://schemas.openxmlformats.org/officeDocument/2006/relationships" xmlns:p="http://schemas.openxmlformats.org/presentationml/2006/main">
-  <p:cSld>
-    <p:spTree>
-      <p:nvGrpSpPr>
-        <p:cNvPr id="1" name=""/>
-        <p:cNvGrpSpPr/>
-        <p:nvPr/>
-      </p:nvGrpSpPr>
-      <p:grpSpPr>
-        <a:xfrm>
-          <a:off x="0" y="0"/>
-          <a:ext cx="0" cy="0"/>
-          <a:chOff x="0" y="0"/>
-          <a:chExt cx="0" cy="0"/>
-        </a:xfrm>
-      </p:grpSpPr>
-      <p:sp>
-        <p:nvSpPr>
-          <p:cNvPr id="2" name="Title 1"/>
-          <p:cNvSpPr>
-            <a:spLocks noGrp="1"/>
-          </p:cNvSpPr>
-          <p:nvPr>
-            <p:ph type="title"/>
-          </p:nvPr>
-        </p:nvSpPr>
-        <p:spPr/>
-        <p:txBody>
-          <a:bodyPr/>
-          <a:lstStyle/>
-          <a:p>
-            <a:r>
-              <a:rPr lang="en-US" dirty="0"/>
-              <a:t>Plan for today</a:t>
-            </a:r>
-          </a:p>
-        </p:txBody>
-      </p:sp>
-      <p:sp>
-        <p:nvSpPr>
-          <p:cNvPr id="3" name="Content Placeholder 2"/>
-          <p:cNvSpPr>
-            <a:spLocks noGrp="1"/>
-          </p:cNvSpPr>
-          <p:nvPr>
-            <p:ph idx="1"/>
-          </p:nvPr>
-        </p:nvSpPr>
-        <p:spPr/>
-        <p:txBody>
-          <a:bodyPr/>
-          <a:lstStyle/>
-          <a:p>
-            <a:r>
-              <a:rPr lang="en-US" dirty="0"/>
-              <a:t>Talk about object references and box and pointer diagrams</a:t>
-            </a:r>
-          </a:p>
-          <a:p>
-            <a:r>
-              <a:rPr lang="en-US" dirty="0"/>
-              <a:t>Talk about static methods</a:t>
-            </a:r>
-          </a:p>
-          <a:p>
-            <a:r>
-              <a:rPr lang="en-US" dirty="0"/>
-              <a:t>Continue working on writing your own classes</a:t>
-            </a:r>
-          </a:p>
-          <a:p>
-            <a:r>
-              <a:rPr lang="en-US" dirty="0"/>
-              <a:t>Get started on </a:t>
-            </a:r>
-            <a:r>
-              <a:rPr lang="en-US" dirty="0" err="1"/>
-              <a:t>TeamGradebook</a:t>
-            </a:r>
-            <a:r>
-              <a:rPr lang="en-US" dirty="0"/>
-              <a:t>, your new assignment</a:t>
-            </a:r>
-          </a:p>
-        </p:txBody>
-      </p:sp>
-    </p:spTree>
-    <p:extLst>
-      <p:ext uri="{BB962C8B-B14F-4D97-AF65-F5344CB8AC3E}">
-        <p14:creationId xmlns:p14="http://schemas.microsoft.com/office/powerpoint/2010/main" val="2719131964"/>
-      </p:ext>
-    </p:extLst>
-  </p:cSld>
-  <p:clrMapOvr>
-    <a:masterClrMapping/>
-  </p:clrMapOvr>
-</p:sld>
-</file>
-
 <file path=ppt/slides/slide3.xml><?xml version="1.0" encoding="utf-8"?>
 <p:sld xmlns:a="http://schemas.openxmlformats.org/drawingml/2006/main" xmlns:r="http://schemas.openxmlformats.org/officeDocument/2006/relationships" xmlns:p="http://schemas.openxmlformats.org/presentationml/2006/main">
   <p:cSld>
@@ -11932,10 +12668,10 @@
           <a:lstStyle/>
           <a:p>
             <a:r>
-              <a:rPr lang="en-US" dirty="0" err="1"/>
-              <a:t>TeamGradebook</a:t>
-            </a:r>
-            <a:endParaRPr lang="en-US" dirty="0"/>
+              <a:rPr lang="en-US" err="1"/>
+              <a:t>MapsHW</a:t>
+            </a:r>
+            <a:endParaRPr lang="en-US"/>
           </a:p>
         </p:txBody>
       </p:sp>
@@ -11949,18 +12685,64 @@
             <p:ph idx="1"/>
           </p:nvPr>
         </p:nvSpPr>
-        <p:spPr/>
+        <p:spPr>
+          <a:xfrm>
+            <a:off x="446183" y="3260993"/>
+            <a:ext cx="8229240" cy="2313924"/>
+          </a:xfrm>
+        </p:spPr>
         <p:txBody>
           <a:bodyPr/>
           <a:lstStyle/>
           <a:p>
             <a:r>
               <a:rPr lang="en-US" dirty="0"/>
-              <a:t>Just a quick demo</a:t>
-            </a:r>
+              <a:t>Collaborate with a partner on exactly 1 of the operations</a:t>
+            </a:r>
+          </a:p>
+          <a:p>
+            <a:r>
+              <a:rPr lang="en-US" dirty="0"/>
+              <a:t>Draw a few map diagrams for test data for </a:t>
+            </a:r>
+            <a:r>
+              <a:rPr lang="en-US" i="1" dirty="0" err="1"/>
+              <a:t>getNumberOfCoursesToTake</a:t>
+            </a:r>
+            <a:endParaRPr lang="en-US" i="1" dirty="0"/>
           </a:p>
         </p:txBody>
       </p:sp>
+      <p:pic>
+        <p:nvPicPr>
+          <p:cNvPr id="4" name="Picture 3">
+            <a:extLst>
+              <a:ext uri="{FF2B5EF4-FFF2-40B4-BE49-F238E27FC236}">
+                <a16:creationId xmlns:a16="http://schemas.microsoft.com/office/drawing/2014/main" id="{8EAB44CF-A3F6-4B4C-BC3A-0AA56C34627F}"/>
+              </a:ext>
+            </a:extLst>
+          </p:cNvPr>
+          <p:cNvPicPr>
+            <a:picLocks noChangeAspect="1"/>
+          </p:cNvPicPr>
+          <p:nvPr/>
+        </p:nvPicPr>
+        <p:blipFill>
+          <a:blip r:embed="rId3"/>
+          <a:stretch>
+            <a:fillRect/>
+          </a:stretch>
+        </p:blipFill>
+        <p:spPr>
+          <a:xfrm>
+            <a:off x="901547" y="1364562"/>
+            <a:ext cx="7010400" cy="1727200"/>
+          </a:xfrm>
+          <a:prstGeom prst="rect">
+            <a:avLst/>
+          </a:prstGeom>
+        </p:spPr>
+      </p:pic>
     </p:spTree>
     <p:extLst>
       <p:ext uri="{BB962C8B-B14F-4D97-AF65-F5344CB8AC3E}">
@@ -12327,6 +13109,21 @@
               </a:rPr>
               <a:t>references</a:t>
             </a:r>
+            <a:br>
+              <a:rPr lang="en-US" i="1" dirty="0">
+                <a:solidFill>
+                  <a:schemeClr val="accent3"/>
+                </a:solidFill>
+              </a:rPr>
+            </a:br>
+            <a:r>
+              <a:rPr lang="en-US" i="1" dirty="0">
+                <a:solidFill>
+                  <a:schemeClr val="accent3"/>
+                </a:solidFill>
+              </a:rPr>
+              <a:t>reference = memory address</a:t>
+            </a:r>
           </a:p>
         </p:txBody>
       </p:sp>
@@ -12338,7 +13135,7 @@
         </p:nvSpPr>
         <p:spPr>
           <a:xfrm>
-            <a:off x="233151" y="5257621"/>
+            <a:off x="310269" y="4960166"/>
             <a:ext cx="8401050" cy="1200329"/>
           </a:xfrm>
           <a:prstGeom prst="rect">
@@ -13062,7 +13859,7 @@
     </p:spTree>
     <p:extLst>
       <p:ext uri="{BB962C8B-B14F-4D97-AF65-F5344CB8AC3E}">
-        <p14:creationId xmlns:p14="http://schemas.microsoft.com/office/powerpoint/2010/main" val="609461224"/>
+        <p14:creationId xmlns:p14="http://schemas.microsoft.com/office/powerpoint/2010/main" val="2614318475"/>
       </p:ext>
     </p:extLst>
   </p:cSld>
@@ -13452,7 +14249,23 @@
             </a:r>
             <a:r>
               <a:rPr lang="en-US" dirty="0"/>
-              <a:t>(“the pointer”) </a:t>
+              <a:t>(“the </a:t>
+            </a:r>
+            <a:r>
+              <a:rPr lang="en-US" i="1" dirty="0"/>
+              <a:t>address</a:t>
+            </a:r>
+            <a:r>
+              <a:rPr lang="en-US" dirty="0"/>
+              <a:t> or </a:t>
+            </a:r>
+            <a:r>
+              <a:rPr lang="en-US" i="1" dirty="0"/>
+              <a:t>pointer</a:t>
+            </a:r>
+            <a:r>
+              <a:rPr lang="en-US" dirty="0"/>
+              <a:t>”) </a:t>
             </a:r>
             <a:r>
               <a:rPr lang="en-US" b="1" dirty="0">
@@ -13493,7 +14306,7 @@
         <p:spPr>
           <a:xfrm>
             <a:off x="360733" y="4125322"/>
-            <a:ext cx="8401050" cy="2677656"/>
+            <a:ext cx="8595980" cy="2308324"/>
           </a:xfrm>
           <a:prstGeom prst="rect">
             <a:avLst/>
@@ -13570,14 +14383,6 @@
               </a:rPr>
               <a:t>y = 20;</a:t>
             </a:r>
-            <a:br>
-              <a:rPr lang="en-US" sz="2400" dirty="0">
-                <a:solidFill>
-                  <a:schemeClr val="accent3"/>
-                </a:solidFill>
-                <a:latin typeface="Lucida Sans Typewriter" pitchFamily="49" charset="0"/>
-              </a:rPr>
-            </a:br>
             <a:endParaRPr lang="en-US" sz="2400" dirty="0">
               <a:solidFill>
                 <a:schemeClr val="accent3"/>
@@ -13614,8 +14419,14 @@
                 </a:solidFill>
                 <a:latin typeface="Lucida Sans Typewriter" pitchFamily="49" charset="0"/>
               </a:rPr>
-              <a:t>Rectangle box2 = box;</a:t>
-            </a:r>
+              <a:t>Rectangle box2 = box; </a:t>
+            </a:r>
+            <a:endParaRPr lang="en-US" dirty="0">
+              <a:solidFill>
+                <a:schemeClr val="accent3"/>
+              </a:solidFill>
+              <a:latin typeface="Lucida Sans Typewriter" pitchFamily="49" charset="0"/>
+            </a:endParaRPr>
           </a:p>
           <a:p>
             <a:pPr marL="457200" indent="-457200">
@@ -13631,6 +14442,15 @@
                 <a:latin typeface="Lucida Sans Typewriter" pitchFamily="49" charset="0"/>
               </a:rPr>
               <a:t>box2.translate(4, 4);</a:t>
+            </a:r>
+            <a:r>
+              <a:rPr lang="en-US" dirty="0">
+                <a:solidFill>
+                  <a:schemeClr val="accent3"/>
+                </a:solidFill>
+                <a:latin typeface="Lucida Sans Typewriter" pitchFamily="49" charset="0"/>
+              </a:rPr>
+              <a:t> // called shallow copy</a:t>
             </a:r>
           </a:p>
         </p:txBody>
@@ -13867,7 +14687,7 @@
         </p:nvGrpSpPr>
         <p:grpSpPr>
           <a:xfrm>
-            <a:off x="7858124" y="2343150"/>
+            <a:off x="7769988" y="2343150"/>
             <a:ext cx="885826" cy="2547144"/>
             <a:chOff x="7629525" y="2310606"/>
             <a:chExt cx="885826" cy="2547144"/>
@@ -14283,8 +15103,8 @@
         </p:nvSpPr>
         <p:spPr>
           <a:xfrm>
-            <a:off x="3829050" y="4198203"/>
-            <a:ext cx="1085850" cy="830997"/>
+            <a:off x="3884133" y="4099051"/>
+            <a:ext cx="1282778" cy="830997"/>
           </a:xfrm>
           <a:prstGeom prst="rect">
             <a:avLst/>
@@ -14303,7 +15123,7 @@
                   <a:srgbClr val="FF0000"/>
                 </a:solidFill>
               </a:rPr>
-              <a:t>× </a:t>
+              <a:t>×</a:t>
             </a:r>
             <a:r>
               <a:rPr lang="en-US" sz="2400" b="1" dirty="0">
@@ -14324,10 +15144,10 @@
         </p:nvGrpSpPr>
         <p:grpSpPr>
           <a:xfrm>
-            <a:off x="5715000" y="3616722"/>
-            <a:ext cx="2143124" cy="1020366"/>
+            <a:off x="5626864" y="3616722"/>
+            <a:ext cx="2054988" cy="1020366"/>
             <a:chOff x="5486400" y="2530872"/>
-            <a:chExt cx="2143124" cy="1020366"/>
+            <a:chExt cx="2054988" cy="1020366"/>
           </a:xfrm>
         </p:grpSpPr>
         <p:grpSp>
@@ -14449,7 +15269,7 @@
           </p:nvCxnSpPr>
           <p:spPr>
             <a:xfrm flipV="1">
-              <a:off x="6800850" y="2530872"/>
+              <a:off x="6712714" y="2530872"/>
               <a:ext cx="828674" cy="783828"/>
             </a:xfrm>
             <a:prstGeom prst="straightConnector1">
@@ -14486,7 +15306,7 @@
         </p:nvSpPr>
         <p:spPr>
           <a:xfrm>
-            <a:off x="8000999" y="2343150"/>
+            <a:off x="8056082" y="2321116"/>
             <a:ext cx="1085850" cy="830997"/>
           </a:xfrm>
           <a:prstGeom prst="rect">
@@ -14527,7 +15347,7 @@
         </p:nvSpPr>
         <p:spPr>
           <a:xfrm>
-            <a:off x="8058150" y="2883753"/>
+            <a:off x="8102216" y="2861719"/>
             <a:ext cx="1085850" cy="830997"/>
           </a:xfrm>
           <a:prstGeom prst="rect">
@@ -14547,7 +15367,7 @@
                   <a:srgbClr val="FF0000"/>
                 </a:solidFill>
               </a:rPr>
-              <a:t>× </a:t>
+              <a:t>×</a:t>
             </a:r>
             <a:r>
               <a:rPr lang="en-US" sz="2400" b="1" dirty="0">
@@ -14563,7 +15383,7 @@
     </p:spTree>
     <p:extLst>
       <p:ext uri="{BB962C8B-B14F-4D97-AF65-F5344CB8AC3E}">
-        <p14:creationId xmlns:p14="http://schemas.microsoft.com/office/powerpoint/2010/main" val="4129270289"/>
+        <p14:creationId xmlns:p14="http://schemas.microsoft.com/office/powerpoint/2010/main" val="3962643916"/>
       </p:ext>
     </p:extLst>
   </p:cSld>
@@ -19543,11 +20363,9 @@
                   </a:solidFill>
                 </a:uFill>
               </a:rPr>
-              <a:t>Key word new is a clue… draw a box</a:t>
-            </a:r>
-          </a:p>
-          <a:p>
-            <a:r>
+              <a:t>Key word new is a clue… draw 2 boxes</a:t>
+            </a:r>
+            <a:br>
               <a:rPr lang="en-US" spc="-1" dirty="0">
                 <a:solidFill>
                   <a:srgbClr val="000000"/>
@@ -19558,7 +20376,34 @@
                   </a:solidFill>
                 </a:uFill>
               </a:rPr>
-              <a:t>When you pass an Object into a method YOU PASS THE REFERENCE, so if you change it, it changes elsewhere!</a:t>
+            </a:br>
+            <a:r>
+              <a:rPr lang="en-US" spc="-1" dirty="0">
+                <a:solidFill>
+                  <a:srgbClr val="000000"/>
+                </a:solidFill>
+                <a:uFill>
+                  <a:solidFill>
+                    <a:srgbClr val="FFFFFF"/>
+                  </a:solidFill>
+                </a:uFill>
+              </a:rPr>
+              <a:t>1 for the tail of the arrow and 1 for the arrow head</a:t>
+            </a:r>
+          </a:p>
+          <a:p>
+            <a:r>
+              <a:rPr lang="en-US" spc="-1" dirty="0">
+                <a:solidFill>
+                  <a:srgbClr val="000000"/>
+                </a:solidFill>
+                <a:uFill>
+                  <a:solidFill>
+                    <a:srgbClr val="FFFFFF"/>
+                  </a:solidFill>
+                </a:uFill>
+              </a:rPr>
+              <a:t>When you pass an Object into a method YOU PASS THE REFERENCE (memory address), so if you change it, it changes elsewhere!</a:t>
             </a:r>
           </a:p>
           <a:p>
@@ -19580,7 +20425,14 @@
           <a:p>
             <a:r>
               <a:rPr lang="en-US" dirty="0"/>
-              <a:t>SMALL BOXES MUST NOT POINT TO OTHER  SMALL BOXES</a:t>
+              <a:t>SMALL BOXES (arrow tail boxes)</a:t>
+            </a:r>
+            <a:br>
+              <a:rPr lang="en-US" dirty="0"/>
+            </a:br>
+            <a:r>
+              <a:rPr lang="en-US" dirty="0"/>
+              <a:t>MUST NOT POINT TO OTHER  SMALL BOXES</a:t>
             </a:r>
           </a:p>
           <a:p>
@@ -19648,7 +20500,7 @@
     </p:spTree>
     <p:extLst>
       <p:ext uri="{BB962C8B-B14F-4D97-AF65-F5344CB8AC3E}">
-        <p14:creationId xmlns:p14="http://schemas.microsoft.com/office/powerpoint/2010/main" val="792907088"/>
+        <p14:creationId xmlns:p14="http://schemas.microsoft.com/office/powerpoint/2010/main" val="2838636162"/>
       </p:ext>
     </p:extLst>
   </p:cSld>
